--- a/slides/2019-09-20-machine-learning-systems-design.pptx
+++ b/slides/2019-09-20-machine-learning-systems-design.pptx
@@ -6,43 +6,28 @@
   </p:sldMasterIdLst>
   <p:sldIdLst>
     <p:sldId id="256" r:id="rId2"/>
-    <p:sldId id="257" r:id="rId3"/>
-    <p:sldId id="258" r:id="rId4"/>
-    <p:sldId id="259" r:id="rId5"/>
-    <p:sldId id="260" r:id="rId6"/>
-    <p:sldId id="261" r:id="rId7"/>
-    <p:sldId id="262" r:id="rId8"/>
-    <p:sldId id="263" r:id="rId9"/>
-    <p:sldId id="264" r:id="rId10"/>
-    <p:sldId id="265" r:id="rId11"/>
-    <p:sldId id="266" r:id="rId12"/>
-    <p:sldId id="267" r:id="rId13"/>
-    <p:sldId id="268" r:id="rId14"/>
-    <p:sldId id="269" r:id="rId15"/>
-    <p:sldId id="270" r:id="rId16"/>
-    <p:sldId id="271" r:id="rId17"/>
-    <p:sldId id="272" r:id="rId18"/>
-    <p:sldId id="273" r:id="rId19"/>
-    <p:sldId id="274" r:id="rId20"/>
-    <p:sldId id="275" r:id="rId21"/>
-    <p:sldId id="276" r:id="rId22"/>
-    <p:sldId id="277" r:id="rId23"/>
-    <p:sldId id="278" r:id="rId24"/>
-    <p:sldId id="279" r:id="rId25"/>
-    <p:sldId id="280" r:id="rId26"/>
-    <p:sldId id="281" r:id="rId27"/>
-    <p:sldId id="282" r:id="rId28"/>
-    <p:sldId id="283" r:id="rId29"/>
-    <p:sldId id="284" r:id="rId30"/>
-    <p:sldId id="285" r:id="rId31"/>
-    <p:sldId id="286" r:id="rId32"/>
-    <p:sldId id="287" r:id="rId33"/>
-    <p:sldId id="288" r:id="rId34"/>
-    <p:sldId id="289" r:id="rId35"/>
-    <p:sldId id="290" r:id="rId36"/>
-    <p:sldId id="291" r:id="rId37"/>
-    <p:sldId id="292" r:id="rId38"/>
-    <p:sldId id="293" r:id="rId39"/>
+    <p:sldId id="258" r:id="rId3"/>
+    <p:sldId id="259" r:id="rId4"/>
+    <p:sldId id="260" r:id="rId5"/>
+    <p:sldId id="261" r:id="rId6"/>
+    <p:sldId id="262" r:id="rId7"/>
+    <p:sldId id="263" r:id="rId8"/>
+    <p:sldId id="264" r:id="rId9"/>
+    <p:sldId id="265" r:id="rId10"/>
+    <p:sldId id="266" r:id="rId11"/>
+    <p:sldId id="282" r:id="rId12"/>
+    <p:sldId id="268" r:id="rId13"/>
+    <p:sldId id="269" r:id="rId14"/>
+    <p:sldId id="270" r:id="rId15"/>
+    <p:sldId id="271" r:id="rId16"/>
+    <p:sldId id="272" r:id="rId17"/>
+    <p:sldId id="273" r:id="rId18"/>
+    <p:sldId id="274" r:id="rId19"/>
+    <p:sldId id="283" r:id="rId20"/>
+    <p:sldId id="284" r:id="rId21"/>
+    <p:sldId id="285" r:id="rId22"/>
+    <p:sldId id="279" r:id="rId23"/>
+    <p:sldId id="280" r:id="rId24"/>
   </p:sldIdLst>
   <p:sldSz cx="9144000" cy="6858000" type="screen4x3"/>
   <p:notesSz cx="6858000" cy="9144000"/>
@@ -5944,36 +5929,12 @@
           <a:bodyPr/>
           <a:lstStyle/>
           <a:p>
-            <a:pPr lvl="0" marL="0" indent="0">
+            <a:pPr marL="0" lvl="0" indent="0">
               <a:buNone/>
             </a:pPr>
             <a:r>
-              <a:rPr/>
-              <a:t>Machine</a:t>
-            </a:r>
-            <a:r>
-              <a:rPr/>
-              <a:t> </a:t>
-            </a:r>
-            <a:r>
-              <a:rPr/>
-              <a:t>Learning</a:t>
-            </a:r>
-            <a:r>
-              <a:rPr/>
-              <a:t> </a:t>
-            </a:r>
-            <a:r>
-              <a:rPr/>
-              <a:t>Systems</a:t>
-            </a:r>
-            <a:r>
-              <a:rPr/>
-              <a:t> </a:t>
-            </a:r>
-            <a:r>
-              <a:rPr/>
-              <a:t>Design</a:t>
+              <a:rPr dirty="0"/>
+              <a:t>Machine Learning Systems Design</a:t>
             </a:r>
           </a:p>
         </p:txBody>
@@ -5998,11 +5959,38 @@
           <a:bodyPr/>
           <a:lstStyle/>
           <a:p>
-            <a:pPr lvl="0" marL="0" indent="0">
+            <a:pPr marL="0" lvl="0" indent="0">
               <a:buNone/>
             </a:pPr>
-            <a:br/>
-            <a:br/>
+            <a:br>
+              <a:rPr dirty="0"/>
+            </a:br>
+            <a:br>
+              <a:rPr dirty="0"/>
+            </a:br>
+            <a:r>
+              <a:rPr lang="en-US" dirty="0"/>
+              <a:t>Neil Lawrence</a:t>
+            </a:r>
+          </a:p>
+          <a:p>
+            <a:pPr marL="0" lvl="0" indent="0">
+              <a:buNone/>
+            </a:pPr>
+            <a:r>
+              <a:rPr lang="en-US" dirty="0"/>
+              <a:t>University of Sheffield</a:t>
+            </a:r>
+          </a:p>
+          <a:p>
+            <a:pPr marL="0" lvl="0" indent="0">
+              <a:buNone/>
+            </a:pPr>
+            <a:r>
+              <a:rPr lang="en-US" dirty="0"/>
+              <a:t>Re-Work Deep Learning Summit</a:t>
+            </a:r>
+            <a:endParaRPr dirty="0"/>
           </a:p>
         </p:txBody>
       </p:sp>
@@ -6021,11 +6009,10 @@
           <a:bodyPr/>
           <a:lstStyle/>
           <a:p>
-            <a:pPr lvl="0" marL="0" indent="0">
+            <a:pPr marL="0" lvl="0" indent="0">
               <a:buNone/>
             </a:pPr>
             <a:r>
-              <a:rPr/>
               <a:t>2019-09-20</a:t>
             </a:r>
           </a:p>
@@ -6033,6 +6020,9 @@
       </p:sp>
     </p:spTree>
   </p:cSld>
+  <p:clrMapOvr>
+    <a:masterClrMapping/>
+  </p:clrMapOvr>
 </p:sld>
 </file>
 
@@ -6068,20 +6058,11 @@
           <a:bodyPr/>
           <a:lstStyle/>
           <a:p>
-            <a:pPr lvl="0" marL="0" indent="0">
+            <a:pPr marL="0" lvl="0" indent="0">
               <a:buNone/>
             </a:pPr>
             <a:r>
-              <a:rPr/>
-              <a:t>Technical</a:t>
-            </a:r>
-            <a:r>
-              <a:rPr/>
-              <a:t> </a:t>
-            </a:r>
-            <a:r>
-              <a:rPr/>
-              <a:t>Consequence</a:t>
+              <a:t>Bits and Atoms</a:t>
             </a:r>
           </a:p>
         </p:txBody>
@@ -6103,29 +6084,22 @@
           <a:p>
             <a:pPr lvl="1"/>
             <a:r>
-              <a:rPr/>
-              <a:t>Classical systems design assumes </a:t>
-            </a:r>
-            <a:r>
-              <a:rPr i="1"/>
-              <a:t>decomposability</a:t>
-            </a:r>
-            <a:r>
-              <a:rPr/>
-              <a:t>.</a:t>
+              <a:t>The gap between the game and reality.</a:t>
             </a:r>
           </a:p>
           <a:p>
             <a:pPr lvl="1"/>
             <a:r>
-              <a:rPr/>
-              <a:t>Data-driven systems interfere with decomponsability.</a:t>
+              <a:t>The need for extrapolation over interpolation.</a:t>
             </a:r>
           </a:p>
         </p:txBody>
       </p:sp>
     </p:spTree>
   </p:cSld>
+  <p:clrMapOvr>
+    <a:masterClrMapping/>
+  </p:clrMapOvr>
 </p:sld>
 </file>
 
@@ -6148,6 +6122,403 @@
       </p:grpSpPr>
       <p:sp>
         <p:nvSpPr>
+          <p:cNvPr id="117" name="Line 116">
+            <a:extLst>
+              <a:ext uri="{FF2B5EF4-FFF2-40B4-BE49-F238E27FC236}">
+                <a16:creationId xmlns:a16="http://schemas.microsoft.com/office/drawing/2014/main" id="{F9185D4F-7DA7-426F-9D1E-46B9D212E77A}"/>
+              </a:ext>
+            </a:extLst>
+          </p:cNvPr>
+          <p:cNvSpPr>
+            <a:spLocks noChangeShapeType="1"/>
+          </p:cNvSpPr>
+          <p:nvPr/>
+        </p:nvSpPr>
+        <p:spPr bwMode="auto">
+          <a:xfrm flipH="1" flipV="1">
+            <a:off x="3262313" y="2671896"/>
+            <a:ext cx="2587625" cy="1230313"/>
+          </a:xfrm>
+          <a:prstGeom prst="line">
+            <a:avLst/>
+          </a:prstGeom>
+          <a:noFill/>
+          <a:ln>
+            <a:noFill/>
+          </a:ln>
+          <a:extLst>
+            <a:ext uri="{909E8E84-426E-40DD-AFC4-6F175D3DCCD1}">
+              <a14:hiddenFill xmlns:a14="http://schemas.microsoft.com/office/drawing/2010/main">
+                <a:noFill/>
+              </a14:hiddenFill>
+            </a:ext>
+            <a:ext uri="{91240B29-F687-4F45-9708-019B960494DF}">
+              <a14:hiddenLine xmlns:a14="http://schemas.microsoft.com/office/drawing/2010/main" w="9525">
+                <a:solidFill>
+                  <a:srgbClr val="000000"/>
+                </a:solidFill>
+                <a:round/>
+                <a:headEnd/>
+                <a:tailEnd/>
+              </a14:hiddenLine>
+            </a:ext>
+          </a:extLst>
+        </p:spPr>
+        <p:txBody>
+          <a:bodyPr vert="horz" wrap="square" lIns="91440" tIns="45720" rIns="91440" bIns="45720" numCol="1" anchor="ctr" anchorCtr="0" compatLnSpc="1">
+            <a:prstTxWarp prst="textNoShape">
+              <a:avLst/>
+            </a:prstTxWarp>
+          </a:bodyPr>
+          <a:lstStyle/>
+          <a:p>
+            <a:endParaRPr lang="en-GB" sz="1600"/>
+          </a:p>
+        </p:txBody>
+      </p:sp>
+      <p:sp>
+        <p:nvSpPr>
+          <p:cNvPr id="121" name="Line 120">
+            <a:extLst>
+              <a:ext uri="{FF2B5EF4-FFF2-40B4-BE49-F238E27FC236}">
+                <a16:creationId xmlns:a16="http://schemas.microsoft.com/office/drawing/2014/main" id="{383B3A6D-F80E-4434-9C38-482658A7864F}"/>
+              </a:ext>
+            </a:extLst>
+          </p:cNvPr>
+          <p:cNvSpPr>
+            <a:spLocks noChangeShapeType="1"/>
+          </p:cNvSpPr>
+          <p:nvPr/>
+        </p:nvSpPr>
+        <p:spPr bwMode="auto">
+          <a:xfrm flipH="1">
+            <a:off x="3262313" y="2024196"/>
+            <a:ext cx="517525" cy="647700"/>
+          </a:xfrm>
+          <a:prstGeom prst="line">
+            <a:avLst/>
+          </a:prstGeom>
+          <a:noFill/>
+          <a:ln>
+            <a:noFill/>
+          </a:ln>
+          <a:extLst>
+            <a:ext uri="{909E8E84-426E-40DD-AFC4-6F175D3DCCD1}">
+              <a14:hiddenFill xmlns:a14="http://schemas.microsoft.com/office/drawing/2010/main">
+                <a:noFill/>
+              </a14:hiddenFill>
+            </a:ext>
+            <a:ext uri="{91240B29-F687-4F45-9708-019B960494DF}">
+              <a14:hiddenLine xmlns:a14="http://schemas.microsoft.com/office/drawing/2010/main" w="9525">
+                <a:solidFill>
+                  <a:srgbClr val="000000"/>
+                </a:solidFill>
+                <a:round/>
+                <a:headEnd/>
+                <a:tailEnd/>
+              </a14:hiddenLine>
+            </a:ext>
+          </a:extLst>
+        </p:spPr>
+        <p:txBody>
+          <a:bodyPr vert="horz" wrap="square" lIns="91440" tIns="45720" rIns="91440" bIns="45720" numCol="1" anchor="ctr" anchorCtr="0" compatLnSpc="1">
+            <a:prstTxWarp prst="textNoShape">
+              <a:avLst/>
+            </a:prstTxWarp>
+          </a:bodyPr>
+          <a:lstStyle/>
+          <a:p>
+            <a:endParaRPr lang="en-GB" sz="1600"/>
+          </a:p>
+        </p:txBody>
+      </p:sp>
+      <p:sp>
+        <p:nvSpPr>
+          <p:cNvPr id="125" name="Line 124">
+            <a:extLst>
+              <a:ext uri="{FF2B5EF4-FFF2-40B4-BE49-F238E27FC236}">
+                <a16:creationId xmlns:a16="http://schemas.microsoft.com/office/drawing/2014/main" id="{7A4A542B-8793-4BAD-AF44-098EA2461010}"/>
+              </a:ext>
+            </a:extLst>
+          </p:cNvPr>
+          <p:cNvSpPr>
+            <a:spLocks noChangeShapeType="1"/>
+          </p:cNvSpPr>
+          <p:nvPr/>
+        </p:nvSpPr>
+        <p:spPr bwMode="auto">
+          <a:xfrm flipH="1" flipV="1">
+            <a:off x="3262313" y="2671896"/>
+            <a:ext cx="517525" cy="2266950"/>
+          </a:xfrm>
+          <a:prstGeom prst="line">
+            <a:avLst/>
+          </a:prstGeom>
+          <a:noFill/>
+          <a:ln>
+            <a:noFill/>
+          </a:ln>
+          <a:extLst>
+            <a:ext uri="{909E8E84-426E-40DD-AFC4-6F175D3DCCD1}">
+              <a14:hiddenFill xmlns:a14="http://schemas.microsoft.com/office/drawing/2010/main">
+                <a:noFill/>
+              </a14:hiddenFill>
+            </a:ext>
+            <a:ext uri="{91240B29-F687-4F45-9708-019B960494DF}">
+              <a14:hiddenLine xmlns:a14="http://schemas.microsoft.com/office/drawing/2010/main" w="9525">
+                <a:solidFill>
+                  <a:srgbClr val="000000"/>
+                </a:solidFill>
+                <a:round/>
+                <a:headEnd/>
+                <a:tailEnd/>
+              </a14:hiddenLine>
+            </a:ext>
+          </a:extLst>
+        </p:spPr>
+        <p:txBody>
+          <a:bodyPr vert="horz" wrap="square" lIns="91440" tIns="45720" rIns="91440" bIns="45720" numCol="1" anchor="ctr" anchorCtr="0" compatLnSpc="1">
+            <a:prstTxWarp prst="textNoShape">
+              <a:avLst/>
+            </a:prstTxWarp>
+          </a:bodyPr>
+          <a:lstStyle/>
+          <a:p>
+            <a:endParaRPr lang="en-GB" sz="1600"/>
+          </a:p>
+        </p:txBody>
+      </p:sp>
+      <p:grpSp>
+        <p:nvGrpSpPr>
+          <p:cNvPr id="195" name="Group 194">
+            <a:extLst>
+              <a:ext uri="{FF2B5EF4-FFF2-40B4-BE49-F238E27FC236}">
+                <a16:creationId xmlns:a16="http://schemas.microsoft.com/office/drawing/2014/main" id="{5BE803A7-F9EA-4D61-8C64-7989ABFD93CE}"/>
+              </a:ext>
+            </a:extLst>
+          </p:cNvPr>
+          <p:cNvGrpSpPr/>
+          <p:nvPr/>
+        </p:nvGrpSpPr>
+        <p:grpSpPr>
+          <a:xfrm>
+            <a:off x="3262313" y="2024196"/>
+            <a:ext cx="2587625" cy="2914650"/>
+            <a:chOff x="3262313" y="2024196"/>
+            <a:chExt cx="2587625" cy="2914650"/>
+          </a:xfrm>
+        </p:grpSpPr>
+        <p:sp>
+          <p:nvSpPr>
+            <p:cNvPr id="124" name="Line 123">
+              <a:extLst>
+                <a:ext uri="{FF2B5EF4-FFF2-40B4-BE49-F238E27FC236}">
+                  <a16:creationId xmlns:a16="http://schemas.microsoft.com/office/drawing/2014/main" id="{28AD0CE6-8745-4DC1-B0C6-C38B6AD66701}"/>
+                </a:ext>
+              </a:extLst>
+            </p:cNvPr>
+            <p:cNvSpPr>
+              <a:spLocks noChangeShapeType="1"/>
+            </p:cNvSpPr>
+            <p:nvPr/>
+          </p:nvSpPr>
+          <p:spPr bwMode="auto">
+            <a:xfrm flipH="1">
+              <a:off x="3262313" y="2024196"/>
+              <a:ext cx="2587625" cy="647700"/>
+            </a:xfrm>
+            <a:prstGeom prst="line">
+              <a:avLst/>
+            </a:prstGeom>
+            <a:noFill/>
+            <a:ln w="52388" cap="flat">
+              <a:solidFill>
+                <a:srgbClr val="00FFFF"/>
+              </a:solidFill>
+              <a:prstDash val="solid"/>
+              <a:miter lim="800000"/>
+              <a:headEnd/>
+              <a:tailEnd/>
+            </a:ln>
+            <a:extLst>
+              <a:ext uri="{909E8E84-426E-40DD-AFC4-6F175D3DCCD1}">
+                <a14:hiddenFill xmlns:a14="http://schemas.microsoft.com/office/drawing/2010/main">
+                  <a:noFill/>
+                </a14:hiddenFill>
+              </a:ext>
+            </a:extLst>
+          </p:spPr>
+          <p:txBody>
+            <a:bodyPr vert="horz" wrap="square" lIns="91440" tIns="45720" rIns="91440" bIns="45720" numCol="1" anchor="ctr" anchorCtr="0" compatLnSpc="1">
+              <a:prstTxWarp prst="textNoShape">
+                <a:avLst/>
+              </a:prstTxWarp>
+            </a:bodyPr>
+            <a:lstStyle/>
+            <a:p>
+              <a:endParaRPr lang="en-GB" sz="1600"/>
+            </a:p>
+          </p:txBody>
+        </p:sp>
+        <p:sp>
+          <p:nvSpPr>
+            <p:cNvPr id="118" name="Line 117">
+              <a:extLst>
+                <a:ext uri="{FF2B5EF4-FFF2-40B4-BE49-F238E27FC236}">
+                  <a16:creationId xmlns:a16="http://schemas.microsoft.com/office/drawing/2014/main" id="{C98EC4B4-8007-4A97-B096-DC8537377F1B}"/>
+                </a:ext>
+              </a:extLst>
+            </p:cNvPr>
+            <p:cNvSpPr>
+              <a:spLocks noChangeShapeType="1"/>
+            </p:cNvSpPr>
+            <p:nvPr/>
+          </p:nvSpPr>
+          <p:spPr bwMode="auto">
+            <a:xfrm flipH="1" flipV="1">
+              <a:off x="3262313" y="2671896"/>
+              <a:ext cx="2587625" cy="1230313"/>
+            </a:xfrm>
+            <a:prstGeom prst="line">
+              <a:avLst/>
+            </a:prstGeom>
+            <a:noFill/>
+            <a:ln w="52388" cap="flat">
+              <a:solidFill>
+                <a:srgbClr val="00FFFF"/>
+              </a:solidFill>
+              <a:prstDash val="solid"/>
+              <a:miter lim="800000"/>
+              <a:headEnd/>
+              <a:tailEnd/>
+            </a:ln>
+            <a:extLst>
+              <a:ext uri="{909E8E84-426E-40DD-AFC4-6F175D3DCCD1}">
+                <a14:hiddenFill xmlns:a14="http://schemas.microsoft.com/office/drawing/2010/main">
+                  <a:noFill/>
+                </a14:hiddenFill>
+              </a:ext>
+            </a:extLst>
+          </p:spPr>
+          <p:txBody>
+            <a:bodyPr vert="horz" wrap="square" lIns="91440" tIns="45720" rIns="91440" bIns="45720" numCol="1" anchor="ctr" anchorCtr="0" compatLnSpc="1">
+              <a:prstTxWarp prst="textNoShape">
+                <a:avLst/>
+              </a:prstTxWarp>
+            </a:bodyPr>
+            <a:lstStyle/>
+            <a:p>
+              <a:endParaRPr lang="en-GB" sz="1600"/>
+            </a:p>
+          </p:txBody>
+        </p:sp>
+        <p:sp>
+          <p:nvSpPr>
+            <p:cNvPr id="122" name="Line 121">
+              <a:extLst>
+                <a:ext uri="{FF2B5EF4-FFF2-40B4-BE49-F238E27FC236}">
+                  <a16:creationId xmlns:a16="http://schemas.microsoft.com/office/drawing/2014/main" id="{F4A53AEC-BFD1-44EC-9108-F9F875745366}"/>
+                </a:ext>
+              </a:extLst>
+            </p:cNvPr>
+            <p:cNvSpPr>
+              <a:spLocks noChangeShapeType="1"/>
+            </p:cNvSpPr>
+            <p:nvPr/>
+          </p:nvSpPr>
+          <p:spPr bwMode="auto">
+            <a:xfrm flipH="1">
+              <a:off x="3262313" y="2024196"/>
+              <a:ext cx="517525" cy="647700"/>
+            </a:xfrm>
+            <a:prstGeom prst="line">
+              <a:avLst/>
+            </a:prstGeom>
+            <a:noFill/>
+            <a:ln w="52388" cap="flat">
+              <a:solidFill>
+                <a:srgbClr val="00FFFF"/>
+              </a:solidFill>
+              <a:prstDash val="solid"/>
+              <a:miter lim="800000"/>
+              <a:headEnd/>
+              <a:tailEnd/>
+            </a:ln>
+            <a:extLst>
+              <a:ext uri="{909E8E84-426E-40DD-AFC4-6F175D3DCCD1}">
+                <a14:hiddenFill xmlns:a14="http://schemas.microsoft.com/office/drawing/2010/main">
+                  <a:noFill/>
+                </a14:hiddenFill>
+              </a:ext>
+            </a:extLst>
+          </p:spPr>
+          <p:txBody>
+            <a:bodyPr vert="horz" wrap="square" lIns="91440" tIns="45720" rIns="91440" bIns="45720" numCol="1" anchor="ctr" anchorCtr="0" compatLnSpc="1">
+              <a:prstTxWarp prst="textNoShape">
+                <a:avLst/>
+              </a:prstTxWarp>
+            </a:bodyPr>
+            <a:lstStyle/>
+            <a:p>
+              <a:endParaRPr lang="en-GB" sz="1600"/>
+            </a:p>
+          </p:txBody>
+        </p:sp>
+        <p:sp>
+          <p:nvSpPr>
+            <p:cNvPr id="126" name="Line 125">
+              <a:extLst>
+                <a:ext uri="{FF2B5EF4-FFF2-40B4-BE49-F238E27FC236}">
+                  <a16:creationId xmlns:a16="http://schemas.microsoft.com/office/drawing/2014/main" id="{3BD64325-D7C9-4CB6-B5BA-29CC4FAD8FD0}"/>
+                </a:ext>
+              </a:extLst>
+            </p:cNvPr>
+            <p:cNvSpPr>
+              <a:spLocks noChangeShapeType="1"/>
+            </p:cNvSpPr>
+            <p:nvPr/>
+          </p:nvSpPr>
+          <p:spPr bwMode="auto">
+            <a:xfrm flipH="1" flipV="1">
+              <a:off x="3262313" y="2671896"/>
+              <a:ext cx="517525" cy="2266950"/>
+            </a:xfrm>
+            <a:prstGeom prst="line">
+              <a:avLst/>
+            </a:prstGeom>
+            <a:noFill/>
+            <a:ln w="52388" cap="flat">
+              <a:solidFill>
+                <a:srgbClr val="00FFFF"/>
+              </a:solidFill>
+              <a:prstDash val="solid"/>
+              <a:miter lim="800000"/>
+              <a:headEnd/>
+              <a:tailEnd/>
+            </a:ln>
+            <a:extLst>
+              <a:ext uri="{909E8E84-426E-40DD-AFC4-6F175D3DCCD1}">
+                <a14:hiddenFill xmlns:a14="http://schemas.microsoft.com/office/drawing/2010/main">
+                  <a:noFill/>
+                </a14:hiddenFill>
+              </a:ext>
+            </a:extLst>
+          </p:spPr>
+          <p:txBody>
+            <a:bodyPr vert="horz" wrap="square" lIns="91440" tIns="45720" rIns="91440" bIns="45720" numCol="1" anchor="ctr" anchorCtr="0" compatLnSpc="1">
+              <a:prstTxWarp prst="textNoShape">
+                <a:avLst/>
+              </a:prstTxWarp>
+            </a:bodyPr>
+            <a:lstStyle/>
+            <a:p>
+              <a:endParaRPr lang="en-GB" sz="1600"/>
+            </a:p>
+          </p:txBody>
+        </p:sp>
+      </p:grpSp>
+      <p:sp>
+        <p:nvSpPr>
           <p:cNvPr id="2" name="Title 1"/>
           <p:cNvSpPr>
             <a:spLocks noGrp="1"/>
@@ -6156,69 +6527,1440 @@
             <p:ph type="title"/>
           </p:nvPr>
         </p:nvSpPr>
-        <p:spPr/>
+        <p:spPr>
+          <a:xfrm>
+            <a:off x="685346" y="609600"/>
+            <a:ext cx="7765322" cy="970450"/>
+          </a:xfrm>
+        </p:spPr>
         <p:txBody>
           <a:bodyPr/>
           <a:lstStyle/>
           <a:p>
-            <a:pPr lvl="0" marL="0" indent="0">
+            <a:pPr marL="0" lvl="0" indent="0">
               <a:buNone/>
             </a:pPr>
             <a:r>
-              <a:rPr/>
-              <a:t>Bits</a:t>
-            </a:r>
-            <a:r>
-              <a:rPr/>
-              <a:t> </a:t>
-            </a:r>
-            <a:r>
-              <a:rPr/>
-              <a:t>and</a:t>
-            </a:r>
-            <a:r>
-              <a:rPr/>
-              <a:t> </a:t>
-            </a:r>
-            <a:r>
-              <a:rPr/>
-              <a:t>Atoms</a:t>
-            </a:r>
-          </a:p>
-        </p:txBody>
-      </p:sp>
-      <p:sp>
-        <p:nvSpPr>
-          <p:cNvPr id="3" name="Content Placeholder 2"/>
-          <p:cNvSpPr>
-            <a:spLocks noGrp="1"/>
-          </p:cNvSpPr>
-          <p:nvPr>
-            <p:ph idx="1"/>
-          </p:nvPr>
-        </p:nvSpPr>
-        <p:spPr/>
-        <p:txBody>
-          <a:bodyPr/>
+              <a:rPr dirty="0"/>
+              <a:t>Applications</a:t>
+            </a:r>
+          </a:p>
+        </p:txBody>
+      </p:sp>
+      <p:sp>
+        <p:nvSpPr>
+          <p:cNvPr id="54" name="Rectangle 53">
+            <a:extLst>
+              <a:ext uri="{FF2B5EF4-FFF2-40B4-BE49-F238E27FC236}">
+                <a16:creationId xmlns:a16="http://schemas.microsoft.com/office/drawing/2014/main" id="{F57F87CF-44BF-4713-B51D-0623E683E4D2}"/>
+              </a:ext>
+            </a:extLst>
+          </p:cNvPr>
+          <p:cNvSpPr>
+            <a:spLocks noChangeArrowheads="1"/>
+          </p:cNvSpPr>
+          <p:nvPr/>
+        </p:nvSpPr>
+        <p:spPr bwMode="auto">
+          <a:xfrm>
+            <a:off x="5849938" y="1700346"/>
+            <a:ext cx="1293813" cy="647700"/>
+          </a:xfrm>
+          <a:prstGeom prst="rect">
+            <a:avLst/>
+          </a:prstGeom>
+          <a:solidFill>
+            <a:srgbClr val="303032"/>
+          </a:solidFill>
+          <a:ln w="26988" cap="flat">
+            <a:solidFill>
+              <a:schemeClr val="tx1"/>
+            </a:solidFill>
+            <a:prstDash val="solid"/>
+            <a:miter lim="800000"/>
+            <a:headEnd/>
+            <a:tailEnd/>
+          </a:ln>
+        </p:spPr>
+        <p:txBody>
+          <a:bodyPr vert="horz" wrap="square" lIns="91440" tIns="45720" rIns="91440" bIns="45720" numCol="1" anchor="ctr" anchorCtr="0" compatLnSpc="1">
+            <a:prstTxWarp prst="textNoShape">
+              <a:avLst/>
+            </a:prstTxWarp>
+          </a:bodyPr>
           <a:lstStyle/>
           <a:p>
-            <a:pPr lvl="1"/>
-            <a:r>
-              <a:rPr/>
-              <a:t>The gap between the game and reality.</a:t>
-            </a:r>
-          </a:p>
-          <a:p>
-            <a:pPr lvl="1"/>
-            <a:r>
-              <a:rPr/>
-              <a:t>The need for extrapolation over interpolation.</a:t>
-            </a:r>
-          </a:p>
-        </p:txBody>
-      </p:sp>
+            <a:pPr algn="ctr"/>
+            <a:r>
+              <a:rPr lang="en-GB" sz="1400" dirty="0"/>
+              <a:t>maps</a:t>
+            </a:r>
+          </a:p>
+        </p:txBody>
+      </p:sp>
+      <p:sp>
+        <p:nvSpPr>
+          <p:cNvPr id="59" name="Rectangle 58">
+            <a:extLst>
+              <a:ext uri="{FF2B5EF4-FFF2-40B4-BE49-F238E27FC236}">
+                <a16:creationId xmlns:a16="http://schemas.microsoft.com/office/drawing/2014/main" id="{D9A5B37F-5162-4DA9-867B-052B1F885E82}"/>
+              </a:ext>
+            </a:extLst>
+          </p:cNvPr>
+          <p:cNvSpPr>
+            <a:spLocks noChangeArrowheads="1"/>
+          </p:cNvSpPr>
+          <p:nvPr/>
+        </p:nvSpPr>
+        <p:spPr bwMode="auto">
+          <a:xfrm>
+            <a:off x="3779838" y="1700346"/>
+            <a:ext cx="1293813" cy="647700"/>
+          </a:xfrm>
+          <a:prstGeom prst="rect">
+            <a:avLst/>
+          </a:prstGeom>
+          <a:solidFill>
+            <a:srgbClr val="2F2F31"/>
+          </a:solidFill>
+          <a:ln w="26988" cap="flat">
+            <a:solidFill>
+              <a:schemeClr val="tx1"/>
+            </a:solidFill>
+            <a:prstDash val="solid"/>
+            <a:miter lim="800000"/>
+            <a:headEnd/>
+            <a:tailEnd/>
+          </a:ln>
+        </p:spPr>
+        <p:txBody>
+          <a:bodyPr vert="horz" wrap="square" lIns="91440" tIns="45720" rIns="91440" bIns="45720" numCol="1" anchor="ctr" anchorCtr="0" compatLnSpc="1">
+            <a:prstTxWarp prst="textNoShape">
+              <a:avLst/>
+            </a:prstTxWarp>
+          </a:bodyPr>
+          <a:lstStyle/>
+          <a:p>
+            <a:pPr algn="ctr"/>
+            <a:r>
+              <a:rPr lang="en-GB" sz="1400" dirty="0"/>
+              <a:t>traffic</a:t>
+            </a:r>
+          </a:p>
+        </p:txBody>
+      </p:sp>
+      <p:sp>
+        <p:nvSpPr>
+          <p:cNvPr id="65" name="Rectangle 64">
+            <a:extLst>
+              <a:ext uri="{FF2B5EF4-FFF2-40B4-BE49-F238E27FC236}">
+                <a16:creationId xmlns:a16="http://schemas.microsoft.com/office/drawing/2014/main" id="{22CA2A8A-74B8-41F1-BB02-11357E94C7E9}"/>
+              </a:ext>
+            </a:extLst>
+          </p:cNvPr>
+          <p:cNvSpPr>
+            <a:spLocks noChangeArrowheads="1"/>
+          </p:cNvSpPr>
+          <p:nvPr/>
+        </p:nvSpPr>
+        <p:spPr bwMode="auto">
+          <a:xfrm>
+            <a:off x="5849938" y="3513271"/>
+            <a:ext cx="1293813" cy="647700"/>
+          </a:xfrm>
+          <a:prstGeom prst="rect">
+            <a:avLst/>
+          </a:prstGeom>
+          <a:solidFill>
+            <a:srgbClr val="303032"/>
+          </a:solidFill>
+          <a:ln w="26988" cap="flat">
+            <a:solidFill>
+              <a:schemeClr val="tx1"/>
+            </a:solidFill>
+            <a:prstDash val="solid"/>
+            <a:miter lim="800000"/>
+            <a:headEnd/>
+            <a:tailEnd/>
+          </a:ln>
+        </p:spPr>
+        <p:txBody>
+          <a:bodyPr vert="horz" wrap="square" lIns="91440" tIns="45720" rIns="91440" bIns="45720" numCol="1" anchor="ctr" anchorCtr="0" compatLnSpc="1">
+            <a:prstTxWarp prst="textNoShape">
+              <a:avLst/>
+            </a:prstTxWarp>
+          </a:bodyPr>
+          <a:lstStyle/>
+          <a:p>
+            <a:pPr algn="ctr"/>
+            <a:r>
+              <a:rPr lang="en-GB" sz="1400" dirty="0"/>
+              <a:t>driver locations</a:t>
+            </a:r>
+          </a:p>
+        </p:txBody>
+      </p:sp>
+      <p:sp>
+        <p:nvSpPr>
+          <p:cNvPr id="22" name="Oval 21">
+            <a:extLst>
+              <a:ext uri="{FF2B5EF4-FFF2-40B4-BE49-F238E27FC236}">
+                <a16:creationId xmlns:a16="http://schemas.microsoft.com/office/drawing/2014/main" id="{C864A41A-168D-432D-809B-5F64C9416931}"/>
+              </a:ext>
+            </a:extLst>
+          </p:cNvPr>
+          <p:cNvSpPr>
+            <a:spLocks noChangeArrowheads="1"/>
+          </p:cNvSpPr>
+          <p:nvPr/>
+        </p:nvSpPr>
+        <p:spPr bwMode="auto">
+          <a:xfrm>
+            <a:off x="1968500" y="3189421"/>
+            <a:ext cx="1293813" cy="777875"/>
+          </a:xfrm>
+          <a:prstGeom prst="ellipse">
+            <a:avLst/>
+          </a:prstGeom>
+          <a:solidFill>
+            <a:srgbClr val="F03700"/>
+          </a:solidFill>
+          <a:ln w="26988" cap="flat">
+            <a:solidFill>
+              <a:schemeClr val="tx1"/>
+            </a:solidFill>
+            <a:prstDash val="solid"/>
+            <a:miter lim="800000"/>
+            <a:headEnd/>
+            <a:tailEnd/>
+          </a:ln>
+        </p:spPr>
+        <p:txBody>
+          <a:bodyPr vert="horz" wrap="square" lIns="91440" tIns="45720" rIns="91440" bIns="45720" numCol="1" anchor="ctr" anchorCtr="0" compatLnSpc="1">
+            <a:prstTxWarp prst="textNoShape">
+              <a:avLst/>
+            </a:prstTxWarp>
+          </a:bodyPr>
+          <a:lstStyle/>
+          <a:p>
+            <a:pPr algn="ctr"/>
+            <a:r>
+              <a:rPr lang="en-GB" sz="1400" dirty="0"/>
+              <a:t>driver availability</a:t>
+            </a:r>
+          </a:p>
+        </p:txBody>
+      </p:sp>
+      <p:sp>
+        <p:nvSpPr>
+          <p:cNvPr id="41" name="Oval 40">
+            <a:extLst>
+              <a:ext uri="{FF2B5EF4-FFF2-40B4-BE49-F238E27FC236}">
+                <a16:creationId xmlns:a16="http://schemas.microsoft.com/office/drawing/2014/main" id="{96A1C01B-51DA-4701-B825-47BC2E9F759E}"/>
+              </a:ext>
+            </a:extLst>
+          </p:cNvPr>
+          <p:cNvSpPr>
+            <a:spLocks noChangeArrowheads="1"/>
+          </p:cNvSpPr>
+          <p:nvPr/>
+        </p:nvSpPr>
+        <p:spPr bwMode="auto">
+          <a:xfrm>
+            <a:off x="1968500" y="4097471"/>
+            <a:ext cx="1293813" cy="776288"/>
+          </a:xfrm>
+          <a:prstGeom prst="ellipse">
+            <a:avLst/>
+          </a:prstGeom>
+          <a:solidFill>
+            <a:srgbClr val="F03700"/>
+          </a:solidFill>
+          <a:ln w="26988" cap="flat">
+            <a:solidFill>
+              <a:schemeClr val="tx1"/>
+            </a:solidFill>
+            <a:prstDash val="solid"/>
+            <a:miter lim="800000"/>
+            <a:headEnd/>
+            <a:tailEnd/>
+          </a:ln>
+        </p:spPr>
+        <p:txBody>
+          <a:bodyPr vert="horz" wrap="square" lIns="91440" tIns="45720" rIns="91440" bIns="45720" numCol="1" anchor="ctr" anchorCtr="0" compatLnSpc="1">
+            <a:prstTxWarp prst="textNoShape">
+              <a:avLst/>
+            </a:prstTxWarp>
+          </a:bodyPr>
+          <a:lstStyle/>
+          <a:p>
+            <a:pPr algn="ctr"/>
+            <a:r>
+              <a:rPr lang="en-GB" sz="1400" dirty="0"/>
+              <a:t>journey route</a:t>
+            </a:r>
+          </a:p>
+        </p:txBody>
+      </p:sp>
+      <p:sp>
+        <p:nvSpPr>
+          <p:cNvPr id="98" name="Oval 97">
+            <a:extLst>
+              <a:ext uri="{FF2B5EF4-FFF2-40B4-BE49-F238E27FC236}">
+                <a16:creationId xmlns:a16="http://schemas.microsoft.com/office/drawing/2014/main" id="{57555812-9D4B-40EF-AE70-3C4A0555F965}"/>
+              </a:ext>
+            </a:extLst>
+          </p:cNvPr>
+          <p:cNvSpPr>
+            <a:spLocks noChangeArrowheads="1"/>
+          </p:cNvSpPr>
+          <p:nvPr/>
+        </p:nvSpPr>
+        <p:spPr bwMode="auto">
+          <a:xfrm>
+            <a:off x="1968500" y="5002346"/>
+            <a:ext cx="1293813" cy="777875"/>
+          </a:xfrm>
+          <a:prstGeom prst="ellipse">
+            <a:avLst/>
+          </a:prstGeom>
+          <a:solidFill>
+            <a:srgbClr val="F03700"/>
+          </a:solidFill>
+          <a:ln w="26988" cap="flat">
+            <a:solidFill>
+              <a:schemeClr val="tx1"/>
+            </a:solidFill>
+            <a:prstDash val="solid"/>
+            <a:miter lim="800000"/>
+            <a:headEnd/>
+            <a:tailEnd/>
+          </a:ln>
+        </p:spPr>
+        <p:txBody>
+          <a:bodyPr vert="horz" wrap="square" lIns="91440" tIns="45720" rIns="91440" bIns="45720" numCol="1" anchor="ctr" anchorCtr="0" compatLnSpc="1">
+            <a:prstTxWarp prst="textNoShape">
+              <a:avLst/>
+            </a:prstTxWarp>
+          </a:bodyPr>
+          <a:lstStyle/>
+          <a:p>
+            <a:r>
+              <a:rPr lang="en-GB" sz="1400" dirty="0"/>
+              <a:t>journey demand</a:t>
+            </a:r>
+          </a:p>
+        </p:txBody>
+      </p:sp>
+      <p:sp>
+        <p:nvSpPr>
+          <p:cNvPr id="112" name="Oval 111">
+            <a:extLst>
+              <a:ext uri="{FF2B5EF4-FFF2-40B4-BE49-F238E27FC236}">
+                <a16:creationId xmlns:a16="http://schemas.microsoft.com/office/drawing/2014/main" id="{3447037B-A681-41D9-86A3-E3B80604EBC7}"/>
+              </a:ext>
+            </a:extLst>
+          </p:cNvPr>
+          <p:cNvSpPr>
+            <a:spLocks noChangeArrowheads="1"/>
+          </p:cNvSpPr>
+          <p:nvPr/>
+        </p:nvSpPr>
+        <p:spPr bwMode="auto">
+          <a:xfrm>
+            <a:off x="1968500" y="2282959"/>
+            <a:ext cx="1293813" cy="777875"/>
+          </a:xfrm>
+          <a:prstGeom prst="ellipse">
+            <a:avLst/>
+          </a:prstGeom>
+          <a:solidFill>
+            <a:srgbClr val="F03700"/>
+          </a:solidFill>
+          <a:ln w="26988" cap="flat">
+            <a:solidFill>
+              <a:schemeClr val="tx1"/>
+            </a:solidFill>
+            <a:prstDash val="solid"/>
+            <a:miter lim="800000"/>
+            <a:headEnd/>
+            <a:tailEnd/>
+          </a:ln>
+        </p:spPr>
+        <p:txBody>
+          <a:bodyPr vert="horz" wrap="square" lIns="91440" tIns="45720" rIns="91440" bIns="45720" numCol="1" anchor="ctr" anchorCtr="0" compatLnSpc="1">
+            <a:prstTxWarp prst="textNoShape">
+              <a:avLst/>
+            </a:prstTxWarp>
+          </a:bodyPr>
+          <a:lstStyle/>
+          <a:p>
+            <a:pPr algn="ctr"/>
+            <a:r>
+              <a:rPr lang="en-GB" sz="1400" dirty="0"/>
+              <a:t>wait</a:t>
+            </a:r>
+          </a:p>
+        </p:txBody>
+      </p:sp>
+      <p:sp>
+        <p:nvSpPr>
+          <p:cNvPr id="119" name="Line 118">
+            <a:extLst>
+              <a:ext uri="{FF2B5EF4-FFF2-40B4-BE49-F238E27FC236}">
+                <a16:creationId xmlns:a16="http://schemas.microsoft.com/office/drawing/2014/main" id="{92E9E065-D091-44F2-863B-3437EE0CC574}"/>
+              </a:ext>
+            </a:extLst>
+          </p:cNvPr>
+          <p:cNvSpPr>
+            <a:spLocks noChangeShapeType="1"/>
+          </p:cNvSpPr>
+          <p:nvPr/>
+        </p:nvSpPr>
+        <p:spPr bwMode="auto">
+          <a:xfrm>
+            <a:off x="3262313" y="2671896"/>
+            <a:ext cx="2587625" cy="388938"/>
+          </a:xfrm>
+          <a:prstGeom prst="line">
+            <a:avLst/>
+          </a:prstGeom>
+          <a:noFill/>
+          <a:ln>
+            <a:noFill/>
+          </a:ln>
+          <a:extLst>
+            <a:ext uri="{909E8E84-426E-40DD-AFC4-6F175D3DCCD1}">
+              <a14:hiddenFill xmlns:a14="http://schemas.microsoft.com/office/drawing/2010/main">
+                <a:noFill/>
+              </a14:hiddenFill>
+            </a:ext>
+            <a:ext uri="{91240B29-F687-4F45-9708-019B960494DF}">
+              <a14:hiddenLine xmlns:a14="http://schemas.microsoft.com/office/drawing/2010/main" w="9525">
+                <a:solidFill>
+                  <a:srgbClr val="000000"/>
+                </a:solidFill>
+                <a:round/>
+                <a:headEnd/>
+                <a:tailEnd/>
+              </a14:hiddenLine>
+            </a:ext>
+          </a:extLst>
+        </p:spPr>
+        <p:txBody>
+          <a:bodyPr vert="horz" wrap="square" lIns="91440" tIns="45720" rIns="91440" bIns="45720" numCol="1" anchor="ctr" anchorCtr="0" compatLnSpc="1">
+            <a:prstTxWarp prst="textNoShape">
+              <a:avLst/>
+            </a:prstTxWarp>
+          </a:bodyPr>
+          <a:lstStyle/>
+          <a:p>
+            <a:endParaRPr lang="en-GB" sz="1600"/>
+          </a:p>
+        </p:txBody>
+      </p:sp>
+      <p:sp>
+        <p:nvSpPr>
+          <p:cNvPr id="120" name="Line 119">
+            <a:extLst>
+              <a:ext uri="{FF2B5EF4-FFF2-40B4-BE49-F238E27FC236}">
+                <a16:creationId xmlns:a16="http://schemas.microsoft.com/office/drawing/2014/main" id="{F36F5B68-BAD5-4D65-A434-714070E2C891}"/>
+              </a:ext>
+            </a:extLst>
+          </p:cNvPr>
+          <p:cNvSpPr>
+            <a:spLocks noChangeShapeType="1"/>
+          </p:cNvSpPr>
+          <p:nvPr/>
+        </p:nvSpPr>
+        <p:spPr bwMode="auto">
+          <a:xfrm>
+            <a:off x="3262313" y="2671896"/>
+            <a:ext cx="2587625" cy="388938"/>
+          </a:xfrm>
+          <a:prstGeom prst="line">
+            <a:avLst/>
+          </a:prstGeom>
+          <a:noFill/>
+          <a:ln w="52388" cap="flat">
+            <a:solidFill>
+              <a:srgbClr val="FFFF00"/>
+            </a:solidFill>
+            <a:prstDash val="solid"/>
+            <a:miter lim="800000"/>
+            <a:headEnd/>
+            <a:tailEnd/>
+          </a:ln>
+          <a:extLst>
+            <a:ext uri="{909E8E84-426E-40DD-AFC4-6F175D3DCCD1}">
+              <a14:hiddenFill xmlns:a14="http://schemas.microsoft.com/office/drawing/2010/main">
+                <a:noFill/>
+              </a14:hiddenFill>
+            </a:ext>
+          </a:extLst>
+        </p:spPr>
+        <p:txBody>
+          <a:bodyPr vert="horz" wrap="square" lIns="91440" tIns="45720" rIns="91440" bIns="45720" numCol="1" anchor="ctr" anchorCtr="0" compatLnSpc="1">
+            <a:prstTxWarp prst="textNoShape">
+              <a:avLst/>
+            </a:prstTxWarp>
+          </a:bodyPr>
+          <a:lstStyle/>
+          <a:p>
+            <a:endParaRPr lang="en-GB" sz="1600" u="sng"/>
+          </a:p>
+        </p:txBody>
+      </p:sp>
+      <p:sp>
+        <p:nvSpPr>
+          <p:cNvPr id="127" name="Rectangle 126">
+            <a:extLst>
+              <a:ext uri="{FF2B5EF4-FFF2-40B4-BE49-F238E27FC236}">
+                <a16:creationId xmlns:a16="http://schemas.microsoft.com/office/drawing/2014/main" id="{576D5C9B-BE7D-4386-AB4F-98DB24292159}"/>
+              </a:ext>
+            </a:extLst>
+          </p:cNvPr>
+          <p:cNvSpPr>
+            <a:spLocks noChangeArrowheads="1"/>
+          </p:cNvSpPr>
+          <p:nvPr/>
+        </p:nvSpPr>
+        <p:spPr bwMode="auto">
+          <a:xfrm>
+            <a:off x="5849938" y="4291146"/>
+            <a:ext cx="1293813" cy="647700"/>
+          </a:xfrm>
+          <a:prstGeom prst="rect">
+            <a:avLst/>
+          </a:prstGeom>
+          <a:solidFill>
+            <a:srgbClr val="303032"/>
+          </a:solidFill>
+          <a:ln w="26988" cap="flat">
+            <a:solidFill>
+              <a:schemeClr val="tx1"/>
+            </a:solidFill>
+            <a:prstDash val="solid"/>
+            <a:miter lim="800000"/>
+            <a:headEnd/>
+            <a:tailEnd/>
+          </a:ln>
+        </p:spPr>
+        <p:txBody>
+          <a:bodyPr vert="horz" wrap="square" lIns="91440" tIns="45720" rIns="91440" bIns="45720" numCol="1" anchor="ctr" anchorCtr="0" compatLnSpc="1">
+            <a:prstTxWarp prst="textNoShape">
+              <a:avLst/>
+            </a:prstTxWarp>
+          </a:bodyPr>
+          <a:lstStyle/>
+          <a:p>
+            <a:pPr algn="ctr"/>
+            <a:r>
+              <a:rPr lang="en-GB" sz="1400" dirty="0"/>
+              <a:t>rider destinations</a:t>
+            </a:r>
+          </a:p>
+        </p:txBody>
+      </p:sp>
+      <p:sp>
+        <p:nvSpPr>
+          <p:cNvPr id="145" name="Rectangle 144">
+            <a:extLst>
+              <a:ext uri="{FF2B5EF4-FFF2-40B4-BE49-F238E27FC236}">
+                <a16:creationId xmlns:a16="http://schemas.microsoft.com/office/drawing/2014/main" id="{15B470E4-84E0-4C4C-8559-073F7EA785A6}"/>
+              </a:ext>
+            </a:extLst>
+          </p:cNvPr>
+          <p:cNvSpPr>
+            <a:spLocks noChangeArrowheads="1"/>
+          </p:cNvSpPr>
+          <p:nvPr/>
+        </p:nvSpPr>
+        <p:spPr bwMode="auto">
+          <a:xfrm>
+            <a:off x="5849938" y="5067434"/>
+            <a:ext cx="1293813" cy="647700"/>
+          </a:xfrm>
+          <a:prstGeom prst="rect">
+            <a:avLst/>
+          </a:prstGeom>
+          <a:solidFill>
+            <a:srgbClr val="303032"/>
+          </a:solidFill>
+          <a:ln w="26988" cap="flat">
+            <a:solidFill>
+              <a:schemeClr val="tx1"/>
+            </a:solidFill>
+            <a:prstDash val="solid"/>
+            <a:miter lim="800000"/>
+            <a:headEnd/>
+            <a:tailEnd/>
+          </a:ln>
+        </p:spPr>
+        <p:txBody>
+          <a:bodyPr vert="horz" wrap="square" lIns="91440" tIns="45720" rIns="91440" bIns="45720" numCol="1" anchor="ctr" anchorCtr="0" compatLnSpc="1">
+            <a:prstTxWarp prst="textNoShape">
+              <a:avLst/>
+            </a:prstTxWarp>
+          </a:bodyPr>
+          <a:lstStyle/>
+          <a:p>
+            <a:pPr algn="ctr"/>
+            <a:r>
+              <a:rPr lang="en-GB" sz="1400" dirty="0"/>
+              <a:t>rider-driver allocations</a:t>
+            </a:r>
+          </a:p>
+        </p:txBody>
+      </p:sp>
+      <p:sp>
+        <p:nvSpPr>
+          <p:cNvPr id="169" name="Rectangle 168">
+            <a:extLst>
+              <a:ext uri="{FF2B5EF4-FFF2-40B4-BE49-F238E27FC236}">
+                <a16:creationId xmlns:a16="http://schemas.microsoft.com/office/drawing/2014/main" id="{CF4B274D-672F-43E6-9CD3-3213BE0433A9}"/>
+              </a:ext>
+            </a:extLst>
+          </p:cNvPr>
+          <p:cNvSpPr>
+            <a:spLocks noChangeArrowheads="1"/>
+          </p:cNvSpPr>
+          <p:nvPr/>
+        </p:nvSpPr>
+        <p:spPr bwMode="auto">
+          <a:xfrm>
+            <a:off x="5849938" y="2736984"/>
+            <a:ext cx="1293813" cy="647700"/>
+          </a:xfrm>
+          <a:prstGeom prst="rect">
+            <a:avLst/>
+          </a:prstGeom>
+          <a:solidFill>
+            <a:srgbClr val="303032"/>
+          </a:solidFill>
+          <a:ln w="26988" cap="flat">
+            <a:solidFill>
+              <a:schemeClr val="tx1"/>
+            </a:solidFill>
+            <a:prstDash val="solid"/>
+            <a:miter lim="800000"/>
+            <a:headEnd/>
+            <a:tailEnd/>
+          </a:ln>
+        </p:spPr>
+        <p:txBody>
+          <a:bodyPr vert="horz" wrap="square" lIns="91440" tIns="45720" rIns="91440" bIns="45720" numCol="1" anchor="ctr" anchorCtr="0" compatLnSpc="1">
+            <a:prstTxWarp prst="textNoShape">
+              <a:avLst/>
+            </a:prstTxWarp>
+          </a:bodyPr>
+          <a:lstStyle/>
+          <a:p>
+            <a:pPr algn="ctr"/>
+            <a:r>
+              <a:rPr lang="en-GB" sz="1400" dirty="0"/>
+              <a:t>pickup status</a:t>
+            </a:r>
+          </a:p>
+        </p:txBody>
+      </p:sp>
+      <p:grpSp>
+        <p:nvGrpSpPr>
+          <p:cNvPr id="188" name="Group 187">
+            <a:extLst>
+              <a:ext uri="{FF2B5EF4-FFF2-40B4-BE49-F238E27FC236}">
+                <a16:creationId xmlns:a16="http://schemas.microsoft.com/office/drawing/2014/main" id="{6A117A70-889A-4E0A-9D4A-CB8F30A0E580}"/>
+              </a:ext>
+            </a:extLst>
+          </p:cNvPr>
+          <p:cNvGrpSpPr/>
+          <p:nvPr/>
+        </p:nvGrpSpPr>
+        <p:grpSpPr>
+          <a:xfrm>
+            <a:off x="3779838" y="2995746"/>
+            <a:ext cx="2070100" cy="2382838"/>
+            <a:chOff x="3779838" y="2995746"/>
+            <a:chExt cx="2070100" cy="2382838"/>
+          </a:xfrm>
+        </p:grpSpPr>
+        <p:sp>
+          <p:nvSpPr>
+            <p:cNvPr id="6" name="Rectangle 5">
+              <a:extLst>
+                <a:ext uri="{FF2B5EF4-FFF2-40B4-BE49-F238E27FC236}">
+                  <a16:creationId xmlns:a16="http://schemas.microsoft.com/office/drawing/2014/main" id="{8CDBB726-DE9D-451F-BBB5-5EA331BE616B}"/>
+                </a:ext>
+              </a:extLst>
+            </p:cNvPr>
+            <p:cNvSpPr>
+              <a:spLocks noChangeArrowheads="1"/>
+            </p:cNvSpPr>
+            <p:nvPr/>
+          </p:nvSpPr>
+          <p:spPr bwMode="auto">
+            <a:xfrm>
+              <a:off x="3779838" y="3773621"/>
+              <a:ext cx="1293813" cy="646113"/>
+            </a:xfrm>
+            <a:prstGeom prst="rect">
+              <a:avLst/>
+            </a:prstGeom>
+            <a:solidFill>
+              <a:srgbClr val="2F2F31"/>
+            </a:solidFill>
+            <a:ln w="26988" cap="flat">
+              <a:solidFill>
+                <a:schemeClr val="tx1"/>
+              </a:solidFill>
+              <a:prstDash val="solid"/>
+              <a:miter lim="800000"/>
+              <a:headEnd/>
+              <a:tailEnd/>
+            </a:ln>
+          </p:spPr>
+          <p:txBody>
+            <a:bodyPr vert="horz" wrap="square" lIns="91440" tIns="45720" rIns="91440" bIns="45720" numCol="1" anchor="ctr" anchorCtr="0" compatLnSpc="1">
+              <a:prstTxWarp prst="textNoShape">
+                <a:avLst/>
+              </a:prstTxWarp>
+            </a:bodyPr>
+            <a:lstStyle/>
+            <a:p>
+              <a:pPr algn="ctr"/>
+              <a:r>
+                <a:rPr lang="en-GB" sz="1400" dirty="0"/>
+                <a:t>current journeys</a:t>
+              </a:r>
+            </a:p>
+          </p:txBody>
+        </p:sp>
+        <p:sp>
+          <p:nvSpPr>
+            <p:cNvPr id="81" name="Rectangle 80">
+              <a:extLst>
+                <a:ext uri="{FF2B5EF4-FFF2-40B4-BE49-F238E27FC236}">
+                  <a16:creationId xmlns:a16="http://schemas.microsoft.com/office/drawing/2014/main" id="{1A237784-3E39-46A2-B9A2-B3768E211912}"/>
+                </a:ext>
+              </a:extLst>
+            </p:cNvPr>
+            <p:cNvSpPr>
+              <a:spLocks noChangeArrowheads="1"/>
+            </p:cNvSpPr>
+            <p:nvPr/>
+          </p:nvSpPr>
+          <p:spPr bwMode="auto">
+            <a:xfrm>
+              <a:off x="3779838" y="4549909"/>
+              <a:ext cx="1293813" cy="647700"/>
+            </a:xfrm>
+            <a:prstGeom prst="rect">
+              <a:avLst/>
+            </a:prstGeom>
+            <a:solidFill>
+              <a:srgbClr val="2F2F31"/>
+            </a:solidFill>
+            <a:ln w="26988" cap="flat">
+              <a:solidFill>
+                <a:schemeClr val="tx1"/>
+              </a:solidFill>
+              <a:prstDash val="solid"/>
+              <a:miter lim="800000"/>
+              <a:headEnd/>
+              <a:tailEnd/>
+            </a:ln>
+          </p:spPr>
+          <p:txBody>
+            <a:bodyPr vert="horz" wrap="square" lIns="91440" tIns="45720" rIns="91440" bIns="45720" numCol="1" anchor="ctr" anchorCtr="0" compatLnSpc="1">
+              <a:prstTxWarp prst="textNoShape">
+                <a:avLst/>
+              </a:prstTxWarp>
+            </a:bodyPr>
+            <a:lstStyle/>
+            <a:p>
+              <a:pPr algn="ctr"/>
+              <a:r>
+                <a:rPr lang="en-GB" sz="1400" dirty="0"/>
+                <a:t>available drivers</a:t>
+              </a:r>
+            </a:p>
+          </p:txBody>
+        </p:sp>
+        <p:sp>
+          <p:nvSpPr>
+            <p:cNvPr id="182" name="Line 181">
+              <a:extLst>
+                <a:ext uri="{FF2B5EF4-FFF2-40B4-BE49-F238E27FC236}">
+                  <a16:creationId xmlns:a16="http://schemas.microsoft.com/office/drawing/2014/main" id="{5484CE30-0813-4F38-9C62-72D2D76CD26E}"/>
+                </a:ext>
+              </a:extLst>
+            </p:cNvPr>
+            <p:cNvSpPr>
+              <a:spLocks noChangeShapeType="1"/>
+            </p:cNvSpPr>
+            <p:nvPr/>
+          </p:nvSpPr>
+          <p:spPr bwMode="auto">
+            <a:xfrm flipH="1">
+              <a:off x="5073650" y="2995746"/>
+              <a:ext cx="776288" cy="1036638"/>
+            </a:xfrm>
+            <a:prstGeom prst="line">
+              <a:avLst/>
+            </a:prstGeom>
+            <a:noFill/>
+            <a:ln w="26988" cap="flat">
+              <a:solidFill>
+                <a:schemeClr val="tx1"/>
+              </a:solidFill>
+              <a:prstDash val="solid"/>
+              <a:miter lim="800000"/>
+              <a:headEnd/>
+              <a:tailEnd/>
+            </a:ln>
+            <a:extLst>
+              <a:ext uri="{909E8E84-426E-40DD-AFC4-6F175D3DCCD1}">
+                <a14:hiddenFill xmlns:a14="http://schemas.microsoft.com/office/drawing/2010/main">
+                  <a:noFill/>
+                </a14:hiddenFill>
+              </a:ext>
+            </a:extLst>
+          </p:spPr>
+          <p:txBody>
+            <a:bodyPr vert="horz" wrap="square" lIns="91440" tIns="45720" rIns="91440" bIns="45720" numCol="1" anchor="ctr" anchorCtr="0" compatLnSpc="1">
+              <a:prstTxWarp prst="textNoShape">
+                <a:avLst/>
+              </a:prstTxWarp>
+            </a:bodyPr>
+            <a:lstStyle/>
+            <a:p>
+              <a:endParaRPr lang="en-GB" sz="1400"/>
+            </a:p>
+          </p:txBody>
+        </p:sp>
+        <p:sp>
+          <p:nvSpPr>
+            <p:cNvPr id="183" name="Line 182">
+              <a:extLst>
+                <a:ext uri="{FF2B5EF4-FFF2-40B4-BE49-F238E27FC236}">
+                  <a16:creationId xmlns:a16="http://schemas.microsoft.com/office/drawing/2014/main" id="{3D7C2172-D33F-4749-B126-58E178CF009D}"/>
+                </a:ext>
+              </a:extLst>
+            </p:cNvPr>
+            <p:cNvSpPr>
+              <a:spLocks noChangeShapeType="1"/>
+            </p:cNvSpPr>
+            <p:nvPr/>
+          </p:nvSpPr>
+          <p:spPr bwMode="auto">
+            <a:xfrm flipH="1">
+              <a:off x="5073650" y="3902209"/>
+              <a:ext cx="776288" cy="130175"/>
+            </a:xfrm>
+            <a:prstGeom prst="line">
+              <a:avLst/>
+            </a:prstGeom>
+            <a:noFill/>
+            <a:ln w="26988" cap="flat">
+              <a:solidFill>
+                <a:schemeClr val="tx1"/>
+              </a:solidFill>
+              <a:prstDash val="solid"/>
+              <a:miter lim="800000"/>
+              <a:headEnd/>
+              <a:tailEnd/>
+            </a:ln>
+            <a:extLst>
+              <a:ext uri="{909E8E84-426E-40DD-AFC4-6F175D3DCCD1}">
+                <a14:hiddenFill xmlns:a14="http://schemas.microsoft.com/office/drawing/2010/main">
+                  <a:noFill/>
+                </a14:hiddenFill>
+              </a:ext>
+            </a:extLst>
+          </p:spPr>
+          <p:txBody>
+            <a:bodyPr vert="horz" wrap="square" lIns="91440" tIns="45720" rIns="91440" bIns="45720" numCol="1" anchor="ctr" anchorCtr="0" compatLnSpc="1">
+              <a:prstTxWarp prst="textNoShape">
+                <a:avLst/>
+              </a:prstTxWarp>
+            </a:bodyPr>
+            <a:lstStyle/>
+            <a:p>
+              <a:endParaRPr lang="en-GB" sz="1400"/>
+            </a:p>
+          </p:txBody>
+        </p:sp>
+        <p:sp>
+          <p:nvSpPr>
+            <p:cNvPr id="184" name="Line 183">
+              <a:extLst>
+                <a:ext uri="{FF2B5EF4-FFF2-40B4-BE49-F238E27FC236}">
+                  <a16:creationId xmlns:a16="http://schemas.microsoft.com/office/drawing/2014/main" id="{6256157D-66BF-4DDB-986F-DC8E54EFD9EF}"/>
+                </a:ext>
+              </a:extLst>
+            </p:cNvPr>
+            <p:cNvSpPr>
+              <a:spLocks noChangeShapeType="1"/>
+            </p:cNvSpPr>
+            <p:nvPr/>
+          </p:nvSpPr>
+          <p:spPr bwMode="auto">
+            <a:xfrm flipH="1" flipV="1">
+              <a:off x="5073650" y="4032384"/>
+              <a:ext cx="776288" cy="569913"/>
+            </a:xfrm>
+            <a:prstGeom prst="line">
+              <a:avLst/>
+            </a:prstGeom>
+            <a:noFill/>
+            <a:ln w="26988" cap="flat">
+              <a:solidFill>
+                <a:schemeClr val="tx1"/>
+              </a:solidFill>
+              <a:prstDash val="solid"/>
+              <a:miter lim="800000"/>
+              <a:headEnd/>
+              <a:tailEnd/>
+            </a:ln>
+            <a:extLst>
+              <a:ext uri="{909E8E84-426E-40DD-AFC4-6F175D3DCCD1}">
+                <a14:hiddenFill xmlns:a14="http://schemas.microsoft.com/office/drawing/2010/main">
+                  <a:noFill/>
+                </a14:hiddenFill>
+              </a:ext>
+            </a:extLst>
+          </p:spPr>
+          <p:txBody>
+            <a:bodyPr vert="horz" wrap="square" lIns="91440" tIns="45720" rIns="91440" bIns="45720" numCol="1" anchor="ctr" anchorCtr="0" compatLnSpc="1">
+              <a:prstTxWarp prst="textNoShape">
+                <a:avLst/>
+              </a:prstTxWarp>
+            </a:bodyPr>
+            <a:lstStyle/>
+            <a:p>
+              <a:endParaRPr lang="en-GB" sz="1400"/>
+            </a:p>
+          </p:txBody>
+        </p:sp>
+        <p:sp>
+          <p:nvSpPr>
+            <p:cNvPr id="185" name="Line 184">
+              <a:extLst>
+                <a:ext uri="{FF2B5EF4-FFF2-40B4-BE49-F238E27FC236}">
+                  <a16:creationId xmlns:a16="http://schemas.microsoft.com/office/drawing/2014/main" id="{DC4FB6C5-E019-4FB7-9FD0-CBB51BD849A6}"/>
+                </a:ext>
+              </a:extLst>
+            </p:cNvPr>
+            <p:cNvSpPr>
+              <a:spLocks noChangeShapeType="1"/>
+            </p:cNvSpPr>
+            <p:nvPr/>
+          </p:nvSpPr>
+          <p:spPr bwMode="auto">
+            <a:xfrm flipH="1" flipV="1">
+              <a:off x="5073650" y="4032384"/>
+              <a:ext cx="776288" cy="1346200"/>
+            </a:xfrm>
+            <a:prstGeom prst="line">
+              <a:avLst/>
+            </a:prstGeom>
+            <a:noFill/>
+            <a:ln w="26988" cap="flat">
+              <a:solidFill>
+                <a:schemeClr val="tx1"/>
+              </a:solidFill>
+              <a:prstDash val="solid"/>
+              <a:miter lim="800000"/>
+              <a:headEnd/>
+              <a:tailEnd/>
+            </a:ln>
+            <a:extLst>
+              <a:ext uri="{909E8E84-426E-40DD-AFC4-6F175D3DCCD1}">
+                <a14:hiddenFill xmlns:a14="http://schemas.microsoft.com/office/drawing/2010/main">
+                  <a:noFill/>
+                </a14:hiddenFill>
+              </a:ext>
+            </a:extLst>
+          </p:spPr>
+          <p:txBody>
+            <a:bodyPr vert="horz" wrap="square" lIns="91440" tIns="45720" rIns="91440" bIns="45720" numCol="1" anchor="ctr" anchorCtr="0" compatLnSpc="1">
+              <a:prstTxWarp prst="textNoShape">
+                <a:avLst/>
+              </a:prstTxWarp>
+            </a:bodyPr>
+            <a:lstStyle/>
+            <a:p>
+              <a:endParaRPr lang="en-GB" sz="1400"/>
+            </a:p>
+          </p:txBody>
+        </p:sp>
+        <p:sp>
+          <p:nvSpPr>
+            <p:cNvPr id="186" name="Line 185">
+              <a:extLst>
+                <a:ext uri="{FF2B5EF4-FFF2-40B4-BE49-F238E27FC236}">
+                  <a16:creationId xmlns:a16="http://schemas.microsoft.com/office/drawing/2014/main" id="{D2AF5408-EA16-4088-828C-4351EC68A9C7}"/>
+                </a:ext>
+              </a:extLst>
+            </p:cNvPr>
+            <p:cNvSpPr>
+              <a:spLocks noChangeShapeType="1"/>
+            </p:cNvSpPr>
+            <p:nvPr/>
+          </p:nvSpPr>
+          <p:spPr bwMode="auto">
+            <a:xfrm flipH="1">
+              <a:off x="5073650" y="4602296"/>
+              <a:ext cx="776288" cy="336550"/>
+            </a:xfrm>
+            <a:prstGeom prst="line">
+              <a:avLst/>
+            </a:prstGeom>
+            <a:noFill/>
+            <a:ln w="26988" cap="flat">
+              <a:solidFill>
+                <a:schemeClr val="tx1"/>
+              </a:solidFill>
+              <a:prstDash val="solid"/>
+              <a:miter lim="800000"/>
+              <a:headEnd/>
+              <a:tailEnd/>
+            </a:ln>
+            <a:extLst>
+              <a:ext uri="{909E8E84-426E-40DD-AFC4-6F175D3DCCD1}">
+                <a14:hiddenFill xmlns:a14="http://schemas.microsoft.com/office/drawing/2010/main">
+                  <a:noFill/>
+                </a14:hiddenFill>
+              </a:ext>
+            </a:extLst>
+          </p:spPr>
+          <p:txBody>
+            <a:bodyPr vert="horz" wrap="square" lIns="91440" tIns="45720" rIns="91440" bIns="45720" numCol="1" anchor="ctr" anchorCtr="0" compatLnSpc="1">
+              <a:prstTxWarp prst="textNoShape">
+                <a:avLst/>
+              </a:prstTxWarp>
+            </a:bodyPr>
+            <a:lstStyle/>
+            <a:p>
+              <a:endParaRPr lang="en-GB" sz="1400"/>
+            </a:p>
+          </p:txBody>
+        </p:sp>
+        <p:sp>
+          <p:nvSpPr>
+            <p:cNvPr id="187" name="Line 186">
+              <a:extLst>
+                <a:ext uri="{FF2B5EF4-FFF2-40B4-BE49-F238E27FC236}">
+                  <a16:creationId xmlns:a16="http://schemas.microsoft.com/office/drawing/2014/main" id="{ECCD35E6-979E-48DE-96E2-F6DFFCDB8C45}"/>
+                </a:ext>
+              </a:extLst>
+            </p:cNvPr>
+            <p:cNvSpPr>
+              <a:spLocks noChangeShapeType="1"/>
+            </p:cNvSpPr>
+            <p:nvPr/>
+          </p:nvSpPr>
+          <p:spPr bwMode="auto">
+            <a:xfrm flipH="1" flipV="1">
+              <a:off x="5073650" y="4938846"/>
+              <a:ext cx="776288" cy="439738"/>
+            </a:xfrm>
+            <a:prstGeom prst="line">
+              <a:avLst/>
+            </a:prstGeom>
+            <a:noFill/>
+            <a:ln w="26988" cap="flat">
+              <a:solidFill>
+                <a:schemeClr val="tx1"/>
+              </a:solidFill>
+              <a:prstDash val="solid"/>
+              <a:miter lim="800000"/>
+              <a:headEnd/>
+              <a:tailEnd/>
+            </a:ln>
+            <a:extLst>
+              <a:ext uri="{909E8E84-426E-40DD-AFC4-6F175D3DCCD1}">
+                <a14:hiddenFill xmlns:a14="http://schemas.microsoft.com/office/drawing/2010/main">
+                  <a:noFill/>
+                </a14:hiddenFill>
+              </a:ext>
+            </a:extLst>
+          </p:spPr>
+          <p:txBody>
+            <a:bodyPr vert="horz" wrap="square" lIns="91440" tIns="45720" rIns="91440" bIns="45720" numCol="1" anchor="ctr" anchorCtr="0" compatLnSpc="1">
+              <a:prstTxWarp prst="textNoShape">
+                <a:avLst/>
+              </a:prstTxWarp>
+            </a:bodyPr>
+            <a:lstStyle/>
+            <a:p>
+              <a:endParaRPr lang="en-GB" sz="1400"/>
+            </a:p>
+          </p:txBody>
+        </p:sp>
+      </p:grpSp>
     </p:spTree>
+    <p:extLst>
+      <p:ext uri="{BB962C8B-B14F-4D97-AF65-F5344CB8AC3E}">
+        <p14:creationId xmlns:p14="http://schemas.microsoft.com/office/powerpoint/2010/main" val="3810040486"/>
+      </p:ext>
+    </p:extLst>
   </p:cSld>
+  <p:clrMapOvr>
+    <a:masterClrMapping/>
+  </p:clrMapOvr>
+  <p:timing>
+    <p:tnLst>
+      <p:par>
+        <p:cTn id="1" dur="indefinite" restart="never" nodeType="tmRoot">
+          <p:childTnLst>
+            <p:seq concurrent="1" nextAc="seek">
+              <p:cTn id="2" dur="indefinite" nodeType="mainSeq">
+                <p:childTnLst>
+                  <p:par>
+                    <p:cTn id="3" fill="hold">
+                      <p:stCondLst>
+                        <p:cond delay="indefinite"/>
+                      </p:stCondLst>
+                      <p:childTnLst>
+                        <p:par>
+                          <p:cTn id="4" fill="hold">
+                            <p:stCondLst>
+                              <p:cond delay="0"/>
+                            </p:stCondLst>
+                            <p:childTnLst>
+                              <p:par>
+                                <p:cTn id="5" presetID="1" presetClass="entr" presetSubtype="0" fill="hold" nodeType="clickEffect">
+                                  <p:stCondLst>
+                                    <p:cond delay="0"/>
+                                  </p:stCondLst>
+                                  <p:childTnLst>
+                                    <p:set>
+                                      <p:cBhvr>
+                                        <p:cTn id="6" dur="1" fill="hold">
+                                          <p:stCondLst>
+                                            <p:cond delay="0"/>
+                                          </p:stCondLst>
+                                        </p:cTn>
+                                        <p:tgtEl>
+                                          <p:spTgt spid="188"/>
+                                        </p:tgtEl>
+                                        <p:attrNameLst>
+                                          <p:attrName>style.visibility</p:attrName>
+                                        </p:attrNameLst>
+                                      </p:cBhvr>
+                                      <p:to>
+                                        <p:strVal val="visible"/>
+                                      </p:to>
+                                    </p:set>
+                                  </p:childTnLst>
+                                </p:cTn>
+                              </p:par>
+                            </p:childTnLst>
+                          </p:cTn>
+                        </p:par>
+                      </p:childTnLst>
+                    </p:cTn>
+                  </p:par>
+                  <p:par>
+                    <p:cTn id="7" fill="hold">
+                      <p:stCondLst>
+                        <p:cond delay="indefinite"/>
+                      </p:stCondLst>
+                      <p:childTnLst>
+                        <p:par>
+                          <p:cTn id="8" fill="hold">
+                            <p:stCondLst>
+                              <p:cond delay="0"/>
+                            </p:stCondLst>
+                            <p:childTnLst>
+                              <p:par>
+                                <p:cTn id="9" presetID="1" presetClass="entr" presetSubtype="0" fill="hold" grpId="0" nodeType="clickEffect">
+                                  <p:stCondLst>
+                                    <p:cond delay="0"/>
+                                  </p:stCondLst>
+                                  <p:childTnLst>
+                                    <p:set>
+                                      <p:cBhvr>
+                                        <p:cTn id="10" dur="1" fill="hold">
+                                          <p:stCondLst>
+                                            <p:cond delay="0"/>
+                                          </p:stCondLst>
+                                        </p:cTn>
+                                        <p:tgtEl>
+                                          <p:spTgt spid="112"/>
+                                        </p:tgtEl>
+                                        <p:attrNameLst>
+                                          <p:attrName>style.visibility</p:attrName>
+                                        </p:attrNameLst>
+                                      </p:cBhvr>
+                                      <p:to>
+                                        <p:strVal val="visible"/>
+                                      </p:to>
+                                    </p:set>
+                                  </p:childTnLst>
+                                </p:cTn>
+                              </p:par>
+                            </p:childTnLst>
+                          </p:cTn>
+                        </p:par>
+                      </p:childTnLst>
+                    </p:cTn>
+                  </p:par>
+                  <p:par>
+                    <p:cTn id="11" fill="hold">
+                      <p:stCondLst>
+                        <p:cond delay="indefinite"/>
+                      </p:stCondLst>
+                      <p:childTnLst>
+                        <p:par>
+                          <p:cTn id="12" fill="hold">
+                            <p:stCondLst>
+                              <p:cond delay="0"/>
+                            </p:stCondLst>
+                            <p:childTnLst>
+                              <p:par>
+                                <p:cTn id="13" presetID="1" presetClass="entr" presetSubtype="0" fill="hold" grpId="0" nodeType="clickEffect">
+                                  <p:stCondLst>
+                                    <p:cond delay="0"/>
+                                  </p:stCondLst>
+                                  <p:childTnLst>
+                                    <p:set>
+                                      <p:cBhvr>
+                                        <p:cTn id="14" dur="1" fill="hold">
+                                          <p:stCondLst>
+                                            <p:cond delay="0"/>
+                                          </p:stCondLst>
+                                        </p:cTn>
+                                        <p:tgtEl>
+                                          <p:spTgt spid="22"/>
+                                        </p:tgtEl>
+                                        <p:attrNameLst>
+                                          <p:attrName>style.visibility</p:attrName>
+                                        </p:attrNameLst>
+                                      </p:cBhvr>
+                                      <p:to>
+                                        <p:strVal val="visible"/>
+                                      </p:to>
+                                    </p:set>
+                                  </p:childTnLst>
+                                </p:cTn>
+                              </p:par>
+                            </p:childTnLst>
+                          </p:cTn>
+                        </p:par>
+                      </p:childTnLst>
+                    </p:cTn>
+                  </p:par>
+                  <p:par>
+                    <p:cTn id="15" fill="hold">
+                      <p:stCondLst>
+                        <p:cond delay="indefinite"/>
+                      </p:stCondLst>
+                      <p:childTnLst>
+                        <p:par>
+                          <p:cTn id="16" fill="hold">
+                            <p:stCondLst>
+                              <p:cond delay="0"/>
+                            </p:stCondLst>
+                            <p:childTnLst>
+                              <p:par>
+                                <p:cTn id="17" presetID="1" presetClass="entr" presetSubtype="0" fill="hold" grpId="0" nodeType="clickEffect">
+                                  <p:stCondLst>
+                                    <p:cond delay="0"/>
+                                  </p:stCondLst>
+                                  <p:childTnLst>
+                                    <p:set>
+                                      <p:cBhvr>
+                                        <p:cTn id="18" dur="1" fill="hold">
+                                          <p:stCondLst>
+                                            <p:cond delay="0"/>
+                                          </p:stCondLst>
+                                        </p:cTn>
+                                        <p:tgtEl>
+                                          <p:spTgt spid="41"/>
+                                        </p:tgtEl>
+                                        <p:attrNameLst>
+                                          <p:attrName>style.visibility</p:attrName>
+                                        </p:attrNameLst>
+                                      </p:cBhvr>
+                                      <p:to>
+                                        <p:strVal val="visible"/>
+                                      </p:to>
+                                    </p:set>
+                                  </p:childTnLst>
+                                </p:cTn>
+                              </p:par>
+                            </p:childTnLst>
+                          </p:cTn>
+                        </p:par>
+                      </p:childTnLst>
+                    </p:cTn>
+                  </p:par>
+                  <p:par>
+                    <p:cTn id="19" fill="hold">
+                      <p:stCondLst>
+                        <p:cond delay="indefinite"/>
+                      </p:stCondLst>
+                      <p:childTnLst>
+                        <p:par>
+                          <p:cTn id="20" fill="hold">
+                            <p:stCondLst>
+                              <p:cond delay="0"/>
+                            </p:stCondLst>
+                            <p:childTnLst>
+                              <p:par>
+                                <p:cTn id="21" presetID="1" presetClass="entr" presetSubtype="0" fill="hold" grpId="0" nodeType="clickEffect">
+                                  <p:stCondLst>
+                                    <p:cond delay="0"/>
+                                  </p:stCondLst>
+                                  <p:childTnLst>
+                                    <p:set>
+                                      <p:cBhvr>
+                                        <p:cTn id="22" dur="1" fill="hold">
+                                          <p:stCondLst>
+                                            <p:cond delay="0"/>
+                                          </p:stCondLst>
+                                        </p:cTn>
+                                        <p:tgtEl>
+                                          <p:spTgt spid="98"/>
+                                        </p:tgtEl>
+                                        <p:attrNameLst>
+                                          <p:attrName>style.visibility</p:attrName>
+                                        </p:attrNameLst>
+                                      </p:cBhvr>
+                                      <p:to>
+                                        <p:strVal val="visible"/>
+                                      </p:to>
+                                    </p:set>
+                                  </p:childTnLst>
+                                </p:cTn>
+                              </p:par>
+                            </p:childTnLst>
+                          </p:cTn>
+                        </p:par>
+                      </p:childTnLst>
+                    </p:cTn>
+                  </p:par>
+                  <p:par>
+                    <p:cTn id="23" fill="hold">
+                      <p:stCondLst>
+                        <p:cond delay="indefinite"/>
+                      </p:stCondLst>
+                      <p:childTnLst>
+                        <p:par>
+                          <p:cTn id="24" fill="hold">
+                            <p:stCondLst>
+                              <p:cond delay="0"/>
+                            </p:stCondLst>
+                            <p:childTnLst>
+                              <p:par>
+                                <p:cTn id="25" presetID="1" presetClass="entr" presetSubtype="0" fill="hold" nodeType="clickEffect">
+                                  <p:stCondLst>
+                                    <p:cond delay="0"/>
+                                  </p:stCondLst>
+                                  <p:childTnLst>
+                                    <p:set>
+                                      <p:cBhvr>
+                                        <p:cTn id="26" dur="1" fill="hold">
+                                          <p:stCondLst>
+                                            <p:cond delay="0"/>
+                                          </p:stCondLst>
+                                        </p:cTn>
+                                        <p:tgtEl>
+                                          <p:spTgt spid="195"/>
+                                        </p:tgtEl>
+                                        <p:attrNameLst>
+                                          <p:attrName>style.visibility</p:attrName>
+                                        </p:attrNameLst>
+                                      </p:cBhvr>
+                                      <p:to>
+                                        <p:strVal val="visible"/>
+                                      </p:to>
+                                    </p:set>
+                                  </p:childTnLst>
+                                </p:cTn>
+                              </p:par>
+                            </p:childTnLst>
+                          </p:cTn>
+                        </p:par>
+                      </p:childTnLst>
+                    </p:cTn>
+                  </p:par>
+                  <p:par>
+                    <p:cTn id="27" fill="hold">
+                      <p:stCondLst>
+                        <p:cond delay="indefinite"/>
+                      </p:stCondLst>
+                      <p:childTnLst>
+                        <p:par>
+                          <p:cTn id="28" fill="hold">
+                            <p:stCondLst>
+                              <p:cond delay="0"/>
+                            </p:stCondLst>
+                            <p:childTnLst>
+                              <p:par>
+                                <p:cTn id="29" presetID="1" presetClass="entr" presetSubtype="0" fill="hold" grpId="0" nodeType="clickEffect">
+                                  <p:stCondLst>
+                                    <p:cond delay="0"/>
+                                  </p:stCondLst>
+                                  <p:childTnLst>
+                                    <p:set>
+                                      <p:cBhvr>
+                                        <p:cTn id="30" dur="1" fill="hold">
+                                          <p:stCondLst>
+                                            <p:cond delay="0"/>
+                                          </p:stCondLst>
+                                        </p:cTn>
+                                        <p:tgtEl>
+                                          <p:spTgt spid="120"/>
+                                        </p:tgtEl>
+                                        <p:attrNameLst>
+                                          <p:attrName>style.visibility</p:attrName>
+                                        </p:attrNameLst>
+                                      </p:cBhvr>
+                                      <p:to>
+                                        <p:strVal val="visible"/>
+                                      </p:to>
+                                    </p:set>
+                                  </p:childTnLst>
+                                </p:cTn>
+                              </p:par>
+                            </p:childTnLst>
+                          </p:cTn>
+                        </p:par>
+                      </p:childTnLst>
+                    </p:cTn>
+                  </p:par>
+                </p:childTnLst>
+              </p:cTn>
+              <p:prevCondLst>
+                <p:cond evt="onPrev" delay="0">
+                  <p:tgtEl>
+                    <p:sldTgt/>
+                  </p:tgtEl>
+                </p:cond>
+              </p:prevCondLst>
+              <p:nextCondLst>
+                <p:cond evt="onNext" delay="0">
+                  <p:tgtEl>
+                    <p:sldTgt/>
+                  </p:tgtEl>
+                </p:cond>
+              </p:nextCondLst>
+            </p:seq>
+          </p:childTnLst>
+        </p:cTn>
+      </p:par>
+    </p:tnLst>
+    <p:bldLst>
+      <p:bldP spid="22" grpId="0" animBg="1"/>
+      <p:bldP spid="41" grpId="0" animBg="1"/>
+      <p:bldP spid="98" grpId="0" animBg="1"/>
+      <p:bldP spid="112" grpId="0" animBg="1"/>
+      <p:bldP spid="120" grpId="0" animBg="1"/>
+    </p:bldLst>
+  </p:timing>
 </p:sld>
 </file>
 
@@ -6254,64 +7996,66 @@
           <a:bodyPr/>
           <a:lstStyle/>
           <a:p>
-            <a:pPr lvl="0" marL="0" indent="0">
+            <a:pPr marL="0" lvl="0" indent="0">
               <a:buNone/>
             </a:pPr>
             <a:r>
-              <a:rPr/>
-              <a:t>Ride</a:t>
-            </a:r>
-            <a:r>
-              <a:rPr/>
-              <a:t> </a:t>
-            </a:r>
-            <a:r>
-              <a:rPr/>
-              <a:t>Allocation</a:t>
-            </a:r>
-            <a:r>
-              <a:rPr/>
-              <a:t> </a:t>
-            </a:r>
-            <a:r>
-              <a:rPr/>
-              <a:t>Prediction</a:t>
-            </a:r>
-          </a:p>
-        </p:txBody>
-      </p:sp>
-      <p:pic>
-        <p:nvPicPr>
-          <p:cNvPr descr="../slides/diagrams/ai/ride-allocation-prediction.emf" id="0" name="Picture 1"/>
-          <p:cNvPicPr>
-            <a:picLocks noGrp="1" noChangeAspect="1"/>
-          </p:cNvPicPr>
-          <p:nvPr/>
-        </p:nvPicPr>
-        <p:blipFill>
-          <a:blip r:embed="rId2"/>
-          <a:stretch>
-            <a:fillRect/>
-          </a:stretch>
-        </p:blipFill>
-        <p:spPr bwMode="auto">
-          <a:xfrm>
-            <a:off x="2235200" y="2057400"/>
-            <a:ext cx="4660900" cy="4038600"/>
-          </a:xfrm>
-          <a:prstGeom prst="rect">
-            <a:avLst/>
-          </a:prstGeom>
-          <a:noFill/>
-          <a:ln w="9525">
-            <a:noFill/>
-            <a:headEnd/>
-            <a:tailEnd/>
-          </a:ln>
-        </p:spPr>
-      </p:pic>
+              <a:t>Fragility of AI Systems</a:t>
+            </a:r>
+          </a:p>
+        </p:txBody>
+      </p:sp>
+      <p:sp>
+        <p:nvSpPr>
+          <p:cNvPr id="3" name="Content Placeholder 2"/>
+          <p:cNvSpPr>
+            <a:spLocks noGrp="1"/>
+          </p:cNvSpPr>
+          <p:nvPr>
+            <p:ph idx="1"/>
+          </p:nvPr>
+        </p:nvSpPr>
+        <p:spPr/>
+        <p:txBody>
+          <a:bodyPr/>
+          <a:lstStyle/>
+          <a:p>
+            <a:pPr lvl="1"/>
+            <a:r>
+              <a:t>They are componentwise built from ML Capabilities.</a:t>
+            </a:r>
+          </a:p>
+          <a:p>
+            <a:pPr lvl="1"/>
+            <a:r>
+              <a:t>Each capability is independently constructed and verified.</a:t>
+            </a:r>
+          </a:p>
+          <a:p>
+            <a:pPr lvl="2"/>
+            <a:r>
+              <a:t>Pedestrian detection</a:t>
+            </a:r>
+          </a:p>
+          <a:p>
+            <a:pPr lvl="2"/>
+            <a:r>
+              <a:t>Road line detection</a:t>
+            </a:r>
+          </a:p>
+          <a:p>
+            <a:pPr lvl="1"/>
+            <a:r>
+              <a:t>Important for verification purposes.</a:t>
+            </a:r>
+          </a:p>
+        </p:txBody>
+      </p:sp>
     </p:spTree>
   </p:cSld>
+  <p:clrMapOvr>
+    <a:masterClrMapping/>
+  </p:clrMapOvr>
 </p:sld>
 </file>
 
@@ -6347,42 +8091,54 @@
           <a:bodyPr/>
           <a:lstStyle/>
           <a:p>
-            <a:pPr lvl="0" marL="0" indent="0">
+            <a:pPr marL="0" lvl="0" indent="0">
               <a:buNone/>
             </a:pPr>
             <a:r>
-              <a:rPr/>
-              <a:t>Machine</a:t>
-            </a:r>
-            <a:r>
-              <a:rPr/>
-              <a:t> </a:t>
-            </a:r>
-            <a:r>
-              <a:rPr/>
-              <a:t>Learning</a:t>
-            </a:r>
-            <a:r>
-              <a:rPr/>
-              <a:t> </a:t>
-            </a:r>
-            <a:r>
-              <a:rPr/>
-              <a:t>Systems</a:t>
-            </a:r>
-            <a:r>
-              <a:rPr/>
-              <a:t> </a:t>
-            </a:r>
-            <a:r>
-              <a:rPr/>
-              <a:t>Design</a:t>
+              <a:t>The Software Crisis</a:t>
+            </a:r>
+          </a:p>
+        </p:txBody>
+      </p:sp>
+      <p:sp>
+        <p:nvSpPr>
+          <p:cNvPr id="3" name="Content Placeholder 2"/>
+          <p:cNvSpPr>
+            <a:spLocks noGrp="1"/>
+          </p:cNvSpPr>
+          <p:nvPr>
+            <p:ph idx="1"/>
+          </p:nvPr>
+        </p:nvSpPr>
+        <p:spPr/>
+        <p:txBody>
+          <a:bodyPr/>
+          <a:lstStyle/>
+          <a:p>
+            <a:pPr marL="1270000" lvl="0" indent="0">
+              <a:buNone/>
+            </a:pPr>
+            <a:r>
+              <a:rPr sz="2000"/>
+              <a:t>The major cause of the software crisis is that the machines have become several orders of magnitude more powerful! To put it quite bluntly: as long as there were no machines, programming was no problem at all; when we had a few weak computers, programming became a mild problem, and now we have gigantic computers, programming has become an equally gigantic problem.</a:t>
+            </a:r>
+          </a:p>
+          <a:p>
+            <a:pPr marL="1270000" lvl="0" indent="0">
+              <a:buNone/>
+            </a:pPr>
+            <a:r>
+              <a:rPr sz="2000"/>
+              <a:t>Edsger Dijkstra (1930-2002), The Humble Programmer</a:t>
             </a:r>
           </a:p>
         </p:txBody>
       </p:sp>
     </p:spTree>
   </p:cSld>
+  <p:clrMapOvr>
+    <a:masterClrMapping/>
+  </p:clrMapOvr>
 </p:sld>
 </file>
 
@@ -6418,36 +8174,11 @@
           <a:bodyPr/>
           <a:lstStyle/>
           <a:p>
-            <a:pPr lvl="0" marL="0" indent="0">
+            <a:pPr marL="0" lvl="0" indent="0">
               <a:buNone/>
             </a:pPr>
             <a:r>
-              <a:rPr/>
-              <a:t>Fragility</a:t>
-            </a:r>
-            <a:r>
-              <a:rPr/>
-              <a:t> </a:t>
-            </a:r>
-            <a:r>
-              <a:rPr/>
-              <a:t>of</a:t>
-            </a:r>
-            <a:r>
-              <a:rPr/>
-              <a:t> </a:t>
-            </a:r>
-            <a:r>
-              <a:rPr/>
-              <a:t>AI</a:t>
-            </a:r>
-            <a:r>
-              <a:rPr/>
-              <a:t> </a:t>
-            </a:r>
-            <a:r>
-              <a:rPr/>
-              <a:t>Systems</a:t>
+              <a:t>The Data Crisis</a:t>
             </a:r>
           </a:p>
         </p:txBody>
@@ -6467,44 +8198,39 @@
           <a:bodyPr/>
           <a:lstStyle/>
           <a:p>
-            <a:pPr lvl="1"/>
-            <a:r>
-              <a:rPr/>
-              <a:t>They are componentwise built from ML Capabilities.</a:t>
-            </a:r>
-          </a:p>
-          <a:p>
-            <a:pPr lvl="1"/>
-            <a:r>
-              <a:rPr/>
-              <a:t>Each capability is independently constructed and verified.</a:t>
-            </a:r>
-          </a:p>
-          <a:p>
-            <a:pPr lvl="2"/>
-            <a:r>
-              <a:rPr/>
-              <a:t>Pedestrian detection</a:t>
-            </a:r>
-          </a:p>
-          <a:p>
-            <a:pPr lvl="2"/>
-            <a:r>
-              <a:rPr/>
-              <a:t>Road line detection</a:t>
-            </a:r>
-          </a:p>
-          <a:p>
-            <a:pPr lvl="1"/>
-            <a:r>
-              <a:rPr/>
-              <a:t>Important for verification purposes.</a:t>
+            <a:pPr marL="1270000" lvl="0" indent="0">
+              <a:buNone/>
+            </a:pPr>
+            <a:r>
+              <a:rPr sz="2000"/>
+              <a:t>The major cause of the data crisis is that machines have become more interconnected than ever before. Data access is therefore cheap, but data quality is often poor. What we need is cheap high-quality data. That implies that we develop processes for improving and verifying data quality that are efficient.</a:t>
+            </a:r>
+          </a:p>
+          <a:p>
+            <a:pPr marL="1270000" lvl="0" indent="0">
+              <a:buNone/>
+            </a:pPr>
+            <a:r>
+              <a:rPr sz="2000"/>
+              <a:t>There would seem to be two ways for improving efficiency. Firstly, we should not duplicate work. Secondly, where possible we should automate work.</a:t>
+            </a:r>
+          </a:p>
+          <a:p>
+            <a:pPr marL="1270000" lvl="0" indent="0">
+              <a:buNone/>
+            </a:pPr>
+            <a:r>
+              <a:rPr sz="2000"/>
+              <a:t>Me</a:t>
             </a:r>
           </a:p>
         </p:txBody>
       </p:sp>
     </p:spTree>
   </p:cSld>
+  <p:clrMapOvr>
+    <a:masterClrMapping/>
+  </p:clrMapOvr>
 </p:sld>
 </file>
 
@@ -6540,28 +8266,11 @@
           <a:bodyPr/>
           <a:lstStyle/>
           <a:p>
-            <a:pPr lvl="0" marL="0" indent="0">
+            <a:pPr marL="0" lvl="0" indent="0">
               <a:buNone/>
             </a:pPr>
             <a:r>
-              <a:rPr/>
-              <a:t>The</a:t>
-            </a:r>
-            <a:r>
-              <a:rPr/>
-              <a:t> </a:t>
-            </a:r>
-            <a:r>
-              <a:rPr/>
-              <a:t>Software</a:t>
-            </a:r>
-            <a:r>
-              <a:rPr/>
-              <a:t> </a:t>
-            </a:r>
-            <a:r>
-              <a:rPr/>
-              <a:t>Crisis</a:t>
+              <a:t>Computer Science Paradigm Shift</a:t>
             </a:r>
           </a:p>
         </p:txBody>
@@ -6581,27 +8290,36 @@
           <a:bodyPr/>
           <a:lstStyle/>
           <a:p>
-            <a:pPr lvl="0" marL="1270000" indent="0">
-              <a:buNone/>
-            </a:pPr>
-            <a:r>
-              <a:rPr sz="2000"/>
-              <a:t>The major cause of the software crisis is that the machines have become several orders of magnitude more powerful! To put it quite bluntly: as long as there were no machines, programming was no problem at all; when we had a few weak computers, programming became a mild problem, and now we have gigantic computers, programming has become an equally gigantic problem.</a:t>
-            </a:r>
-          </a:p>
-          <a:p>
-            <a:pPr lvl="0" marL="1270000" indent="0">
-              <a:buNone/>
-            </a:pPr>
-            <a:r>
-              <a:rPr sz="2000"/>
-              <a:t>Edsger Dijkstra (1930-2002), The Humble Programmer</a:t>
+            <a:pPr lvl="1"/>
+            <a:r>
+              <a:t>Turing machine:</a:t>
+            </a:r>
+          </a:p>
+          <a:p>
+            <a:pPr lvl="2"/>
+            <a:r>
+              <a:t>Code and data integrated</a:t>
+            </a:r>
+          </a:p>
+          <a:p>
+            <a:pPr lvl="1"/>
+            <a:r>
+              <a:t>Today:</a:t>
+            </a:r>
+          </a:p>
+          <a:p>
+            <a:pPr lvl="2"/>
+            <a:r>
+              <a:t>Code and data separated for security</a:t>
             </a:r>
           </a:p>
         </p:txBody>
       </p:sp>
     </p:spTree>
   </p:cSld>
+  <p:clrMapOvr>
+    <a:masterClrMapping/>
+  </p:clrMapOvr>
 </p:sld>
 </file>
 
@@ -6637,28 +8355,11 @@
           <a:bodyPr/>
           <a:lstStyle/>
           <a:p>
-            <a:pPr lvl="0" marL="0" indent="0">
+            <a:pPr marL="0" lvl="0" indent="0">
               <a:buNone/>
             </a:pPr>
             <a:r>
-              <a:rPr/>
-              <a:t>The</a:t>
-            </a:r>
-            <a:r>
-              <a:rPr/>
-              <a:t> </a:t>
-            </a:r>
-            <a:r>
-              <a:rPr/>
-              <a:t>Data</a:t>
-            </a:r>
-            <a:r>
-              <a:rPr/>
-              <a:t> </a:t>
-            </a:r>
-            <a:r>
-              <a:rPr/>
-              <a:t>Crisis</a:t>
+              <a:t>Computer Science Paradigm Shift</a:t>
             </a:r>
           </a:p>
         </p:txBody>
@@ -6678,36 +8379,30 @@
           <a:bodyPr/>
           <a:lstStyle/>
           <a:p>
-            <a:pPr lvl="0" marL="1270000" indent="0">
-              <a:buNone/>
-            </a:pPr>
-            <a:r>
-              <a:rPr sz="2000"/>
-              <a:t>The major cause of the data crisis is that machines have become more interconnected than ever before. Data access is therefore cheap, but data quality is often poor. What we need is cheap high-quality data. That implies that we develop processes for improving and verifying data quality that are efficient.</a:t>
-            </a:r>
-          </a:p>
-          <a:p>
-            <a:pPr lvl="0" marL="1270000" indent="0">
-              <a:buNone/>
-            </a:pPr>
-            <a:r>
-              <a:rPr sz="2000"/>
-              <a:t>There would seem to be two ways for improving efficiency. Firstly, we should not duplicate work. Secondly, where possible we should automate work.</a:t>
-            </a:r>
-          </a:p>
-          <a:p>
-            <a:pPr lvl="0" marL="1270000" indent="0">
-              <a:buNone/>
-            </a:pPr>
-            <a:r>
-              <a:rPr sz="2000"/>
-              <a:t>Me</a:t>
+            <a:pPr lvl="1"/>
+            <a:r>
+              <a:t>Machine learning:</a:t>
+            </a:r>
+          </a:p>
+          <a:p>
+            <a:pPr lvl="2"/>
+            <a:r>
+              <a:t>Software is data</a:t>
+            </a:r>
+          </a:p>
+          <a:p>
+            <a:pPr lvl="1"/>
+            <a:r>
+              <a:t>Machine learning is a high level breach of the software/data separation.</a:t>
             </a:r>
           </a:p>
         </p:txBody>
       </p:sp>
     </p:spTree>
   </p:cSld>
+  <p:clrMapOvr>
+    <a:masterClrMapping/>
+  </p:clrMapOvr>
 </p:sld>
 </file>
 
@@ -6743,36 +8438,11 @@
           <a:bodyPr/>
           <a:lstStyle/>
           <a:p>
-            <a:pPr lvl="0" marL="0" indent="0">
+            <a:pPr marL="0" lvl="0" indent="0">
               <a:buNone/>
             </a:pPr>
             <a:r>
-              <a:rPr/>
-              <a:t>Computer</a:t>
-            </a:r>
-            <a:r>
-              <a:rPr/>
-              <a:t> </a:t>
-            </a:r>
-            <a:r>
-              <a:rPr/>
-              <a:t>Science</a:t>
-            </a:r>
-            <a:r>
-              <a:rPr/>
-              <a:t> </a:t>
-            </a:r>
-            <a:r>
-              <a:rPr/>
-              <a:t>Paradigm</a:t>
-            </a:r>
-            <a:r>
-              <a:rPr/>
-              <a:t> </a:t>
-            </a:r>
-            <a:r>
-              <a:rPr/>
-              <a:t>Shift</a:t>
+              <a:t>Peppercorns</a:t>
             </a:r>
           </a:p>
         </p:txBody>
@@ -6794,35 +8464,22 @@
           <a:p>
             <a:pPr lvl="1"/>
             <a:r>
-              <a:rPr/>
-              <a:t>Turing machine:</a:t>
-            </a:r>
-          </a:p>
-          <a:p>
-            <a:pPr lvl="2"/>
-            <a:r>
-              <a:rPr/>
-              <a:t>Code and data integrated</a:t>
+              <a:t>A new name for system failures which aren’t bugs.</a:t>
             </a:r>
           </a:p>
           <a:p>
             <a:pPr lvl="1"/>
             <a:r>
-              <a:rPr/>
-              <a:t>Today:</a:t>
-            </a:r>
-          </a:p>
-          <a:p>
-            <a:pPr lvl="2"/>
-            <a:r>
-              <a:rPr/>
-              <a:t>Code and data separated for security</a:t>
+              <a:t>Difference between finding a fly in your soup vs a peppercorn in your soup.</a:t>
             </a:r>
           </a:p>
         </p:txBody>
       </p:sp>
     </p:spTree>
   </p:cSld>
+  <p:clrMapOvr>
+    <a:masterClrMapping/>
+  </p:clrMapOvr>
 </p:sld>
 </file>
 
@@ -6858,243 +8515,10 @@
           <a:bodyPr/>
           <a:lstStyle/>
           <a:p>
-            <a:pPr lvl="0" marL="0" indent="0">
+            <a:pPr marL="0" lvl="0" indent="0">
               <a:buNone/>
             </a:pPr>
             <a:r>
-              <a:rPr/>
-              <a:t>Computer</a:t>
-            </a:r>
-            <a:r>
-              <a:rPr/>
-              <a:t> </a:t>
-            </a:r>
-            <a:r>
-              <a:rPr/>
-              <a:t>Science</a:t>
-            </a:r>
-            <a:r>
-              <a:rPr/>
-              <a:t> </a:t>
-            </a:r>
-            <a:r>
-              <a:rPr/>
-              <a:t>Paradigm</a:t>
-            </a:r>
-            <a:r>
-              <a:rPr/>
-              <a:t> </a:t>
-            </a:r>
-            <a:r>
-              <a:rPr/>
-              <a:t>Shift</a:t>
-            </a:r>
-          </a:p>
-        </p:txBody>
-      </p:sp>
-      <p:sp>
-        <p:nvSpPr>
-          <p:cNvPr id="3" name="Content Placeholder 2"/>
-          <p:cNvSpPr>
-            <a:spLocks noGrp="1"/>
-          </p:cNvSpPr>
-          <p:nvPr>
-            <p:ph idx="1"/>
-          </p:nvPr>
-        </p:nvSpPr>
-        <p:spPr/>
-        <p:txBody>
-          <a:bodyPr/>
-          <a:lstStyle/>
-          <a:p>
-            <a:pPr lvl="1"/>
-            <a:r>
-              <a:rPr/>
-              <a:t>Machine learning:</a:t>
-            </a:r>
-          </a:p>
-          <a:p>
-            <a:pPr lvl="2"/>
-            <a:r>
-              <a:rPr/>
-              <a:t>Software is data</a:t>
-            </a:r>
-          </a:p>
-          <a:p>
-            <a:pPr lvl="1"/>
-            <a:r>
-              <a:rPr/>
-              <a:t>Machine learning is a high level breach of the software/data separation.</a:t>
-            </a:r>
-          </a:p>
-        </p:txBody>
-      </p:sp>
-    </p:spTree>
-  </p:cSld>
-</p:sld>
-</file>
-
-<file path=ppt/slides/slide19.xml><?xml version="1.0" encoding="utf-8"?>
-<p:sld xmlns:a="http://schemas.openxmlformats.org/drawingml/2006/main" xmlns:r="http://schemas.openxmlformats.org/officeDocument/2006/relationships" xmlns:p="http://schemas.openxmlformats.org/presentationml/2006/main">
-  <p:cSld>
-    <p:spTree>
-      <p:nvGrpSpPr>
-        <p:cNvPr id="1" name=""/>
-        <p:cNvGrpSpPr/>
-        <p:nvPr/>
-      </p:nvGrpSpPr>
-      <p:grpSpPr>
-        <a:xfrm>
-          <a:off x="0" y="0"/>
-          <a:ext cx="0" cy="0"/>
-          <a:chOff x="0" y="0"/>
-          <a:chExt cx="0" cy="0"/>
-        </a:xfrm>
-      </p:grpSpPr>
-      <p:sp>
-        <p:nvSpPr>
-          <p:cNvPr id="2" name="Title 1"/>
-          <p:cNvSpPr>
-            <a:spLocks noGrp="1"/>
-          </p:cNvSpPr>
-          <p:nvPr>
-            <p:ph type="title"/>
-          </p:nvPr>
-        </p:nvSpPr>
-        <p:spPr/>
-        <p:txBody>
-          <a:bodyPr/>
-          <a:lstStyle/>
-          <a:p>
-            <a:pPr lvl="0" marL="0" indent="0">
-              <a:buNone/>
-            </a:pPr>
-            <a:r>
-              <a:rPr/>
-              <a:t>Peppercorns</a:t>
-            </a:r>
-          </a:p>
-        </p:txBody>
-      </p:sp>
-      <p:sp>
-        <p:nvSpPr>
-          <p:cNvPr id="3" name="Content Placeholder 2"/>
-          <p:cNvSpPr>
-            <a:spLocks noGrp="1"/>
-          </p:cNvSpPr>
-          <p:nvPr>
-            <p:ph idx="1"/>
-          </p:nvPr>
-        </p:nvSpPr>
-        <p:spPr/>
-        <p:txBody>
-          <a:bodyPr/>
-          <a:lstStyle/>
-          <a:p>
-            <a:pPr lvl="1"/>
-            <a:r>
-              <a:rPr/>
-              <a:t>A new name for system failures which aren’t bugs.</a:t>
-            </a:r>
-          </a:p>
-          <a:p>
-            <a:pPr lvl="1"/>
-            <a:r>
-              <a:rPr/>
-              <a:t>Difference between finding a fly in your soup vs a peppercorn in your soup.</a:t>
-            </a:r>
-          </a:p>
-        </p:txBody>
-      </p:sp>
-    </p:spTree>
-  </p:cSld>
-</p:sld>
-</file>
-
-<file path=ppt/slides/slide2.xml><?xml version="1.0" encoding="utf-8"?>
-<p:sld xmlns:a="http://schemas.openxmlformats.org/drawingml/2006/main" xmlns:r="http://schemas.openxmlformats.org/officeDocument/2006/relationships" xmlns:p="http://schemas.openxmlformats.org/presentationml/2006/main">
-  <p:cSld>
-    <p:spTree>
-      <p:nvGrpSpPr>
-        <p:cNvPr id="1" name=""/>
-        <p:cNvGrpSpPr/>
-        <p:nvPr/>
-      </p:nvGrpSpPr>
-      <p:grpSpPr>
-        <a:xfrm>
-          <a:off x="0" y="0"/>
-          <a:ext cx="0" cy="0"/>
-          <a:chOff x="0" y="0"/>
-          <a:chExt cx="0" cy="0"/>
-        </a:xfrm>
-      </p:grpSpPr>
-      <p:sp>
-        <p:nvSpPr>
-          <p:cNvPr id="3" name="Content Placeholder 2"/>
-          <p:cNvSpPr>
-            <a:spLocks noGrp="1"/>
-          </p:cNvSpPr>
-          <p:nvPr>
-            <p:ph idx="1"/>
-          </p:nvPr>
-        </p:nvSpPr>
-        <p:spPr/>
-        <p:txBody>
-          <a:bodyPr/>
-          <a:lstStyle/>
-          <a:p>
-            <a:pPr lvl="0" marL="0" indent="0">
-              <a:buNone/>
-            </a:pPr>
-            <a:r>
-              <a:rPr/>
-              <a:t>}</a:t>
-            </a:r>
-          </a:p>
-        </p:txBody>
-      </p:sp>
-    </p:spTree>
-  </p:cSld>
-</p:sld>
-</file>
-
-<file path=ppt/slides/slide20.xml><?xml version="1.0" encoding="utf-8"?>
-<p:sld xmlns:a="http://schemas.openxmlformats.org/drawingml/2006/main" xmlns:r="http://schemas.openxmlformats.org/officeDocument/2006/relationships" xmlns:p="http://schemas.openxmlformats.org/presentationml/2006/main">
-  <p:cSld>
-    <p:spTree>
-      <p:nvGrpSpPr>
-        <p:cNvPr id="1" name=""/>
-        <p:cNvGrpSpPr/>
-        <p:nvPr/>
-      </p:nvGrpSpPr>
-      <p:grpSpPr>
-        <a:xfrm>
-          <a:off x="0" y="0"/>
-          <a:ext cx="0" cy="0"/>
-          <a:chOff x="0" y="0"/>
-          <a:chExt cx="0" cy="0"/>
-        </a:xfrm>
-      </p:grpSpPr>
-      <p:sp>
-        <p:nvSpPr>
-          <p:cNvPr id="2" name="Title 1"/>
-          <p:cNvSpPr>
-            <a:spLocks noGrp="1"/>
-          </p:cNvSpPr>
-          <p:nvPr>
-            <p:ph type="title"/>
-          </p:nvPr>
-        </p:nvSpPr>
-        <p:spPr/>
-        <p:txBody>
-          <a:bodyPr/>
-          <a:lstStyle/>
-          <a:p>
-            <a:pPr lvl="0" marL="0" indent="0">
-              <a:buNone/>
-            </a:pPr>
-            <a:r>
-              <a:rPr/>
               <a:t>Peppercorns</a:t>
             </a:r>
           </a:p>
@@ -7102,8 +8526,8 @@
       </p:sp>
       <p:pic>
         <p:nvPicPr>
-          <p:cNvPr descr="https://img.youtube.com/vi/1y2UKz47gew/0.jpg" id="0" name="Picture 1">
-            <a:hlinkClick r:id="rId3"/>
+          <p:cNvPr id="3" name="Picture 1" descr="https://img.youtube.com/vi/1y2UKz47gew/0.jpg">
+            <a:hlinkClick r:id="rId2"/>
           </p:cNvPr>
           <p:cNvPicPr>
             <a:picLocks noGrp="1" noChangeAspect="1"/>
@@ -7111,7 +8535,7 @@
           <p:nvPr/>
         </p:nvPicPr>
         <p:blipFill>
-          <a:blip r:embed="rId2"/>
+          <a:blip r:embed="rId3"/>
           <a:stretch>
             <a:fillRect/>
           </a:stretch>
@@ -7134,6 +8558,2779 @@
       </p:pic>
     </p:spTree>
   </p:cSld>
+  <p:clrMapOvr>
+    <a:masterClrMapping/>
+  </p:clrMapOvr>
+</p:sld>
+</file>
+
+<file path=ppt/slides/slide19.xml><?xml version="1.0" encoding="utf-8"?>
+<p:sld xmlns:a="http://schemas.openxmlformats.org/drawingml/2006/main" xmlns:r="http://schemas.openxmlformats.org/officeDocument/2006/relationships" xmlns:p="http://schemas.openxmlformats.org/presentationml/2006/main">
+  <p:cSld>
+    <p:spTree>
+      <p:nvGrpSpPr>
+        <p:cNvPr id="1" name=""/>
+        <p:cNvGrpSpPr/>
+        <p:nvPr/>
+      </p:nvGrpSpPr>
+      <p:grpSpPr>
+        <a:xfrm>
+          <a:off x="0" y="0"/>
+          <a:ext cx="0" cy="0"/>
+          <a:chOff x="0" y="0"/>
+          <a:chExt cx="0" cy="0"/>
+        </a:xfrm>
+      </p:grpSpPr>
+      <p:sp>
+        <p:nvSpPr>
+          <p:cNvPr id="81" name="Rectangle 80">
+            <a:extLst>
+              <a:ext uri="{FF2B5EF4-FFF2-40B4-BE49-F238E27FC236}">
+                <a16:creationId xmlns:a16="http://schemas.microsoft.com/office/drawing/2014/main" id="{6A305DE8-AA89-4C63-8C39-E396AC697F46}"/>
+              </a:ext>
+            </a:extLst>
+          </p:cNvPr>
+          <p:cNvSpPr>
+            <a:spLocks noChangeArrowheads="1"/>
+          </p:cNvSpPr>
+          <p:nvPr/>
+        </p:nvSpPr>
+        <p:spPr bwMode="auto">
+          <a:xfrm rot="16200000" flipH="1">
+            <a:off x="2764350" y="2422463"/>
+            <a:ext cx="1173600" cy="727200"/>
+          </a:xfrm>
+          <a:prstGeom prst="rect">
+            <a:avLst/>
+          </a:prstGeom>
+          <a:solidFill>
+            <a:srgbClr val="F03700"/>
+          </a:solidFill>
+          <a:ln w="22225" cap="flat">
+            <a:solidFill>
+              <a:schemeClr val="tx1"/>
+            </a:solidFill>
+            <a:prstDash val="solid"/>
+            <a:miter lim="800000"/>
+            <a:headEnd/>
+            <a:tailEnd/>
+          </a:ln>
+        </p:spPr>
+        <p:txBody>
+          <a:bodyPr vert="horz" wrap="square" lIns="91440" tIns="45720" rIns="91440" bIns="45720" numCol="1" anchor="ctr" anchorCtr="0" compatLnSpc="1">
+            <a:prstTxWarp prst="textNoShape">
+              <a:avLst/>
+            </a:prstTxWarp>
+          </a:bodyPr>
+          <a:lstStyle/>
+          <a:p>
+            <a:pPr algn="ctr"/>
+            <a:r>
+              <a:rPr lang="en-GB" sz="1200" dirty="0"/>
+              <a:t>Optimization</a:t>
+            </a:r>
+          </a:p>
+        </p:txBody>
+      </p:sp>
+      <p:sp>
+        <p:nvSpPr>
+          <p:cNvPr id="80" name="Rectangle 79">
+            <a:extLst>
+              <a:ext uri="{FF2B5EF4-FFF2-40B4-BE49-F238E27FC236}">
+                <a16:creationId xmlns:a16="http://schemas.microsoft.com/office/drawing/2014/main" id="{88F35E2A-F866-492F-89C3-A201CE75F8A1}"/>
+              </a:ext>
+            </a:extLst>
+          </p:cNvPr>
+          <p:cNvSpPr>
+            <a:spLocks noChangeArrowheads="1"/>
+          </p:cNvSpPr>
+          <p:nvPr/>
+        </p:nvSpPr>
+        <p:spPr bwMode="auto">
+          <a:xfrm rot="16200000">
+            <a:off x="1545213" y="2422463"/>
+            <a:ext cx="1173600" cy="727200"/>
+          </a:xfrm>
+          <a:prstGeom prst="rect">
+            <a:avLst/>
+          </a:prstGeom>
+          <a:solidFill>
+            <a:srgbClr val="F03700"/>
+          </a:solidFill>
+          <a:ln w="22225" cap="flat">
+            <a:solidFill>
+              <a:schemeClr val="tx1"/>
+            </a:solidFill>
+            <a:prstDash val="solid"/>
+            <a:miter lim="800000"/>
+            <a:headEnd/>
+            <a:tailEnd/>
+          </a:ln>
+        </p:spPr>
+        <p:txBody>
+          <a:bodyPr vert="horz" wrap="square" lIns="91440" tIns="45720" rIns="91440" bIns="45720" numCol="1" anchor="ctr" anchorCtr="0" compatLnSpc="1">
+            <a:prstTxWarp prst="textNoShape">
+              <a:avLst/>
+            </a:prstTxWarp>
+          </a:bodyPr>
+          <a:lstStyle/>
+          <a:p>
+            <a:pPr algn="ctr"/>
+            <a:r>
+              <a:rPr lang="en-GB" dirty="0"/>
+              <a:t>ML Model</a:t>
+            </a:r>
+          </a:p>
+        </p:txBody>
+      </p:sp>
+      <p:sp>
+        <p:nvSpPr>
+          <p:cNvPr id="82" name="Rectangle 81">
+            <a:extLst>
+              <a:ext uri="{FF2B5EF4-FFF2-40B4-BE49-F238E27FC236}">
+                <a16:creationId xmlns:a16="http://schemas.microsoft.com/office/drawing/2014/main" id="{8C7786C6-C2EF-4D5D-808B-5A483FEF8E51}"/>
+              </a:ext>
+            </a:extLst>
+          </p:cNvPr>
+          <p:cNvSpPr>
+            <a:spLocks noChangeArrowheads="1"/>
+          </p:cNvSpPr>
+          <p:nvPr/>
+        </p:nvSpPr>
+        <p:spPr bwMode="auto">
+          <a:xfrm>
+            <a:off x="1778400" y="4068000"/>
+            <a:ext cx="1936750" cy="1192213"/>
+          </a:xfrm>
+          <a:prstGeom prst="rect">
+            <a:avLst/>
+          </a:prstGeom>
+          <a:solidFill>
+            <a:srgbClr val="F03700"/>
+          </a:solidFill>
+          <a:ln w="22225" cap="flat">
+            <a:solidFill>
+              <a:schemeClr val="tx1"/>
+            </a:solidFill>
+            <a:prstDash val="solid"/>
+            <a:miter lim="800000"/>
+            <a:headEnd/>
+            <a:tailEnd/>
+          </a:ln>
+        </p:spPr>
+        <p:txBody>
+          <a:bodyPr vert="horz" wrap="square" lIns="91440" tIns="45720" rIns="91440" bIns="45720" numCol="1" anchor="ctr" anchorCtr="0" compatLnSpc="1">
+            <a:prstTxWarp prst="textNoShape">
+              <a:avLst/>
+            </a:prstTxWarp>
+          </a:bodyPr>
+          <a:lstStyle/>
+          <a:p>
+            <a:pPr algn="ctr"/>
+            <a:r>
+              <a:rPr lang="en-GB" sz="2800" dirty="0"/>
+              <a:t>OR Model</a:t>
+            </a:r>
+          </a:p>
+        </p:txBody>
+      </p:sp>
+      <p:sp>
+        <p:nvSpPr>
+          <p:cNvPr id="16" name="Rectangle 15">
+            <a:extLst>
+              <a:ext uri="{FF2B5EF4-FFF2-40B4-BE49-F238E27FC236}">
+                <a16:creationId xmlns:a16="http://schemas.microsoft.com/office/drawing/2014/main" id="{38A7E84C-C68A-48DE-99E1-125BA493D599}"/>
+              </a:ext>
+            </a:extLst>
+          </p:cNvPr>
+          <p:cNvSpPr>
+            <a:spLocks noChangeArrowheads="1"/>
+          </p:cNvSpPr>
+          <p:nvPr/>
+        </p:nvSpPr>
+        <p:spPr bwMode="auto">
+          <a:xfrm rot="16200000">
+            <a:off x="2764800" y="2422800"/>
+            <a:ext cx="1173600" cy="727200"/>
+          </a:xfrm>
+          <a:prstGeom prst="rect">
+            <a:avLst/>
+          </a:prstGeom>
+          <a:solidFill>
+            <a:srgbClr val="F03700"/>
+          </a:solidFill>
+          <a:ln w="22225" cap="flat">
+            <a:solidFill>
+              <a:schemeClr val="tx1"/>
+            </a:solidFill>
+            <a:prstDash val="solid"/>
+            <a:miter lim="800000"/>
+            <a:headEnd/>
+            <a:tailEnd/>
+          </a:ln>
+        </p:spPr>
+        <p:txBody>
+          <a:bodyPr vert="horz" wrap="square" lIns="91440" tIns="45720" rIns="91440" bIns="45720" numCol="1" anchor="ctr" anchorCtr="0" compatLnSpc="1">
+            <a:prstTxWarp prst="textNoShape">
+              <a:avLst/>
+            </a:prstTxWarp>
+          </a:bodyPr>
+          <a:lstStyle/>
+          <a:p>
+            <a:pPr algn="ctr"/>
+            <a:r>
+              <a:rPr lang="en-GB" sz="1600" dirty="0"/>
+              <a:t>Simulator</a:t>
+            </a:r>
+          </a:p>
+        </p:txBody>
+      </p:sp>
+      <p:sp>
+        <p:nvSpPr>
+          <p:cNvPr id="26" name="Rectangle 25">
+            <a:extLst>
+              <a:ext uri="{FF2B5EF4-FFF2-40B4-BE49-F238E27FC236}">
+                <a16:creationId xmlns:a16="http://schemas.microsoft.com/office/drawing/2014/main" id="{D6D5321E-7FCC-4331-86A4-666C1EE0009D}"/>
+              </a:ext>
+            </a:extLst>
+          </p:cNvPr>
+          <p:cNvSpPr>
+            <a:spLocks noChangeArrowheads="1"/>
+          </p:cNvSpPr>
+          <p:nvPr/>
+        </p:nvSpPr>
+        <p:spPr bwMode="auto">
+          <a:xfrm rot="16200000">
+            <a:off x="1544400" y="2422800"/>
+            <a:ext cx="1173600" cy="727200"/>
+          </a:xfrm>
+          <a:prstGeom prst="rect">
+            <a:avLst/>
+          </a:prstGeom>
+          <a:solidFill>
+            <a:srgbClr val="F03700"/>
+          </a:solidFill>
+          <a:ln w="22225" cap="flat">
+            <a:solidFill>
+              <a:schemeClr val="tx1"/>
+            </a:solidFill>
+            <a:prstDash val="solid"/>
+            <a:miter lim="800000"/>
+            <a:headEnd/>
+            <a:tailEnd/>
+          </a:ln>
+        </p:spPr>
+        <p:txBody>
+          <a:bodyPr vert="horz" wrap="square" lIns="91440" tIns="45720" rIns="91440" bIns="45720" numCol="1" anchor="ctr" anchorCtr="0" compatLnSpc="1">
+            <a:prstTxWarp prst="textNoShape">
+              <a:avLst/>
+            </a:prstTxWarp>
+          </a:bodyPr>
+          <a:lstStyle/>
+          <a:p>
+            <a:pPr algn="ctr"/>
+            <a:r>
+              <a:rPr lang="en-GB" sz="1600" dirty="0"/>
+              <a:t>Simulator</a:t>
+            </a:r>
+          </a:p>
+        </p:txBody>
+      </p:sp>
+      <p:sp>
+        <p:nvSpPr>
+          <p:cNvPr id="36" name="Rectangle 35">
+            <a:extLst>
+              <a:ext uri="{FF2B5EF4-FFF2-40B4-BE49-F238E27FC236}">
+                <a16:creationId xmlns:a16="http://schemas.microsoft.com/office/drawing/2014/main" id="{B116E47C-4FFF-48AF-B0F2-D55A166F6377}"/>
+              </a:ext>
+            </a:extLst>
+          </p:cNvPr>
+          <p:cNvSpPr>
+            <a:spLocks noChangeArrowheads="1"/>
+          </p:cNvSpPr>
+          <p:nvPr/>
+        </p:nvSpPr>
+        <p:spPr bwMode="auto">
+          <a:xfrm>
+            <a:off x="1778000" y="4067176"/>
+            <a:ext cx="1936750" cy="1192213"/>
+          </a:xfrm>
+          <a:prstGeom prst="rect">
+            <a:avLst/>
+          </a:prstGeom>
+          <a:solidFill>
+            <a:srgbClr val="F03700"/>
+          </a:solidFill>
+          <a:ln w="22225" cap="flat">
+            <a:solidFill>
+              <a:schemeClr val="tx1"/>
+            </a:solidFill>
+            <a:prstDash val="solid"/>
+            <a:miter lim="800000"/>
+            <a:headEnd/>
+            <a:tailEnd/>
+          </a:ln>
+        </p:spPr>
+        <p:txBody>
+          <a:bodyPr vert="horz" wrap="square" lIns="91440" tIns="45720" rIns="91440" bIns="45720" numCol="1" anchor="ctr" anchorCtr="0" compatLnSpc="1">
+            <a:prstTxWarp prst="textNoShape">
+              <a:avLst/>
+            </a:prstTxWarp>
+          </a:bodyPr>
+          <a:lstStyle/>
+          <a:p>
+            <a:pPr algn="ctr"/>
+            <a:r>
+              <a:rPr lang="en-GB" sz="2800" dirty="0"/>
+              <a:t>Simulator</a:t>
+            </a:r>
+          </a:p>
+        </p:txBody>
+      </p:sp>
+      <p:sp>
+        <p:nvSpPr>
+          <p:cNvPr id="2" name="Title 1"/>
+          <p:cNvSpPr>
+            <a:spLocks noGrp="1"/>
+          </p:cNvSpPr>
+          <p:nvPr>
+            <p:ph type="title"/>
+          </p:nvPr>
+        </p:nvSpPr>
+        <p:spPr/>
+        <p:txBody>
+          <a:bodyPr/>
+          <a:lstStyle/>
+          <a:p>
+            <a:pPr marL="0" lvl="0" indent="0">
+              <a:buNone/>
+            </a:pPr>
+            <a:r>
+              <a:rPr dirty="0"/>
+              <a:t>Emulation</a:t>
+            </a:r>
+          </a:p>
+        </p:txBody>
+      </p:sp>
+      <p:sp>
+        <p:nvSpPr>
+          <p:cNvPr id="6" name="Rectangle 5">
+            <a:extLst>
+              <a:ext uri="{FF2B5EF4-FFF2-40B4-BE49-F238E27FC236}">
+                <a16:creationId xmlns:a16="http://schemas.microsoft.com/office/drawing/2014/main" id="{E7C179AC-2030-417F-9AC8-BD13E8AA7549}"/>
+              </a:ext>
+            </a:extLst>
+          </p:cNvPr>
+          <p:cNvSpPr>
+            <a:spLocks noChangeArrowheads="1"/>
+          </p:cNvSpPr>
+          <p:nvPr/>
+        </p:nvSpPr>
+        <p:spPr bwMode="auto">
+          <a:xfrm>
+            <a:off x="5487988" y="2122488"/>
+            <a:ext cx="1939925" cy="3136900"/>
+          </a:xfrm>
+          <a:prstGeom prst="rect">
+            <a:avLst/>
+          </a:prstGeom>
+          <a:noFill/>
+          <a:ln w="22225" cap="flat">
+            <a:solidFill>
+              <a:schemeClr val="tx1"/>
+            </a:solidFill>
+            <a:prstDash val="solid"/>
+            <a:miter lim="800000"/>
+            <a:headEnd/>
+            <a:tailEnd/>
+          </a:ln>
+          <a:extLst>
+            <a:ext uri="{909E8E84-426E-40DD-AFC4-6F175D3DCCD1}">
+              <a14:hiddenFill xmlns:a14="http://schemas.microsoft.com/office/drawing/2010/main">
+                <a:solidFill>
+                  <a:srgbClr val="FFFFFF"/>
+                </a:solidFill>
+              </a14:hiddenFill>
+            </a:ext>
+          </a:extLst>
+        </p:spPr>
+        <p:txBody>
+          <a:bodyPr vert="horz" wrap="square" lIns="91440" tIns="45720" rIns="91440" bIns="45720" numCol="1" anchor="ctr" anchorCtr="0" compatLnSpc="1">
+            <a:prstTxWarp prst="textNoShape">
+              <a:avLst/>
+            </a:prstTxWarp>
+          </a:bodyPr>
+          <a:lstStyle/>
+          <a:p>
+            <a:pPr algn="ctr"/>
+            <a:r>
+              <a:rPr lang="en-GB" sz="3200" dirty="0"/>
+              <a:t>Real </a:t>
+            </a:r>
+          </a:p>
+          <a:p>
+            <a:pPr algn="ctr"/>
+            <a:r>
+              <a:rPr lang="en-GB" sz="3200" dirty="0"/>
+              <a:t>World</a:t>
+            </a:r>
+          </a:p>
+        </p:txBody>
+      </p:sp>
+      <p:grpSp>
+        <p:nvGrpSpPr>
+          <p:cNvPr id="84" name="Group 83">
+            <a:extLst>
+              <a:ext uri="{FF2B5EF4-FFF2-40B4-BE49-F238E27FC236}">
+                <a16:creationId xmlns:a16="http://schemas.microsoft.com/office/drawing/2014/main" id="{F2A93746-68EC-4D34-BA70-A51E08712AA6}"/>
+              </a:ext>
+            </a:extLst>
+          </p:cNvPr>
+          <p:cNvGrpSpPr/>
+          <p:nvPr/>
+        </p:nvGrpSpPr>
+        <p:grpSpPr>
+          <a:xfrm>
+            <a:off x="2600325" y="2474913"/>
+            <a:ext cx="1963738" cy="2236788"/>
+            <a:chOff x="2600325" y="2474913"/>
+            <a:chExt cx="1963738" cy="2236788"/>
+          </a:xfrm>
+        </p:grpSpPr>
+        <p:sp>
+          <p:nvSpPr>
+            <p:cNvPr id="51" name="Freeform 50">
+              <a:extLst>
+                <a:ext uri="{FF2B5EF4-FFF2-40B4-BE49-F238E27FC236}">
+                  <a16:creationId xmlns:a16="http://schemas.microsoft.com/office/drawing/2014/main" id="{301A0228-6E84-4F10-94F9-D1A848CC7EC9}"/>
+                </a:ext>
+              </a:extLst>
+            </p:cNvPr>
+            <p:cNvSpPr>
+              <a:spLocks/>
+            </p:cNvSpPr>
+            <p:nvPr/>
+          </p:nvSpPr>
+          <p:spPr bwMode="auto">
+            <a:xfrm>
+              <a:off x="2600325" y="4552951"/>
+              <a:ext cx="160338" cy="158750"/>
+            </a:xfrm>
+            <a:custGeom>
+              <a:avLst/>
+              <a:gdLst>
+                <a:gd name="T0" fmla="*/ 9 w 350"/>
+                <a:gd name="T1" fmla="*/ 192 h 350"/>
+                <a:gd name="T2" fmla="*/ 158 w 350"/>
+                <a:gd name="T3" fmla="*/ 9 h 350"/>
+                <a:gd name="T4" fmla="*/ 341 w 350"/>
+                <a:gd name="T5" fmla="*/ 159 h 350"/>
+                <a:gd name="T6" fmla="*/ 192 w 350"/>
+                <a:gd name="T7" fmla="*/ 341 h 350"/>
+                <a:gd name="T8" fmla="*/ 9 w 350"/>
+                <a:gd name="T9" fmla="*/ 192 h 350"/>
+              </a:gdLst>
+              <a:ahLst/>
+              <a:cxnLst>
+                <a:cxn ang="0">
+                  <a:pos x="T0" y="T1"/>
+                </a:cxn>
+                <a:cxn ang="0">
+                  <a:pos x="T2" y="T3"/>
+                </a:cxn>
+                <a:cxn ang="0">
+                  <a:pos x="T4" y="T5"/>
+                </a:cxn>
+                <a:cxn ang="0">
+                  <a:pos x="T6" y="T7"/>
+                </a:cxn>
+                <a:cxn ang="0">
+                  <a:pos x="T8" y="T9"/>
+                </a:cxn>
+              </a:cxnLst>
+              <a:rect l="0" t="0" r="r" b="b"/>
+              <a:pathLst>
+                <a:path w="350" h="350">
+                  <a:moveTo>
+                    <a:pt x="9" y="192"/>
+                  </a:moveTo>
+                  <a:cubicBezTo>
+                    <a:pt x="0" y="100"/>
+                    <a:pt x="67" y="19"/>
+                    <a:pt x="158" y="9"/>
+                  </a:cubicBezTo>
+                  <a:cubicBezTo>
+                    <a:pt x="250" y="0"/>
+                    <a:pt x="332" y="67"/>
+                    <a:pt x="341" y="159"/>
+                  </a:cubicBezTo>
+                  <a:cubicBezTo>
+                    <a:pt x="350" y="250"/>
+                    <a:pt x="283" y="332"/>
+                    <a:pt x="192" y="341"/>
+                  </a:cubicBezTo>
+                  <a:cubicBezTo>
+                    <a:pt x="100" y="350"/>
+                    <a:pt x="18" y="284"/>
+                    <a:pt x="9" y="192"/>
+                  </a:cubicBezTo>
+                  <a:close/>
+                </a:path>
+              </a:pathLst>
+            </a:custGeom>
+            <a:solidFill>
+              <a:schemeClr val="tx1"/>
+            </a:solidFill>
+            <a:ln w="20638" cap="flat">
+              <a:solidFill>
+                <a:schemeClr val="tx1"/>
+              </a:solidFill>
+              <a:prstDash val="solid"/>
+              <a:miter lim="800000"/>
+              <a:headEnd/>
+              <a:tailEnd/>
+            </a:ln>
+          </p:spPr>
+          <p:txBody>
+            <a:bodyPr vert="horz" wrap="square" lIns="91440" tIns="45720" rIns="91440" bIns="45720" numCol="1" anchor="t" anchorCtr="0" compatLnSpc="1">
+              <a:prstTxWarp prst="textNoShape">
+                <a:avLst/>
+              </a:prstTxWarp>
+            </a:bodyPr>
+            <a:lstStyle/>
+            <a:p>
+              <a:endParaRPr lang="en-GB"/>
+            </a:p>
+          </p:txBody>
+        </p:sp>
+        <p:sp>
+          <p:nvSpPr>
+            <p:cNvPr id="50" name="Freeform 49">
+              <a:extLst>
+                <a:ext uri="{FF2B5EF4-FFF2-40B4-BE49-F238E27FC236}">
+                  <a16:creationId xmlns:a16="http://schemas.microsoft.com/office/drawing/2014/main" id="{65AECAEA-F953-4981-A8CB-21AD393A9BCC}"/>
+                </a:ext>
+              </a:extLst>
+            </p:cNvPr>
+            <p:cNvSpPr>
+              <a:spLocks/>
+            </p:cNvSpPr>
+            <p:nvPr/>
+          </p:nvSpPr>
+          <p:spPr bwMode="auto">
+            <a:xfrm>
+              <a:off x="2679700" y="2474913"/>
+              <a:ext cx="1884363" cy="2157413"/>
+            </a:xfrm>
+            <a:custGeom>
+              <a:avLst/>
+              <a:gdLst>
+                <a:gd name="T0" fmla="*/ 4133 w 4133"/>
+                <a:gd name="T1" fmla="*/ 0 h 4734"/>
+                <a:gd name="T2" fmla="*/ 0 w 4133"/>
+                <a:gd name="T3" fmla="*/ 4734 h 4734"/>
+              </a:gdLst>
+              <a:ahLst/>
+              <a:cxnLst>
+                <a:cxn ang="0">
+                  <a:pos x="T0" y="T1"/>
+                </a:cxn>
+                <a:cxn ang="0">
+                  <a:pos x="T2" y="T3"/>
+                </a:cxn>
+              </a:cxnLst>
+              <a:rect l="0" t="0" r="r" b="b"/>
+              <a:pathLst>
+                <a:path w="4133" h="4734">
+                  <a:moveTo>
+                    <a:pt x="4133" y="0"/>
+                  </a:moveTo>
+                  <a:cubicBezTo>
+                    <a:pt x="3265" y="2982"/>
+                    <a:pt x="2546" y="4477"/>
+                    <a:pt x="0" y="4734"/>
+                  </a:cubicBezTo>
+                </a:path>
+              </a:pathLst>
+            </a:custGeom>
+            <a:noFill/>
+            <a:ln w="38100" cap="flat">
+              <a:solidFill>
+                <a:schemeClr val="tx1"/>
+              </a:solidFill>
+              <a:prstDash val="solid"/>
+              <a:miter lim="800000"/>
+              <a:headEnd/>
+              <a:tailEnd/>
+            </a:ln>
+            <a:extLst>
+              <a:ext uri="{909E8E84-426E-40DD-AFC4-6F175D3DCCD1}">
+                <a14:hiddenFill xmlns:a14="http://schemas.microsoft.com/office/drawing/2010/main">
+                  <a:solidFill>
+                    <a:srgbClr val="FFFFFF"/>
+                  </a:solidFill>
+                </a14:hiddenFill>
+              </a:ext>
+            </a:extLst>
+          </p:spPr>
+          <p:txBody>
+            <a:bodyPr vert="horz" wrap="square" lIns="91440" tIns="45720" rIns="91440" bIns="45720" numCol="1" anchor="t" anchorCtr="0" compatLnSpc="1">
+              <a:prstTxWarp prst="textNoShape">
+                <a:avLst/>
+              </a:prstTxWarp>
+            </a:bodyPr>
+            <a:lstStyle/>
+            <a:p>
+              <a:endParaRPr lang="en-GB"/>
+            </a:p>
+          </p:txBody>
+        </p:sp>
+      </p:grpSp>
+      <p:sp>
+        <p:nvSpPr>
+          <p:cNvPr id="52" name="Oval 51">
+            <a:extLst>
+              <a:ext uri="{FF2B5EF4-FFF2-40B4-BE49-F238E27FC236}">
+                <a16:creationId xmlns:a16="http://schemas.microsoft.com/office/drawing/2014/main" id="{500E1618-B51C-4706-A689-331F3F0DC6DC}"/>
+              </a:ext>
+            </a:extLst>
+          </p:cNvPr>
+          <p:cNvSpPr>
+            <a:spLocks noChangeArrowheads="1"/>
+          </p:cNvSpPr>
+          <p:nvPr/>
+        </p:nvSpPr>
+        <p:spPr bwMode="auto">
+          <a:xfrm>
+            <a:off x="4022725" y="5578476"/>
+            <a:ext cx="292100" cy="292100"/>
+          </a:xfrm>
+          <a:prstGeom prst="ellipse">
+            <a:avLst/>
+          </a:prstGeom>
+          <a:solidFill>
+            <a:srgbClr val="0FC8FF"/>
+          </a:solidFill>
+          <a:ln w="12700" cap="flat">
+            <a:solidFill>
+              <a:schemeClr val="tx1"/>
+            </a:solidFill>
+            <a:prstDash val="solid"/>
+            <a:miter lim="800000"/>
+            <a:headEnd/>
+            <a:tailEnd/>
+          </a:ln>
+        </p:spPr>
+        <p:txBody>
+          <a:bodyPr vert="horz" wrap="square" lIns="91440" tIns="45720" rIns="91440" bIns="45720" numCol="1" anchor="t" anchorCtr="0" compatLnSpc="1">
+            <a:prstTxWarp prst="textNoShape">
+              <a:avLst/>
+            </a:prstTxWarp>
+          </a:bodyPr>
+          <a:lstStyle/>
+          <a:p>
+            <a:endParaRPr lang="en-GB"/>
+          </a:p>
+        </p:txBody>
+      </p:sp>
+      <p:grpSp>
+        <p:nvGrpSpPr>
+          <p:cNvPr id="85" name="Group 84">
+            <a:extLst>
+              <a:ext uri="{FF2B5EF4-FFF2-40B4-BE49-F238E27FC236}">
+                <a16:creationId xmlns:a16="http://schemas.microsoft.com/office/drawing/2014/main" id="{4AA6B11F-9FEC-4AA8-A4AA-81F9DCCAF057}"/>
+              </a:ext>
+            </a:extLst>
+          </p:cNvPr>
+          <p:cNvGrpSpPr/>
+          <p:nvPr/>
+        </p:nvGrpSpPr>
+        <p:grpSpPr>
+          <a:xfrm>
+            <a:off x="4568825" y="2474913"/>
+            <a:ext cx="1962150" cy="1292225"/>
+            <a:chOff x="4568825" y="2474913"/>
+            <a:chExt cx="1962150" cy="1292225"/>
+          </a:xfrm>
+        </p:grpSpPr>
+        <p:sp>
+          <p:nvSpPr>
+            <p:cNvPr id="48" name="Freeform 47">
+              <a:extLst>
+                <a:ext uri="{FF2B5EF4-FFF2-40B4-BE49-F238E27FC236}">
+                  <a16:creationId xmlns:a16="http://schemas.microsoft.com/office/drawing/2014/main" id="{724AC771-8C21-491C-BE09-5F64EF1E6437}"/>
+                </a:ext>
+              </a:extLst>
+            </p:cNvPr>
+            <p:cNvSpPr>
+              <a:spLocks/>
+            </p:cNvSpPr>
+            <p:nvPr/>
+          </p:nvSpPr>
+          <p:spPr bwMode="auto">
+            <a:xfrm>
+              <a:off x="4568825" y="2474913"/>
+              <a:ext cx="1887538" cy="1216025"/>
+            </a:xfrm>
+            <a:custGeom>
+              <a:avLst/>
+              <a:gdLst>
+                <a:gd name="T0" fmla="*/ 0 w 4138"/>
+                <a:gd name="T1" fmla="*/ 0 h 2667"/>
+                <a:gd name="T2" fmla="*/ 4138 w 4138"/>
+                <a:gd name="T3" fmla="*/ 2667 h 2667"/>
+              </a:gdLst>
+              <a:ahLst/>
+              <a:cxnLst>
+                <a:cxn ang="0">
+                  <a:pos x="T0" y="T1"/>
+                </a:cxn>
+                <a:cxn ang="0">
+                  <a:pos x="T2" y="T3"/>
+                </a:cxn>
+              </a:cxnLst>
+              <a:rect l="0" t="0" r="r" b="b"/>
+              <a:pathLst>
+                <a:path w="4138" h="2667">
+                  <a:moveTo>
+                    <a:pt x="0" y="0"/>
+                  </a:moveTo>
+                  <a:cubicBezTo>
+                    <a:pt x="655" y="2335"/>
+                    <a:pt x="2085" y="2491"/>
+                    <a:pt x="4138" y="2667"/>
+                  </a:cubicBezTo>
+                </a:path>
+              </a:pathLst>
+            </a:custGeom>
+            <a:noFill/>
+            <a:ln w="38100" cap="flat">
+              <a:solidFill>
+                <a:schemeClr val="tx1"/>
+              </a:solidFill>
+              <a:prstDash val="solid"/>
+              <a:miter lim="800000"/>
+              <a:headEnd/>
+              <a:tailEnd/>
+            </a:ln>
+            <a:extLst>
+              <a:ext uri="{909E8E84-426E-40DD-AFC4-6F175D3DCCD1}">
+                <a14:hiddenFill xmlns:a14="http://schemas.microsoft.com/office/drawing/2010/main">
+                  <a:solidFill>
+                    <a:srgbClr val="FFFFFF"/>
+                  </a:solidFill>
+                </a14:hiddenFill>
+              </a:ext>
+            </a:extLst>
+          </p:spPr>
+          <p:txBody>
+            <a:bodyPr vert="horz" wrap="square" lIns="91440" tIns="45720" rIns="91440" bIns="45720" numCol="1" anchor="t" anchorCtr="0" compatLnSpc="1">
+              <a:prstTxWarp prst="textNoShape">
+                <a:avLst/>
+              </a:prstTxWarp>
+            </a:bodyPr>
+            <a:lstStyle/>
+            <a:p>
+              <a:endParaRPr lang="en-GB"/>
+            </a:p>
+          </p:txBody>
+        </p:sp>
+        <p:sp>
+          <p:nvSpPr>
+            <p:cNvPr id="77" name="Freeform 76">
+              <a:extLst>
+                <a:ext uri="{FF2B5EF4-FFF2-40B4-BE49-F238E27FC236}">
+                  <a16:creationId xmlns:a16="http://schemas.microsoft.com/office/drawing/2014/main" id="{D97D59F7-B1D0-4324-9DAA-26AD16E7922A}"/>
+                </a:ext>
+              </a:extLst>
+            </p:cNvPr>
+            <p:cNvSpPr>
+              <a:spLocks/>
+            </p:cNvSpPr>
+            <p:nvPr/>
+          </p:nvSpPr>
+          <p:spPr bwMode="auto">
+            <a:xfrm>
+              <a:off x="6378575" y="3614738"/>
+              <a:ext cx="152400" cy="152400"/>
+            </a:xfrm>
+            <a:custGeom>
+              <a:avLst/>
+              <a:gdLst>
+                <a:gd name="T0" fmla="*/ 334 w 334"/>
+                <a:gd name="T1" fmla="*/ 166 h 334"/>
+                <a:gd name="T2" fmla="*/ 168 w 334"/>
+                <a:gd name="T3" fmla="*/ 334 h 334"/>
+                <a:gd name="T4" fmla="*/ 1 w 334"/>
+                <a:gd name="T5" fmla="*/ 168 h 334"/>
+                <a:gd name="T6" fmla="*/ 167 w 334"/>
+                <a:gd name="T7" fmla="*/ 0 h 334"/>
+                <a:gd name="T8" fmla="*/ 334 w 334"/>
+                <a:gd name="T9" fmla="*/ 166 h 334"/>
+              </a:gdLst>
+              <a:ahLst/>
+              <a:cxnLst>
+                <a:cxn ang="0">
+                  <a:pos x="T0" y="T1"/>
+                </a:cxn>
+                <a:cxn ang="0">
+                  <a:pos x="T2" y="T3"/>
+                </a:cxn>
+                <a:cxn ang="0">
+                  <a:pos x="T4" y="T5"/>
+                </a:cxn>
+                <a:cxn ang="0">
+                  <a:pos x="T6" y="T7"/>
+                </a:cxn>
+                <a:cxn ang="0">
+                  <a:pos x="T8" y="T9"/>
+                </a:cxn>
+              </a:cxnLst>
+              <a:rect l="0" t="0" r="r" b="b"/>
+              <a:pathLst>
+                <a:path w="334" h="334">
+                  <a:moveTo>
+                    <a:pt x="334" y="166"/>
+                  </a:moveTo>
+                  <a:cubicBezTo>
+                    <a:pt x="334" y="258"/>
+                    <a:pt x="260" y="333"/>
+                    <a:pt x="168" y="334"/>
+                  </a:cubicBezTo>
+                  <a:cubicBezTo>
+                    <a:pt x="76" y="334"/>
+                    <a:pt x="1" y="260"/>
+                    <a:pt x="1" y="168"/>
+                  </a:cubicBezTo>
+                  <a:cubicBezTo>
+                    <a:pt x="0" y="76"/>
+                    <a:pt x="75" y="1"/>
+                    <a:pt x="167" y="0"/>
+                  </a:cubicBezTo>
+                  <a:cubicBezTo>
+                    <a:pt x="259" y="0"/>
+                    <a:pt x="334" y="74"/>
+                    <a:pt x="334" y="166"/>
+                  </a:cubicBezTo>
+                  <a:close/>
+                </a:path>
+              </a:pathLst>
+            </a:custGeom>
+            <a:solidFill>
+              <a:schemeClr val="tx1"/>
+            </a:solidFill>
+            <a:ln w="20638" cap="flat">
+              <a:solidFill>
+                <a:schemeClr val="tx1"/>
+              </a:solidFill>
+              <a:prstDash val="solid"/>
+              <a:miter lim="800000"/>
+              <a:headEnd/>
+              <a:tailEnd/>
+            </a:ln>
+          </p:spPr>
+          <p:txBody>
+            <a:bodyPr vert="horz" wrap="square" lIns="91440" tIns="45720" rIns="91440" bIns="45720" numCol="1" anchor="t" anchorCtr="0" compatLnSpc="1">
+              <a:prstTxWarp prst="textNoShape">
+                <a:avLst/>
+              </a:prstTxWarp>
+            </a:bodyPr>
+            <a:lstStyle/>
+            <a:p>
+              <a:endParaRPr lang="en-GB"/>
+            </a:p>
+          </p:txBody>
+        </p:sp>
+      </p:grpSp>
+      <p:grpSp>
+        <p:nvGrpSpPr>
+          <p:cNvPr id="87" name="Group 86">
+            <a:extLst>
+              <a:ext uri="{FF2B5EF4-FFF2-40B4-BE49-F238E27FC236}">
+                <a16:creationId xmlns:a16="http://schemas.microsoft.com/office/drawing/2014/main" id="{7F1F236B-1DE4-4112-B0FD-EEFE3DD69642}"/>
+              </a:ext>
+            </a:extLst>
+          </p:cNvPr>
+          <p:cNvGrpSpPr/>
+          <p:nvPr/>
+        </p:nvGrpSpPr>
+        <p:grpSpPr>
+          <a:xfrm>
+            <a:off x="2057400" y="2703513"/>
+            <a:ext cx="4476750" cy="2192338"/>
+            <a:chOff x="2057400" y="2703513"/>
+            <a:chExt cx="4476750" cy="2192338"/>
+          </a:xfrm>
+        </p:grpSpPr>
+        <p:sp>
+          <p:nvSpPr>
+            <p:cNvPr id="49" name="Freeform 48">
+              <a:extLst>
+                <a:ext uri="{FF2B5EF4-FFF2-40B4-BE49-F238E27FC236}">
+                  <a16:creationId xmlns:a16="http://schemas.microsoft.com/office/drawing/2014/main" id="{CF3C857D-9FDD-4A31-B893-38D8F28B4EB1}"/>
+                </a:ext>
+              </a:extLst>
+            </p:cNvPr>
+            <p:cNvSpPr>
+              <a:spLocks/>
+            </p:cNvSpPr>
+            <p:nvPr/>
+          </p:nvSpPr>
+          <p:spPr bwMode="auto">
+            <a:xfrm>
+              <a:off x="6375400" y="3611563"/>
+              <a:ext cx="158750" cy="158750"/>
+            </a:xfrm>
+            <a:custGeom>
+              <a:avLst/>
+              <a:gdLst>
+                <a:gd name="T0" fmla="*/ 340 w 348"/>
+                <a:gd name="T1" fmla="*/ 188 h 348"/>
+                <a:gd name="T2" fmla="*/ 160 w 348"/>
+                <a:gd name="T3" fmla="*/ 340 h 348"/>
+                <a:gd name="T4" fmla="*/ 8 w 348"/>
+                <a:gd name="T5" fmla="*/ 159 h 348"/>
+                <a:gd name="T6" fmla="*/ 189 w 348"/>
+                <a:gd name="T7" fmla="*/ 8 h 348"/>
+                <a:gd name="T8" fmla="*/ 340 w 348"/>
+                <a:gd name="T9" fmla="*/ 188 h 348"/>
+              </a:gdLst>
+              <a:ahLst/>
+              <a:cxnLst>
+                <a:cxn ang="0">
+                  <a:pos x="T0" y="T1"/>
+                </a:cxn>
+                <a:cxn ang="0">
+                  <a:pos x="T2" y="T3"/>
+                </a:cxn>
+                <a:cxn ang="0">
+                  <a:pos x="T4" y="T5"/>
+                </a:cxn>
+                <a:cxn ang="0">
+                  <a:pos x="T6" y="T7"/>
+                </a:cxn>
+                <a:cxn ang="0">
+                  <a:pos x="T8" y="T9"/>
+                </a:cxn>
+              </a:cxnLst>
+              <a:rect l="0" t="0" r="r" b="b"/>
+              <a:pathLst>
+                <a:path w="348" h="348">
+                  <a:moveTo>
+                    <a:pt x="340" y="188"/>
+                  </a:moveTo>
+                  <a:cubicBezTo>
+                    <a:pt x="333" y="280"/>
+                    <a:pt x="252" y="348"/>
+                    <a:pt x="160" y="340"/>
+                  </a:cubicBezTo>
+                  <a:cubicBezTo>
+                    <a:pt x="68" y="332"/>
+                    <a:pt x="0" y="251"/>
+                    <a:pt x="8" y="159"/>
+                  </a:cubicBezTo>
+                  <a:cubicBezTo>
+                    <a:pt x="16" y="68"/>
+                    <a:pt x="97" y="0"/>
+                    <a:pt x="189" y="8"/>
+                  </a:cubicBezTo>
+                  <a:cubicBezTo>
+                    <a:pt x="280" y="15"/>
+                    <a:pt x="348" y="96"/>
+                    <a:pt x="340" y="188"/>
+                  </a:cubicBezTo>
+                  <a:close/>
+                </a:path>
+              </a:pathLst>
+            </a:custGeom>
+            <a:solidFill>
+              <a:schemeClr val="tx1"/>
+            </a:solidFill>
+            <a:ln w="20638" cap="flat">
+              <a:solidFill>
+                <a:schemeClr val="tx1"/>
+              </a:solidFill>
+              <a:prstDash val="solid"/>
+              <a:miter lim="800000"/>
+              <a:headEnd/>
+              <a:tailEnd/>
+            </a:ln>
+          </p:spPr>
+          <p:txBody>
+            <a:bodyPr vert="horz" wrap="square" lIns="91440" tIns="45720" rIns="91440" bIns="45720" numCol="1" anchor="t" anchorCtr="0" compatLnSpc="1">
+              <a:prstTxWarp prst="textNoShape">
+                <a:avLst/>
+              </a:prstTxWarp>
+            </a:bodyPr>
+            <a:lstStyle/>
+            <a:p>
+              <a:endParaRPr lang="en-GB"/>
+            </a:p>
+          </p:txBody>
+        </p:sp>
+        <p:grpSp>
+          <p:nvGrpSpPr>
+            <p:cNvPr id="86" name="Group 85">
+              <a:extLst>
+                <a:ext uri="{FF2B5EF4-FFF2-40B4-BE49-F238E27FC236}">
+                  <a16:creationId xmlns:a16="http://schemas.microsoft.com/office/drawing/2014/main" id="{00B7B995-7A49-4442-9591-A6B75C13DAE1}"/>
+                </a:ext>
+              </a:extLst>
+            </p:cNvPr>
+            <p:cNvGrpSpPr/>
+            <p:nvPr/>
+          </p:nvGrpSpPr>
+          <p:grpSpPr>
+            <a:xfrm>
+              <a:off x="2057400" y="2703513"/>
+              <a:ext cx="4398963" cy="2192338"/>
+              <a:chOff x="2057400" y="2703513"/>
+              <a:chExt cx="4398963" cy="2192338"/>
+            </a:xfrm>
+          </p:grpSpPr>
+          <p:sp>
+            <p:nvSpPr>
+              <p:cNvPr id="74" name="Freeform 73">
+                <a:extLst>
+                  <a:ext uri="{FF2B5EF4-FFF2-40B4-BE49-F238E27FC236}">
+                    <a16:creationId xmlns:a16="http://schemas.microsoft.com/office/drawing/2014/main" id="{34DF994E-B6A3-4CC0-A63A-7E96E87AD4CC}"/>
+                  </a:ext>
+                </a:extLst>
+              </p:cNvPr>
+              <p:cNvSpPr>
+                <a:spLocks/>
+              </p:cNvSpPr>
+              <p:nvPr/>
+            </p:nvSpPr>
+            <p:spPr bwMode="auto">
+              <a:xfrm>
+                <a:off x="2132013" y="2776538"/>
+                <a:ext cx="2432050" cy="1825625"/>
+              </a:xfrm>
+              <a:custGeom>
+                <a:avLst/>
+                <a:gdLst>
+                  <a:gd name="T0" fmla="*/ 5333 w 5333"/>
+                  <a:gd name="T1" fmla="*/ 4007 h 4007"/>
+                  <a:gd name="T2" fmla="*/ 0 w 5333"/>
+                  <a:gd name="T3" fmla="*/ 7 h 4007"/>
+                </a:gdLst>
+                <a:ahLst/>
+                <a:cxnLst>
+                  <a:cxn ang="0">
+                    <a:pos x="T0" y="T1"/>
+                  </a:cxn>
+                  <a:cxn ang="0">
+                    <a:pos x="T2" y="T3"/>
+                  </a:cxn>
+                </a:cxnLst>
+                <a:rect l="0" t="0" r="r" b="b"/>
+                <a:pathLst>
+                  <a:path w="5333" h="4007">
+                    <a:moveTo>
+                      <a:pt x="5333" y="4007"/>
+                    </a:moveTo>
+                    <a:cubicBezTo>
+                      <a:pt x="4978" y="2484"/>
+                      <a:pt x="2932" y="0"/>
+                      <a:pt x="0" y="7"/>
+                    </a:cubicBezTo>
+                  </a:path>
+                </a:pathLst>
+              </a:custGeom>
+              <a:noFill/>
+              <a:ln w="38100" cap="flat">
+                <a:solidFill>
+                  <a:schemeClr val="tx1"/>
+                </a:solidFill>
+                <a:prstDash val="solid"/>
+                <a:miter lim="800000"/>
+                <a:headEnd/>
+                <a:tailEnd/>
+              </a:ln>
+              <a:extLst>
+                <a:ext uri="{909E8E84-426E-40DD-AFC4-6F175D3DCCD1}">
+                  <a14:hiddenFill xmlns:a14="http://schemas.microsoft.com/office/drawing/2010/main">
+                    <a:solidFill>
+                      <a:srgbClr val="FFFFFF"/>
+                    </a:solidFill>
+                  </a14:hiddenFill>
+                </a:ext>
+              </a:extLst>
+            </p:spPr>
+            <p:txBody>
+              <a:bodyPr vert="horz" wrap="square" lIns="91440" tIns="45720" rIns="91440" bIns="45720" numCol="1" anchor="t" anchorCtr="0" compatLnSpc="1">
+                <a:prstTxWarp prst="textNoShape">
+                  <a:avLst/>
+                </a:prstTxWarp>
+              </a:bodyPr>
+              <a:lstStyle/>
+              <a:p>
+                <a:endParaRPr lang="en-GB"/>
+              </a:p>
+            </p:txBody>
+          </p:sp>
+          <p:sp>
+            <p:nvSpPr>
+              <p:cNvPr id="75" name="Freeform 74">
+                <a:extLst>
+                  <a:ext uri="{FF2B5EF4-FFF2-40B4-BE49-F238E27FC236}">
+                    <a16:creationId xmlns:a16="http://schemas.microsoft.com/office/drawing/2014/main" id="{C95AF947-631E-42D5-9706-05B084BC8176}"/>
+                  </a:ext>
+                </a:extLst>
+              </p:cNvPr>
+              <p:cNvSpPr>
+                <a:spLocks/>
+              </p:cNvSpPr>
+              <p:nvPr/>
+            </p:nvSpPr>
+            <p:spPr bwMode="auto">
+              <a:xfrm>
+                <a:off x="2057400" y="2703513"/>
+                <a:ext cx="152400" cy="152400"/>
+              </a:xfrm>
+              <a:custGeom>
+                <a:avLst/>
+                <a:gdLst>
+                  <a:gd name="T0" fmla="*/ 0 w 334"/>
+                  <a:gd name="T1" fmla="*/ 167 h 334"/>
+                  <a:gd name="T2" fmla="*/ 167 w 334"/>
+                  <a:gd name="T3" fmla="*/ 0 h 334"/>
+                  <a:gd name="T4" fmla="*/ 334 w 334"/>
+                  <a:gd name="T5" fmla="*/ 167 h 334"/>
+                  <a:gd name="T6" fmla="*/ 167 w 334"/>
+                  <a:gd name="T7" fmla="*/ 334 h 334"/>
+                  <a:gd name="T8" fmla="*/ 0 w 334"/>
+                  <a:gd name="T9" fmla="*/ 167 h 334"/>
+                </a:gdLst>
+                <a:ahLst/>
+                <a:cxnLst>
+                  <a:cxn ang="0">
+                    <a:pos x="T0" y="T1"/>
+                  </a:cxn>
+                  <a:cxn ang="0">
+                    <a:pos x="T2" y="T3"/>
+                  </a:cxn>
+                  <a:cxn ang="0">
+                    <a:pos x="T4" y="T5"/>
+                  </a:cxn>
+                  <a:cxn ang="0">
+                    <a:pos x="T6" y="T7"/>
+                  </a:cxn>
+                  <a:cxn ang="0">
+                    <a:pos x="T8" y="T9"/>
+                  </a:cxn>
+                </a:cxnLst>
+                <a:rect l="0" t="0" r="r" b="b"/>
+                <a:pathLst>
+                  <a:path w="334" h="334">
+                    <a:moveTo>
+                      <a:pt x="0" y="167"/>
+                    </a:moveTo>
+                    <a:cubicBezTo>
+                      <a:pt x="0" y="75"/>
+                      <a:pt x="75" y="0"/>
+                      <a:pt x="167" y="0"/>
+                    </a:cubicBezTo>
+                    <a:cubicBezTo>
+                      <a:pt x="259" y="0"/>
+                      <a:pt x="333" y="75"/>
+                      <a:pt x="334" y="167"/>
+                    </a:cubicBezTo>
+                    <a:cubicBezTo>
+                      <a:pt x="334" y="259"/>
+                      <a:pt x="259" y="333"/>
+                      <a:pt x="167" y="334"/>
+                    </a:cubicBezTo>
+                    <a:cubicBezTo>
+                      <a:pt x="75" y="334"/>
+                      <a:pt x="1" y="259"/>
+                      <a:pt x="0" y="167"/>
+                    </a:cubicBezTo>
+                    <a:close/>
+                  </a:path>
+                </a:pathLst>
+              </a:custGeom>
+              <a:solidFill>
+                <a:schemeClr val="tx1"/>
+              </a:solidFill>
+              <a:ln w="20638" cap="flat">
+                <a:solidFill>
+                  <a:schemeClr val="tx1"/>
+                </a:solidFill>
+                <a:prstDash val="solid"/>
+                <a:miter lim="800000"/>
+                <a:headEnd/>
+                <a:tailEnd/>
+              </a:ln>
+            </p:spPr>
+            <p:txBody>
+              <a:bodyPr vert="horz" wrap="square" lIns="91440" tIns="45720" rIns="91440" bIns="45720" numCol="1" anchor="t" anchorCtr="0" compatLnSpc="1">
+                <a:prstTxWarp prst="textNoShape">
+                  <a:avLst/>
+                </a:prstTxWarp>
+              </a:bodyPr>
+              <a:lstStyle/>
+              <a:p>
+                <a:endParaRPr lang="en-GB"/>
+              </a:p>
+            </p:txBody>
+          </p:sp>
+          <p:sp>
+            <p:nvSpPr>
+              <p:cNvPr id="76" name="Freeform 75">
+                <a:extLst>
+                  <a:ext uri="{FF2B5EF4-FFF2-40B4-BE49-F238E27FC236}">
+                    <a16:creationId xmlns:a16="http://schemas.microsoft.com/office/drawing/2014/main" id="{3C8EBA5E-62C7-4E54-A582-FA1067880709}"/>
+                  </a:ext>
+                </a:extLst>
+              </p:cNvPr>
+              <p:cNvSpPr>
+                <a:spLocks/>
+              </p:cNvSpPr>
+              <p:nvPr/>
+            </p:nvSpPr>
+            <p:spPr bwMode="auto">
+              <a:xfrm>
+                <a:off x="4564063" y="3690938"/>
+                <a:ext cx="1892300" cy="911225"/>
+              </a:xfrm>
+              <a:custGeom>
+                <a:avLst/>
+                <a:gdLst>
+                  <a:gd name="T0" fmla="*/ 0 w 4147"/>
+                  <a:gd name="T1" fmla="*/ 2000 h 2000"/>
+                  <a:gd name="T2" fmla="*/ 4147 w 4147"/>
+                  <a:gd name="T3" fmla="*/ 0 h 2000"/>
+                </a:gdLst>
+                <a:ahLst/>
+                <a:cxnLst>
+                  <a:cxn ang="0">
+                    <a:pos x="T0" y="T1"/>
+                  </a:cxn>
+                  <a:cxn ang="0">
+                    <a:pos x="T2" y="T3"/>
+                  </a:cxn>
+                </a:cxnLst>
+                <a:rect l="0" t="0" r="r" b="b"/>
+                <a:pathLst>
+                  <a:path w="4147" h="2000">
+                    <a:moveTo>
+                      <a:pt x="0" y="2000"/>
+                    </a:moveTo>
+                    <a:cubicBezTo>
+                      <a:pt x="1181" y="392"/>
+                      <a:pt x="2015" y="10"/>
+                      <a:pt x="4147" y="0"/>
+                    </a:cubicBezTo>
+                  </a:path>
+                </a:pathLst>
+              </a:custGeom>
+              <a:noFill/>
+              <a:ln w="38100" cap="flat">
+                <a:solidFill>
+                  <a:schemeClr val="tx1"/>
+                </a:solidFill>
+                <a:prstDash val="solid"/>
+                <a:miter lim="800000"/>
+                <a:headEnd/>
+                <a:tailEnd/>
+              </a:ln>
+              <a:extLst>
+                <a:ext uri="{909E8E84-426E-40DD-AFC4-6F175D3DCCD1}">
+                  <a14:hiddenFill xmlns:a14="http://schemas.microsoft.com/office/drawing/2010/main">
+                    <a:solidFill>
+                      <a:srgbClr val="FFFFFF"/>
+                    </a:solidFill>
+                  </a14:hiddenFill>
+                </a:ext>
+              </a:extLst>
+            </p:spPr>
+            <p:txBody>
+              <a:bodyPr vert="horz" wrap="square" lIns="91440" tIns="45720" rIns="91440" bIns="45720" numCol="1" anchor="t" anchorCtr="0" compatLnSpc="1">
+                <a:prstTxWarp prst="textNoShape">
+                  <a:avLst/>
+                </a:prstTxWarp>
+              </a:bodyPr>
+              <a:lstStyle/>
+              <a:p>
+                <a:endParaRPr lang="en-GB"/>
+              </a:p>
+            </p:txBody>
+          </p:sp>
+          <p:sp>
+            <p:nvSpPr>
+              <p:cNvPr id="78" name="Oval 77">
+                <a:extLst>
+                  <a:ext uri="{FF2B5EF4-FFF2-40B4-BE49-F238E27FC236}">
+                    <a16:creationId xmlns:a16="http://schemas.microsoft.com/office/drawing/2014/main" id="{148FEE04-2028-487F-89EF-F10D346699CA}"/>
+                  </a:ext>
+                </a:extLst>
+              </p:cNvPr>
+              <p:cNvSpPr>
+                <a:spLocks noChangeArrowheads="1"/>
+              </p:cNvSpPr>
+              <p:nvPr/>
+            </p:nvSpPr>
+            <p:spPr bwMode="auto">
+              <a:xfrm>
+                <a:off x="4271963" y="4310063"/>
+                <a:ext cx="585788" cy="585788"/>
+              </a:xfrm>
+              <a:prstGeom prst="ellipse">
+                <a:avLst/>
+              </a:prstGeom>
+              <a:solidFill>
+                <a:srgbClr val="0FC8FF"/>
+              </a:solidFill>
+              <a:ln w="23813" cap="flat">
+                <a:solidFill>
+                  <a:schemeClr val="tx1"/>
+                </a:solidFill>
+                <a:prstDash val="solid"/>
+                <a:miter lim="800000"/>
+                <a:headEnd/>
+                <a:tailEnd/>
+              </a:ln>
+            </p:spPr>
+            <p:txBody>
+              <a:bodyPr vert="horz" wrap="square" lIns="91440" tIns="45720" rIns="91440" bIns="45720" numCol="1" anchor="t" anchorCtr="0" compatLnSpc="1">
+                <a:prstTxWarp prst="textNoShape">
+                  <a:avLst/>
+                </a:prstTxWarp>
+              </a:bodyPr>
+              <a:lstStyle/>
+              <a:p>
+                <a:endParaRPr lang="en-GB"/>
+              </a:p>
+            </p:txBody>
+          </p:sp>
+        </p:grpSp>
+      </p:grpSp>
+      <p:sp>
+        <p:nvSpPr>
+          <p:cNvPr id="79" name="TextBox 78">
+            <a:extLst>
+              <a:ext uri="{FF2B5EF4-FFF2-40B4-BE49-F238E27FC236}">
+                <a16:creationId xmlns:a16="http://schemas.microsoft.com/office/drawing/2014/main" id="{BC7836B1-3D66-4E75-91D9-CA3A8041DB57}"/>
+              </a:ext>
+            </a:extLst>
+          </p:cNvPr>
+          <p:cNvSpPr txBox="1"/>
+          <p:nvPr/>
+        </p:nvSpPr>
+        <p:spPr>
+          <a:xfrm>
+            <a:off x="4466202" y="5541582"/>
+            <a:ext cx="2199385" cy="369332"/>
+          </a:xfrm>
+          <a:prstGeom prst="rect">
+            <a:avLst/>
+          </a:prstGeom>
+          <a:noFill/>
+        </p:spPr>
+        <p:txBody>
+          <a:bodyPr wrap="none" rtlCol="0">
+            <a:spAutoFit/>
+          </a:bodyPr>
+          <a:lstStyle/>
+          <a:p>
+            <a:r>
+              <a:rPr lang="en-GB" dirty="0"/>
+              <a:t>Statistical Emulators</a:t>
+            </a:r>
+          </a:p>
+        </p:txBody>
+      </p:sp>
+      <p:grpSp>
+        <p:nvGrpSpPr>
+          <p:cNvPr id="83" name="Group 82">
+            <a:extLst>
+              <a:ext uri="{FF2B5EF4-FFF2-40B4-BE49-F238E27FC236}">
+                <a16:creationId xmlns:a16="http://schemas.microsoft.com/office/drawing/2014/main" id="{36D5267B-DDE3-45CF-A9A2-B045B247DEC7}"/>
+              </a:ext>
+            </a:extLst>
+          </p:cNvPr>
+          <p:cNvGrpSpPr/>
+          <p:nvPr/>
+        </p:nvGrpSpPr>
+        <p:grpSpPr>
+          <a:xfrm>
+            <a:off x="3273425" y="2182813"/>
+            <a:ext cx="1614488" cy="673100"/>
+            <a:chOff x="3273425" y="2182813"/>
+            <a:chExt cx="1614488" cy="673100"/>
+          </a:xfrm>
+        </p:grpSpPr>
+        <p:sp>
+          <p:nvSpPr>
+            <p:cNvPr id="46" name="Freeform 45">
+              <a:extLst>
+                <a:ext uri="{FF2B5EF4-FFF2-40B4-BE49-F238E27FC236}">
+                  <a16:creationId xmlns:a16="http://schemas.microsoft.com/office/drawing/2014/main" id="{B849E64C-774C-4669-80E4-E98C013AC583}"/>
+                </a:ext>
+              </a:extLst>
+            </p:cNvPr>
+            <p:cNvSpPr>
+              <a:spLocks/>
+            </p:cNvSpPr>
+            <p:nvPr/>
+          </p:nvSpPr>
+          <p:spPr bwMode="auto">
+            <a:xfrm>
+              <a:off x="3348038" y="2474913"/>
+              <a:ext cx="1216025" cy="304800"/>
+            </a:xfrm>
+            <a:custGeom>
+              <a:avLst/>
+              <a:gdLst>
+                <a:gd name="T0" fmla="*/ 2667 w 2667"/>
+                <a:gd name="T1" fmla="*/ 0 h 667"/>
+                <a:gd name="T2" fmla="*/ 0 w 2667"/>
+                <a:gd name="T3" fmla="*/ 667 h 667"/>
+              </a:gdLst>
+              <a:ahLst/>
+              <a:cxnLst>
+                <a:cxn ang="0">
+                  <a:pos x="T0" y="T1"/>
+                </a:cxn>
+                <a:cxn ang="0">
+                  <a:pos x="T2" y="T3"/>
+                </a:cxn>
+              </a:cxnLst>
+              <a:rect l="0" t="0" r="r" b="b"/>
+              <a:pathLst>
+                <a:path w="2667" h="667">
+                  <a:moveTo>
+                    <a:pt x="2667" y="0"/>
+                  </a:moveTo>
+                  <a:cubicBezTo>
+                    <a:pt x="2106" y="368"/>
+                    <a:pt x="1300" y="653"/>
+                    <a:pt x="0" y="667"/>
+                  </a:cubicBezTo>
+                </a:path>
+              </a:pathLst>
+            </a:custGeom>
+            <a:noFill/>
+            <a:ln w="38100" cap="flat">
+              <a:solidFill>
+                <a:schemeClr val="tx1"/>
+              </a:solidFill>
+              <a:prstDash val="solid"/>
+              <a:miter lim="800000"/>
+              <a:headEnd/>
+              <a:tailEnd/>
+            </a:ln>
+            <a:extLst>
+              <a:ext uri="{909E8E84-426E-40DD-AFC4-6F175D3DCCD1}">
+                <a14:hiddenFill xmlns:a14="http://schemas.microsoft.com/office/drawing/2010/main">
+                  <a:solidFill>
+                    <a:srgbClr val="FFFFFF"/>
+                  </a:solidFill>
+                </a14:hiddenFill>
+              </a:ext>
+            </a:extLst>
+          </p:spPr>
+          <p:txBody>
+            <a:bodyPr vert="horz" wrap="square" lIns="91440" tIns="45720" rIns="91440" bIns="45720" numCol="1" anchor="t" anchorCtr="0" compatLnSpc="1">
+              <a:prstTxWarp prst="textNoShape">
+                <a:avLst/>
+              </a:prstTxWarp>
+            </a:bodyPr>
+            <a:lstStyle/>
+            <a:p>
+              <a:endParaRPr lang="en-GB"/>
+            </a:p>
+          </p:txBody>
+        </p:sp>
+        <p:sp>
+          <p:nvSpPr>
+            <p:cNvPr id="47" name="Freeform 46">
+              <a:extLst>
+                <a:ext uri="{FF2B5EF4-FFF2-40B4-BE49-F238E27FC236}">
+                  <a16:creationId xmlns:a16="http://schemas.microsoft.com/office/drawing/2014/main" id="{2BF57747-CA98-4E12-8D3F-D7C6C138A2A3}"/>
+                </a:ext>
+              </a:extLst>
+            </p:cNvPr>
+            <p:cNvSpPr>
+              <a:spLocks/>
+            </p:cNvSpPr>
+            <p:nvPr/>
+          </p:nvSpPr>
+          <p:spPr bwMode="auto">
+            <a:xfrm>
+              <a:off x="3273425" y="2703513"/>
+              <a:ext cx="152400" cy="152400"/>
+            </a:xfrm>
+            <a:custGeom>
+              <a:avLst/>
+              <a:gdLst>
+                <a:gd name="T0" fmla="*/ 1 w 335"/>
+                <a:gd name="T1" fmla="*/ 170 h 336"/>
+                <a:gd name="T2" fmla="*/ 166 w 335"/>
+                <a:gd name="T3" fmla="*/ 1 h 336"/>
+                <a:gd name="T4" fmla="*/ 334 w 335"/>
+                <a:gd name="T5" fmla="*/ 166 h 336"/>
+                <a:gd name="T6" fmla="*/ 169 w 335"/>
+                <a:gd name="T7" fmla="*/ 335 h 336"/>
+                <a:gd name="T8" fmla="*/ 1 w 335"/>
+                <a:gd name="T9" fmla="*/ 170 h 336"/>
+              </a:gdLst>
+              <a:ahLst/>
+              <a:cxnLst>
+                <a:cxn ang="0">
+                  <a:pos x="T0" y="T1"/>
+                </a:cxn>
+                <a:cxn ang="0">
+                  <a:pos x="T2" y="T3"/>
+                </a:cxn>
+                <a:cxn ang="0">
+                  <a:pos x="T4" y="T5"/>
+                </a:cxn>
+                <a:cxn ang="0">
+                  <a:pos x="T6" y="T7"/>
+                </a:cxn>
+                <a:cxn ang="0">
+                  <a:pos x="T8" y="T9"/>
+                </a:cxn>
+              </a:cxnLst>
+              <a:rect l="0" t="0" r="r" b="b"/>
+              <a:pathLst>
+                <a:path w="335" h="336">
+                  <a:moveTo>
+                    <a:pt x="1" y="170"/>
+                  </a:moveTo>
+                  <a:cubicBezTo>
+                    <a:pt x="0" y="78"/>
+                    <a:pt x="74" y="2"/>
+                    <a:pt x="166" y="1"/>
+                  </a:cubicBezTo>
+                  <a:cubicBezTo>
+                    <a:pt x="258" y="0"/>
+                    <a:pt x="333" y="74"/>
+                    <a:pt x="334" y="166"/>
+                  </a:cubicBezTo>
+                  <a:cubicBezTo>
+                    <a:pt x="335" y="258"/>
+                    <a:pt x="261" y="334"/>
+                    <a:pt x="169" y="335"/>
+                  </a:cubicBezTo>
+                  <a:cubicBezTo>
+                    <a:pt x="77" y="336"/>
+                    <a:pt x="2" y="262"/>
+                    <a:pt x="1" y="170"/>
+                  </a:cubicBezTo>
+                  <a:close/>
+                </a:path>
+              </a:pathLst>
+            </a:custGeom>
+            <a:solidFill>
+              <a:schemeClr val="tx1"/>
+            </a:solidFill>
+            <a:ln w="20638" cap="flat">
+              <a:solidFill>
+                <a:schemeClr val="tx1"/>
+              </a:solidFill>
+              <a:prstDash val="solid"/>
+              <a:miter lim="800000"/>
+              <a:headEnd/>
+              <a:tailEnd/>
+            </a:ln>
+          </p:spPr>
+          <p:txBody>
+            <a:bodyPr vert="horz" wrap="square" lIns="91440" tIns="45720" rIns="91440" bIns="45720" numCol="1" anchor="t" anchorCtr="0" compatLnSpc="1">
+              <a:prstTxWarp prst="textNoShape">
+                <a:avLst/>
+              </a:prstTxWarp>
+            </a:bodyPr>
+            <a:lstStyle/>
+            <a:p>
+              <a:endParaRPr lang="en-GB"/>
+            </a:p>
+          </p:txBody>
+        </p:sp>
+        <p:sp>
+          <p:nvSpPr>
+            <p:cNvPr id="73" name="Oval 72">
+              <a:extLst>
+                <a:ext uri="{FF2B5EF4-FFF2-40B4-BE49-F238E27FC236}">
+                  <a16:creationId xmlns:a16="http://schemas.microsoft.com/office/drawing/2014/main" id="{9700CE06-3932-4C76-B481-E94668445638}"/>
+                </a:ext>
+              </a:extLst>
+            </p:cNvPr>
+            <p:cNvSpPr>
+              <a:spLocks noChangeArrowheads="1"/>
+            </p:cNvSpPr>
+            <p:nvPr/>
+          </p:nvSpPr>
+          <p:spPr bwMode="auto">
+            <a:xfrm>
+              <a:off x="4302125" y="2182813"/>
+              <a:ext cx="585788" cy="585788"/>
+            </a:xfrm>
+            <a:prstGeom prst="ellipse">
+              <a:avLst/>
+            </a:prstGeom>
+            <a:solidFill>
+              <a:srgbClr val="0FC8FF"/>
+            </a:solidFill>
+            <a:ln w="23813" cap="flat">
+              <a:solidFill>
+                <a:schemeClr val="tx1"/>
+              </a:solidFill>
+              <a:prstDash val="solid"/>
+              <a:miter lim="800000"/>
+              <a:headEnd/>
+              <a:tailEnd/>
+            </a:ln>
+          </p:spPr>
+          <p:txBody>
+            <a:bodyPr vert="horz" wrap="square" lIns="91440" tIns="45720" rIns="91440" bIns="45720" numCol="1" anchor="t" anchorCtr="0" compatLnSpc="1">
+              <a:prstTxWarp prst="textNoShape">
+                <a:avLst/>
+              </a:prstTxWarp>
+            </a:bodyPr>
+            <a:lstStyle/>
+            <a:p>
+              <a:endParaRPr lang="en-GB"/>
+            </a:p>
+          </p:txBody>
+        </p:sp>
+      </p:grpSp>
+    </p:spTree>
+    <p:extLst>
+      <p:ext uri="{BB962C8B-B14F-4D97-AF65-F5344CB8AC3E}">
+        <p14:creationId xmlns:p14="http://schemas.microsoft.com/office/powerpoint/2010/main" val="2719886569"/>
+      </p:ext>
+    </p:extLst>
+  </p:cSld>
+  <p:clrMapOvr>
+    <a:masterClrMapping/>
+  </p:clrMapOvr>
+  <p:timing>
+    <p:tnLst>
+      <p:par>
+        <p:cTn id="1" dur="indefinite" restart="never" nodeType="tmRoot">
+          <p:childTnLst>
+            <p:seq concurrent="1" nextAc="seek">
+              <p:cTn id="2" dur="indefinite" nodeType="mainSeq">
+                <p:childTnLst>
+                  <p:par>
+                    <p:cTn id="3" fill="hold">
+                      <p:stCondLst>
+                        <p:cond delay="indefinite"/>
+                      </p:stCondLst>
+                      <p:childTnLst>
+                        <p:par>
+                          <p:cTn id="4" fill="hold">
+                            <p:stCondLst>
+                              <p:cond delay="0"/>
+                            </p:stCondLst>
+                            <p:childTnLst>
+                              <p:par>
+                                <p:cTn id="5" presetID="1" presetClass="entr" presetSubtype="0" fill="hold" grpId="1" nodeType="clickEffect">
+                                  <p:stCondLst>
+                                    <p:cond delay="0"/>
+                                  </p:stCondLst>
+                                  <p:childTnLst>
+                                    <p:set>
+                                      <p:cBhvr>
+                                        <p:cTn id="6" dur="1" fill="hold">
+                                          <p:stCondLst>
+                                            <p:cond delay="0"/>
+                                          </p:stCondLst>
+                                        </p:cTn>
+                                        <p:tgtEl>
+                                          <p:spTgt spid="26"/>
+                                        </p:tgtEl>
+                                        <p:attrNameLst>
+                                          <p:attrName>style.visibility</p:attrName>
+                                        </p:attrNameLst>
+                                      </p:cBhvr>
+                                      <p:to>
+                                        <p:strVal val="visible"/>
+                                      </p:to>
+                                    </p:set>
+                                  </p:childTnLst>
+                                </p:cTn>
+                              </p:par>
+                            </p:childTnLst>
+                          </p:cTn>
+                        </p:par>
+                      </p:childTnLst>
+                    </p:cTn>
+                  </p:par>
+                  <p:par>
+                    <p:cTn id="7" fill="hold">
+                      <p:stCondLst>
+                        <p:cond delay="indefinite"/>
+                      </p:stCondLst>
+                      <p:childTnLst>
+                        <p:par>
+                          <p:cTn id="8" fill="hold">
+                            <p:stCondLst>
+                              <p:cond delay="0"/>
+                            </p:stCondLst>
+                            <p:childTnLst>
+                              <p:par>
+                                <p:cTn id="9" presetID="1" presetClass="entr" presetSubtype="0" fill="hold" grpId="1" nodeType="clickEffect">
+                                  <p:stCondLst>
+                                    <p:cond delay="0"/>
+                                  </p:stCondLst>
+                                  <p:childTnLst>
+                                    <p:set>
+                                      <p:cBhvr>
+                                        <p:cTn id="10" dur="1" fill="hold">
+                                          <p:stCondLst>
+                                            <p:cond delay="0"/>
+                                          </p:stCondLst>
+                                        </p:cTn>
+                                        <p:tgtEl>
+                                          <p:spTgt spid="16"/>
+                                        </p:tgtEl>
+                                        <p:attrNameLst>
+                                          <p:attrName>style.visibility</p:attrName>
+                                        </p:attrNameLst>
+                                      </p:cBhvr>
+                                      <p:to>
+                                        <p:strVal val="visible"/>
+                                      </p:to>
+                                    </p:set>
+                                  </p:childTnLst>
+                                </p:cTn>
+                              </p:par>
+                            </p:childTnLst>
+                          </p:cTn>
+                        </p:par>
+                      </p:childTnLst>
+                    </p:cTn>
+                  </p:par>
+                  <p:par>
+                    <p:cTn id="11" fill="hold">
+                      <p:stCondLst>
+                        <p:cond delay="indefinite"/>
+                      </p:stCondLst>
+                      <p:childTnLst>
+                        <p:par>
+                          <p:cTn id="12" fill="hold">
+                            <p:stCondLst>
+                              <p:cond delay="0"/>
+                            </p:stCondLst>
+                            <p:childTnLst>
+                              <p:par>
+                                <p:cTn id="13" presetID="1" presetClass="entr" presetSubtype="0" fill="hold" grpId="1" nodeType="clickEffect">
+                                  <p:stCondLst>
+                                    <p:cond delay="0"/>
+                                  </p:stCondLst>
+                                  <p:childTnLst>
+                                    <p:set>
+                                      <p:cBhvr>
+                                        <p:cTn id="14" dur="1" fill="hold">
+                                          <p:stCondLst>
+                                            <p:cond delay="0"/>
+                                          </p:stCondLst>
+                                        </p:cTn>
+                                        <p:tgtEl>
+                                          <p:spTgt spid="36"/>
+                                        </p:tgtEl>
+                                        <p:attrNameLst>
+                                          <p:attrName>style.visibility</p:attrName>
+                                        </p:attrNameLst>
+                                      </p:cBhvr>
+                                      <p:to>
+                                        <p:strVal val="visible"/>
+                                      </p:to>
+                                    </p:set>
+                                  </p:childTnLst>
+                                </p:cTn>
+                              </p:par>
+                            </p:childTnLst>
+                          </p:cTn>
+                        </p:par>
+                      </p:childTnLst>
+                    </p:cTn>
+                  </p:par>
+                  <p:par>
+                    <p:cTn id="15" fill="hold">
+                      <p:stCondLst>
+                        <p:cond delay="indefinite"/>
+                      </p:stCondLst>
+                      <p:childTnLst>
+                        <p:par>
+                          <p:cTn id="16" fill="hold">
+                            <p:stCondLst>
+                              <p:cond delay="0"/>
+                            </p:stCondLst>
+                            <p:childTnLst>
+                              <p:par>
+                                <p:cTn id="17" presetID="1" presetClass="entr" presetSubtype="0" fill="hold" nodeType="clickEffect">
+                                  <p:stCondLst>
+                                    <p:cond delay="0"/>
+                                  </p:stCondLst>
+                                  <p:childTnLst>
+                                    <p:set>
+                                      <p:cBhvr>
+                                        <p:cTn id="18" dur="1" fill="hold">
+                                          <p:stCondLst>
+                                            <p:cond delay="0"/>
+                                          </p:stCondLst>
+                                        </p:cTn>
+                                        <p:tgtEl>
+                                          <p:spTgt spid="83"/>
+                                        </p:tgtEl>
+                                        <p:attrNameLst>
+                                          <p:attrName>style.visibility</p:attrName>
+                                        </p:attrNameLst>
+                                      </p:cBhvr>
+                                      <p:to>
+                                        <p:strVal val="visible"/>
+                                      </p:to>
+                                    </p:set>
+                                  </p:childTnLst>
+                                </p:cTn>
+                              </p:par>
+                              <p:par>
+                                <p:cTn id="19" presetID="1" presetClass="entr" presetSubtype="0" fill="hold" grpId="0" nodeType="withEffect">
+                                  <p:stCondLst>
+                                    <p:cond delay="0"/>
+                                  </p:stCondLst>
+                                  <p:childTnLst>
+                                    <p:set>
+                                      <p:cBhvr>
+                                        <p:cTn id="20" dur="1" fill="hold">
+                                          <p:stCondLst>
+                                            <p:cond delay="0"/>
+                                          </p:stCondLst>
+                                        </p:cTn>
+                                        <p:tgtEl>
+                                          <p:spTgt spid="52"/>
+                                        </p:tgtEl>
+                                        <p:attrNameLst>
+                                          <p:attrName>style.visibility</p:attrName>
+                                        </p:attrNameLst>
+                                      </p:cBhvr>
+                                      <p:to>
+                                        <p:strVal val="visible"/>
+                                      </p:to>
+                                    </p:set>
+                                  </p:childTnLst>
+                                </p:cTn>
+                              </p:par>
+                              <p:par>
+                                <p:cTn id="21" presetID="1" presetClass="entr" presetSubtype="0" fill="hold" grpId="0" nodeType="withEffect">
+                                  <p:stCondLst>
+                                    <p:cond delay="0"/>
+                                  </p:stCondLst>
+                                  <p:childTnLst>
+                                    <p:set>
+                                      <p:cBhvr>
+                                        <p:cTn id="22" dur="1" fill="hold">
+                                          <p:stCondLst>
+                                            <p:cond delay="0"/>
+                                          </p:stCondLst>
+                                        </p:cTn>
+                                        <p:tgtEl>
+                                          <p:spTgt spid="79"/>
+                                        </p:tgtEl>
+                                        <p:attrNameLst>
+                                          <p:attrName>style.visibility</p:attrName>
+                                        </p:attrNameLst>
+                                      </p:cBhvr>
+                                      <p:to>
+                                        <p:strVal val="visible"/>
+                                      </p:to>
+                                    </p:set>
+                                  </p:childTnLst>
+                                </p:cTn>
+                              </p:par>
+                            </p:childTnLst>
+                          </p:cTn>
+                        </p:par>
+                      </p:childTnLst>
+                    </p:cTn>
+                  </p:par>
+                  <p:par>
+                    <p:cTn id="23" fill="hold">
+                      <p:stCondLst>
+                        <p:cond delay="indefinite"/>
+                      </p:stCondLst>
+                      <p:childTnLst>
+                        <p:par>
+                          <p:cTn id="24" fill="hold">
+                            <p:stCondLst>
+                              <p:cond delay="0"/>
+                            </p:stCondLst>
+                            <p:childTnLst>
+                              <p:par>
+                                <p:cTn id="25" presetID="1" presetClass="entr" presetSubtype="0" fill="hold" nodeType="clickEffect">
+                                  <p:stCondLst>
+                                    <p:cond delay="0"/>
+                                  </p:stCondLst>
+                                  <p:childTnLst>
+                                    <p:set>
+                                      <p:cBhvr>
+                                        <p:cTn id="26" dur="1" fill="hold">
+                                          <p:stCondLst>
+                                            <p:cond delay="0"/>
+                                          </p:stCondLst>
+                                        </p:cTn>
+                                        <p:tgtEl>
+                                          <p:spTgt spid="84"/>
+                                        </p:tgtEl>
+                                        <p:attrNameLst>
+                                          <p:attrName>style.visibility</p:attrName>
+                                        </p:attrNameLst>
+                                      </p:cBhvr>
+                                      <p:to>
+                                        <p:strVal val="visible"/>
+                                      </p:to>
+                                    </p:set>
+                                  </p:childTnLst>
+                                </p:cTn>
+                              </p:par>
+                            </p:childTnLst>
+                          </p:cTn>
+                        </p:par>
+                      </p:childTnLst>
+                    </p:cTn>
+                  </p:par>
+                  <p:par>
+                    <p:cTn id="27" fill="hold">
+                      <p:stCondLst>
+                        <p:cond delay="indefinite"/>
+                      </p:stCondLst>
+                      <p:childTnLst>
+                        <p:par>
+                          <p:cTn id="28" fill="hold">
+                            <p:stCondLst>
+                              <p:cond delay="0"/>
+                            </p:stCondLst>
+                            <p:childTnLst>
+                              <p:par>
+                                <p:cTn id="29" presetID="1" presetClass="entr" presetSubtype="0" fill="hold" nodeType="clickEffect">
+                                  <p:stCondLst>
+                                    <p:cond delay="0"/>
+                                  </p:stCondLst>
+                                  <p:childTnLst>
+                                    <p:set>
+                                      <p:cBhvr>
+                                        <p:cTn id="30" dur="1" fill="hold">
+                                          <p:stCondLst>
+                                            <p:cond delay="0"/>
+                                          </p:stCondLst>
+                                        </p:cTn>
+                                        <p:tgtEl>
+                                          <p:spTgt spid="85"/>
+                                        </p:tgtEl>
+                                        <p:attrNameLst>
+                                          <p:attrName>style.visibility</p:attrName>
+                                        </p:attrNameLst>
+                                      </p:cBhvr>
+                                      <p:to>
+                                        <p:strVal val="visible"/>
+                                      </p:to>
+                                    </p:set>
+                                  </p:childTnLst>
+                                </p:cTn>
+                              </p:par>
+                            </p:childTnLst>
+                          </p:cTn>
+                        </p:par>
+                      </p:childTnLst>
+                    </p:cTn>
+                  </p:par>
+                  <p:par>
+                    <p:cTn id="31" fill="hold">
+                      <p:stCondLst>
+                        <p:cond delay="indefinite"/>
+                      </p:stCondLst>
+                      <p:childTnLst>
+                        <p:par>
+                          <p:cTn id="32" fill="hold">
+                            <p:stCondLst>
+                              <p:cond delay="0"/>
+                            </p:stCondLst>
+                            <p:childTnLst>
+                              <p:par>
+                                <p:cTn id="33" presetID="1" presetClass="entr" presetSubtype="0" fill="hold" nodeType="clickEffect">
+                                  <p:stCondLst>
+                                    <p:cond delay="0"/>
+                                  </p:stCondLst>
+                                  <p:childTnLst>
+                                    <p:set>
+                                      <p:cBhvr>
+                                        <p:cTn id="34" dur="1" fill="hold">
+                                          <p:stCondLst>
+                                            <p:cond delay="0"/>
+                                          </p:stCondLst>
+                                        </p:cTn>
+                                        <p:tgtEl>
+                                          <p:spTgt spid="87"/>
+                                        </p:tgtEl>
+                                        <p:attrNameLst>
+                                          <p:attrName>style.visibility</p:attrName>
+                                        </p:attrNameLst>
+                                      </p:cBhvr>
+                                      <p:to>
+                                        <p:strVal val="visible"/>
+                                      </p:to>
+                                    </p:set>
+                                  </p:childTnLst>
+                                </p:cTn>
+                              </p:par>
+                            </p:childTnLst>
+                          </p:cTn>
+                        </p:par>
+                      </p:childTnLst>
+                    </p:cTn>
+                  </p:par>
+                  <p:par>
+                    <p:cTn id="35" fill="hold">
+                      <p:stCondLst>
+                        <p:cond delay="indefinite"/>
+                      </p:stCondLst>
+                      <p:childTnLst>
+                        <p:par>
+                          <p:cTn id="36" fill="hold">
+                            <p:stCondLst>
+                              <p:cond delay="0"/>
+                            </p:stCondLst>
+                            <p:childTnLst>
+                              <p:par>
+                                <p:cTn id="37" presetID="1" presetClass="exit" presetSubtype="0" fill="hold" grpId="0" nodeType="clickEffect">
+                                  <p:stCondLst>
+                                    <p:cond delay="0"/>
+                                  </p:stCondLst>
+                                  <p:childTnLst>
+                                    <p:set>
+                                      <p:cBhvr>
+                                        <p:cTn id="38" dur="1" fill="hold">
+                                          <p:stCondLst>
+                                            <p:cond delay="0"/>
+                                          </p:stCondLst>
+                                        </p:cTn>
+                                        <p:tgtEl>
+                                          <p:spTgt spid="26"/>
+                                        </p:tgtEl>
+                                        <p:attrNameLst>
+                                          <p:attrName>style.visibility</p:attrName>
+                                        </p:attrNameLst>
+                                      </p:cBhvr>
+                                      <p:to>
+                                        <p:strVal val="hidden"/>
+                                      </p:to>
+                                    </p:set>
+                                  </p:childTnLst>
+                                </p:cTn>
+                              </p:par>
+                              <p:par>
+                                <p:cTn id="39" presetID="1" presetClass="exit" presetSubtype="0" fill="hold" grpId="0" nodeType="withEffect">
+                                  <p:stCondLst>
+                                    <p:cond delay="0"/>
+                                  </p:stCondLst>
+                                  <p:childTnLst>
+                                    <p:set>
+                                      <p:cBhvr>
+                                        <p:cTn id="40" dur="1" fill="hold">
+                                          <p:stCondLst>
+                                            <p:cond delay="0"/>
+                                          </p:stCondLst>
+                                        </p:cTn>
+                                        <p:tgtEl>
+                                          <p:spTgt spid="16"/>
+                                        </p:tgtEl>
+                                        <p:attrNameLst>
+                                          <p:attrName>style.visibility</p:attrName>
+                                        </p:attrNameLst>
+                                      </p:cBhvr>
+                                      <p:to>
+                                        <p:strVal val="hidden"/>
+                                      </p:to>
+                                    </p:set>
+                                  </p:childTnLst>
+                                </p:cTn>
+                              </p:par>
+                              <p:par>
+                                <p:cTn id="41" presetID="1" presetClass="exit" presetSubtype="0" fill="hold" grpId="0" nodeType="withEffect">
+                                  <p:stCondLst>
+                                    <p:cond delay="0"/>
+                                  </p:stCondLst>
+                                  <p:childTnLst>
+                                    <p:set>
+                                      <p:cBhvr>
+                                        <p:cTn id="42" dur="1" fill="hold">
+                                          <p:stCondLst>
+                                            <p:cond delay="0"/>
+                                          </p:stCondLst>
+                                        </p:cTn>
+                                        <p:tgtEl>
+                                          <p:spTgt spid="36"/>
+                                        </p:tgtEl>
+                                        <p:attrNameLst>
+                                          <p:attrName>style.visibility</p:attrName>
+                                        </p:attrNameLst>
+                                      </p:cBhvr>
+                                      <p:to>
+                                        <p:strVal val="hidden"/>
+                                      </p:to>
+                                    </p:set>
+                                  </p:childTnLst>
+                                </p:cTn>
+                              </p:par>
+                              <p:par>
+                                <p:cTn id="43" presetID="1" presetClass="entr" presetSubtype="0" fill="hold" grpId="0" nodeType="withEffect">
+                                  <p:stCondLst>
+                                    <p:cond delay="0"/>
+                                  </p:stCondLst>
+                                  <p:childTnLst>
+                                    <p:set>
+                                      <p:cBhvr>
+                                        <p:cTn id="44" dur="1" fill="hold">
+                                          <p:stCondLst>
+                                            <p:cond delay="0"/>
+                                          </p:stCondLst>
+                                        </p:cTn>
+                                        <p:tgtEl>
+                                          <p:spTgt spid="80"/>
+                                        </p:tgtEl>
+                                        <p:attrNameLst>
+                                          <p:attrName>style.visibility</p:attrName>
+                                        </p:attrNameLst>
+                                      </p:cBhvr>
+                                      <p:to>
+                                        <p:strVal val="visible"/>
+                                      </p:to>
+                                    </p:set>
+                                  </p:childTnLst>
+                                </p:cTn>
+                              </p:par>
+                              <p:par>
+                                <p:cTn id="45" presetID="1" presetClass="entr" presetSubtype="0" fill="hold" grpId="0" nodeType="withEffect">
+                                  <p:stCondLst>
+                                    <p:cond delay="0"/>
+                                  </p:stCondLst>
+                                  <p:childTnLst>
+                                    <p:set>
+                                      <p:cBhvr>
+                                        <p:cTn id="46" dur="1" fill="hold">
+                                          <p:stCondLst>
+                                            <p:cond delay="0"/>
+                                          </p:stCondLst>
+                                        </p:cTn>
+                                        <p:tgtEl>
+                                          <p:spTgt spid="81"/>
+                                        </p:tgtEl>
+                                        <p:attrNameLst>
+                                          <p:attrName>style.visibility</p:attrName>
+                                        </p:attrNameLst>
+                                      </p:cBhvr>
+                                      <p:to>
+                                        <p:strVal val="visible"/>
+                                      </p:to>
+                                    </p:set>
+                                  </p:childTnLst>
+                                </p:cTn>
+                              </p:par>
+                              <p:par>
+                                <p:cTn id="47" presetID="1" presetClass="entr" presetSubtype="0" fill="hold" grpId="0" nodeType="withEffect">
+                                  <p:stCondLst>
+                                    <p:cond delay="0"/>
+                                  </p:stCondLst>
+                                  <p:childTnLst>
+                                    <p:set>
+                                      <p:cBhvr>
+                                        <p:cTn id="48" dur="1" fill="hold">
+                                          <p:stCondLst>
+                                            <p:cond delay="0"/>
+                                          </p:stCondLst>
+                                        </p:cTn>
+                                        <p:tgtEl>
+                                          <p:spTgt spid="82"/>
+                                        </p:tgtEl>
+                                        <p:attrNameLst>
+                                          <p:attrName>style.visibility</p:attrName>
+                                        </p:attrNameLst>
+                                      </p:cBhvr>
+                                      <p:to>
+                                        <p:strVal val="visible"/>
+                                      </p:to>
+                                    </p:set>
+                                  </p:childTnLst>
+                                </p:cTn>
+                              </p:par>
+                            </p:childTnLst>
+                          </p:cTn>
+                        </p:par>
+                      </p:childTnLst>
+                    </p:cTn>
+                  </p:par>
+                </p:childTnLst>
+              </p:cTn>
+              <p:prevCondLst>
+                <p:cond evt="onPrev" delay="0">
+                  <p:tgtEl>
+                    <p:sldTgt/>
+                  </p:tgtEl>
+                </p:cond>
+              </p:prevCondLst>
+              <p:nextCondLst>
+                <p:cond evt="onNext" delay="0">
+                  <p:tgtEl>
+                    <p:sldTgt/>
+                  </p:tgtEl>
+                </p:cond>
+              </p:nextCondLst>
+            </p:seq>
+          </p:childTnLst>
+        </p:cTn>
+      </p:par>
+    </p:tnLst>
+    <p:bldLst>
+      <p:bldP spid="81" grpId="0" animBg="1"/>
+      <p:bldP spid="80" grpId="0" animBg="1"/>
+      <p:bldP spid="82" grpId="0" animBg="1"/>
+      <p:bldP spid="16" grpId="0" animBg="1"/>
+      <p:bldP spid="16" grpId="1" animBg="1"/>
+      <p:bldP spid="26" grpId="0" animBg="1"/>
+      <p:bldP spid="26" grpId="1" animBg="1"/>
+      <p:bldP spid="36" grpId="0" animBg="1"/>
+      <p:bldP spid="36" grpId="1" animBg="1"/>
+      <p:bldP spid="52" grpId="0" animBg="1"/>
+      <p:bldP spid="79" grpId="0"/>
+    </p:bldLst>
+  </p:timing>
+</p:sld>
+</file>
+
+<file path=ppt/slides/slide2.xml><?xml version="1.0" encoding="utf-8"?>
+<p:sld xmlns:a="http://schemas.openxmlformats.org/drawingml/2006/main" xmlns:r="http://schemas.openxmlformats.org/officeDocument/2006/relationships" xmlns:p="http://schemas.openxmlformats.org/presentationml/2006/main">
+  <p:cSld>
+    <p:spTree>
+      <p:nvGrpSpPr>
+        <p:cNvPr id="1" name=""/>
+        <p:cNvGrpSpPr/>
+        <p:nvPr/>
+      </p:nvGrpSpPr>
+      <p:grpSpPr>
+        <a:xfrm>
+          <a:off x="0" y="0"/>
+          <a:ext cx="0" cy="0"/>
+          <a:chOff x="0" y="0"/>
+          <a:chExt cx="0" cy="0"/>
+        </a:xfrm>
+      </p:grpSpPr>
+      <p:sp>
+        <p:nvSpPr>
+          <p:cNvPr id="2" name="Title 1"/>
+          <p:cNvSpPr>
+            <a:spLocks noGrp="1"/>
+          </p:cNvSpPr>
+          <p:nvPr>
+            <p:ph type="title"/>
+          </p:nvPr>
+        </p:nvSpPr>
+        <p:spPr/>
+        <p:txBody>
+          <a:bodyPr/>
+          <a:lstStyle/>
+          <a:p>
+            <a:pPr marL="0" lvl="0" indent="0">
+              <a:buNone/>
+            </a:pPr>
+            <a:r>
+              <a:t>The Promise of AI</a:t>
+            </a:r>
+          </a:p>
+        </p:txBody>
+      </p:sp>
+      <p:sp>
+        <p:nvSpPr>
+          <p:cNvPr id="3" name="Content Placeholder 2"/>
+          <p:cNvSpPr>
+            <a:spLocks noGrp="1"/>
+          </p:cNvSpPr>
+          <p:nvPr>
+            <p:ph idx="1"/>
+          </p:nvPr>
+        </p:nvSpPr>
+        <p:spPr/>
+        <p:txBody>
+          <a:bodyPr/>
+          <a:lstStyle/>
+          <a:p>
+            <a:pPr lvl="1"/>
+            <a:r>
+              <a:t>Automation forces humans to adapt, we serve.</a:t>
+            </a:r>
+          </a:p>
+          <a:p>
+            <a:pPr lvl="1"/>
+            <a:r>
+              <a:t>We can only automate by systemizing and controlling environment.</a:t>
+            </a:r>
+          </a:p>
+          <a:p>
+            <a:pPr lvl="1"/>
+            <a:r>
+              <a:t>AI promises to be first wave of automation that adapts to us rather than us to it.</a:t>
+            </a:r>
+          </a:p>
+        </p:txBody>
+      </p:sp>
+    </p:spTree>
+  </p:cSld>
+  <p:clrMapOvr>
+    <a:masterClrMapping/>
+  </p:clrMapOvr>
+</p:sld>
+</file>
+
+<file path=ppt/slides/slide20.xml><?xml version="1.0" encoding="utf-8"?>
+<p:sld xmlns:a="http://schemas.openxmlformats.org/drawingml/2006/main" xmlns:r="http://schemas.openxmlformats.org/officeDocument/2006/relationships" xmlns:p="http://schemas.openxmlformats.org/presentationml/2006/main">
+  <p:cSld>
+    <p:spTree>
+      <p:nvGrpSpPr>
+        <p:cNvPr id="1" name=""/>
+        <p:cNvGrpSpPr/>
+        <p:nvPr/>
+      </p:nvGrpSpPr>
+      <p:grpSpPr>
+        <a:xfrm>
+          <a:off x="0" y="0"/>
+          <a:ext cx="0" cy="0"/>
+          <a:chOff x="0" y="0"/>
+          <a:chExt cx="0" cy="0"/>
+        </a:xfrm>
+      </p:grpSpPr>
+      <p:pic>
+        <p:nvPicPr>
+          <p:cNvPr id="5" name="Picture 4" descr="../slides/diagrams/gp/gp_rejection_sample002.png">
+            <a:extLst>
+              <a:ext uri="{FF2B5EF4-FFF2-40B4-BE49-F238E27FC236}">
+                <a16:creationId xmlns:a16="http://schemas.microsoft.com/office/drawing/2014/main" id="{813E317A-C6F5-4FBB-9E28-F95209FA991A}"/>
+              </a:ext>
+            </a:extLst>
+          </p:cNvPr>
+          <p:cNvPicPr>
+            <a:picLocks noGrp="1" noChangeAspect="1"/>
+          </p:cNvPicPr>
+          <p:nvPr/>
+        </p:nvPicPr>
+        <p:blipFill>
+          <a:blip r:embed="rId2"/>
+          <a:stretch>
+            <a:fillRect/>
+          </a:stretch>
+        </p:blipFill>
+        <p:spPr bwMode="auto">
+          <a:xfrm>
+            <a:off x="1350000" y="1530000"/>
+            <a:ext cx="6379864" cy="3827918"/>
+          </a:xfrm>
+          <a:prstGeom prst="rect">
+            <a:avLst/>
+          </a:prstGeom>
+          <a:noFill/>
+        </p:spPr>
+      </p:pic>
+      <p:pic>
+        <p:nvPicPr>
+          <p:cNvPr id="6" name="Picture 5" descr="../slides/diagrams/gp/gp_rejection_sample003.png">
+            <a:extLst>
+              <a:ext uri="{FF2B5EF4-FFF2-40B4-BE49-F238E27FC236}">
+                <a16:creationId xmlns:a16="http://schemas.microsoft.com/office/drawing/2014/main" id="{9BC7243E-CD5E-4E2C-A54A-37D277CFD53C}"/>
+              </a:ext>
+            </a:extLst>
+          </p:cNvPr>
+          <p:cNvPicPr>
+            <a:picLocks noGrp="1" noChangeAspect="1"/>
+          </p:cNvPicPr>
+          <p:nvPr/>
+        </p:nvPicPr>
+        <p:blipFill>
+          <a:blip r:embed="rId3"/>
+          <a:stretch>
+            <a:fillRect/>
+          </a:stretch>
+        </p:blipFill>
+        <p:spPr bwMode="auto">
+          <a:xfrm>
+            <a:off x="1350000" y="1530000"/>
+            <a:ext cx="6379864" cy="3827918"/>
+          </a:xfrm>
+          <a:prstGeom prst="rect">
+            <a:avLst/>
+          </a:prstGeom>
+          <a:noFill/>
+        </p:spPr>
+      </p:pic>
+      <p:pic>
+        <p:nvPicPr>
+          <p:cNvPr id="8" name="Picture 7" descr="../slides/diagrams/gp/gp_rejection_sample004.png">
+            <a:extLst>
+              <a:ext uri="{FF2B5EF4-FFF2-40B4-BE49-F238E27FC236}">
+                <a16:creationId xmlns:a16="http://schemas.microsoft.com/office/drawing/2014/main" id="{48270451-8663-4525-BDBE-62D8B609B4F3}"/>
+              </a:ext>
+            </a:extLst>
+          </p:cNvPr>
+          <p:cNvPicPr>
+            <a:picLocks noGrp="1" noChangeAspect="1"/>
+          </p:cNvPicPr>
+          <p:nvPr/>
+        </p:nvPicPr>
+        <p:blipFill>
+          <a:blip r:embed="rId4"/>
+          <a:stretch>
+            <a:fillRect/>
+          </a:stretch>
+        </p:blipFill>
+        <p:spPr bwMode="auto">
+          <a:xfrm>
+            <a:off x="1350000" y="1530000"/>
+            <a:ext cx="6379864" cy="3827918"/>
+          </a:xfrm>
+          <a:prstGeom prst="rect">
+            <a:avLst/>
+          </a:prstGeom>
+          <a:noFill/>
+        </p:spPr>
+      </p:pic>
+      <p:pic>
+        <p:nvPicPr>
+          <p:cNvPr id="10" name="Picture 9" descr="../slides/diagrams/gp/gp_rejection_sample005.png">
+            <a:extLst>
+              <a:ext uri="{FF2B5EF4-FFF2-40B4-BE49-F238E27FC236}">
+                <a16:creationId xmlns:a16="http://schemas.microsoft.com/office/drawing/2014/main" id="{B3A2D549-119A-4001-8B34-E002506C0F34}"/>
+              </a:ext>
+            </a:extLst>
+          </p:cNvPr>
+          <p:cNvPicPr>
+            <a:picLocks noGrp="1" noChangeAspect="1"/>
+          </p:cNvPicPr>
+          <p:nvPr/>
+        </p:nvPicPr>
+        <p:blipFill>
+          <a:blip r:embed="rId5"/>
+          <a:stretch>
+            <a:fillRect/>
+          </a:stretch>
+        </p:blipFill>
+        <p:spPr bwMode="auto">
+          <a:xfrm>
+            <a:off x="1350000" y="1530000"/>
+            <a:ext cx="6379864" cy="3827918"/>
+          </a:xfrm>
+          <a:prstGeom prst="rect">
+            <a:avLst/>
+          </a:prstGeom>
+          <a:noFill/>
+        </p:spPr>
+      </p:pic>
+    </p:spTree>
+    <p:extLst>
+      <p:ext uri="{BB962C8B-B14F-4D97-AF65-F5344CB8AC3E}">
+        <p14:creationId xmlns:p14="http://schemas.microsoft.com/office/powerpoint/2010/main" val="3735117467"/>
+      </p:ext>
+    </p:extLst>
+  </p:cSld>
+  <p:clrMapOvr>
+    <a:masterClrMapping/>
+  </p:clrMapOvr>
+  <p:timing>
+    <p:tnLst>
+      <p:par>
+        <p:cTn id="1" dur="indefinite" restart="never" nodeType="tmRoot">
+          <p:childTnLst>
+            <p:seq concurrent="1" nextAc="seek">
+              <p:cTn id="2" dur="indefinite" nodeType="mainSeq">
+                <p:childTnLst>
+                  <p:par>
+                    <p:cTn id="3" fill="hold">
+                      <p:stCondLst>
+                        <p:cond delay="indefinite"/>
+                        <p:cond evt="onBegin" delay="0">
+                          <p:tn val="2"/>
+                        </p:cond>
+                      </p:stCondLst>
+                      <p:childTnLst>
+                        <p:par>
+                          <p:cTn id="4" fill="hold">
+                            <p:stCondLst>
+                              <p:cond delay="0"/>
+                            </p:stCondLst>
+                            <p:childTnLst>
+                              <p:par>
+                                <p:cTn id="5" presetID="1" presetClass="entr" presetSubtype="0" fill="hold" nodeType="withEffect">
+                                  <p:stCondLst>
+                                    <p:cond delay="0"/>
+                                  </p:stCondLst>
+                                  <p:childTnLst>
+                                    <p:set>
+                                      <p:cBhvr>
+                                        <p:cTn id="6" dur="1" fill="hold">
+                                          <p:stCondLst>
+                                            <p:cond delay="0"/>
+                                          </p:stCondLst>
+                                        </p:cTn>
+                                        <p:tgtEl>
+                                          <p:spTgt spid="5"/>
+                                        </p:tgtEl>
+                                        <p:attrNameLst>
+                                          <p:attrName>style.visibility</p:attrName>
+                                        </p:attrNameLst>
+                                      </p:cBhvr>
+                                      <p:to>
+                                        <p:strVal val="visible"/>
+                                      </p:to>
+                                    </p:set>
+                                  </p:childTnLst>
+                                </p:cTn>
+                              </p:par>
+                            </p:childTnLst>
+                          </p:cTn>
+                        </p:par>
+                      </p:childTnLst>
+                    </p:cTn>
+                  </p:par>
+                  <p:par>
+                    <p:cTn id="7" fill="hold">
+                      <p:stCondLst>
+                        <p:cond delay="indefinite"/>
+                      </p:stCondLst>
+                      <p:childTnLst>
+                        <p:par>
+                          <p:cTn id="8" fill="hold">
+                            <p:stCondLst>
+                              <p:cond delay="0"/>
+                            </p:stCondLst>
+                            <p:childTnLst>
+                              <p:par>
+                                <p:cTn id="9" presetID="1" presetClass="exit" presetSubtype="0" fill="hold" nodeType="clickEffect">
+                                  <p:stCondLst>
+                                    <p:cond delay="0"/>
+                                  </p:stCondLst>
+                                  <p:childTnLst>
+                                    <p:set>
+                                      <p:cBhvr>
+                                        <p:cTn id="10" dur="1" fill="hold">
+                                          <p:stCondLst>
+                                            <p:cond delay="0"/>
+                                          </p:stCondLst>
+                                        </p:cTn>
+                                        <p:tgtEl>
+                                          <p:spTgt spid="5"/>
+                                        </p:tgtEl>
+                                        <p:attrNameLst>
+                                          <p:attrName>style.visibility</p:attrName>
+                                        </p:attrNameLst>
+                                      </p:cBhvr>
+                                      <p:to>
+                                        <p:strVal val="hidden"/>
+                                      </p:to>
+                                    </p:set>
+                                  </p:childTnLst>
+                                </p:cTn>
+                              </p:par>
+                              <p:par>
+                                <p:cTn id="11" presetID="1" presetClass="entr" presetSubtype="0" fill="hold" nodeType="withEffect">
+                                  <p:stCondLst>
+                                    <p:cond delay="0"/>
+                                  </p:stCondLst>
+                                  <p:childTnLst>
+                                    <p:set>
+                                      <p:cBhvr>
+                                        <p:cTn id="12" dur="1" fill="hold">
+                                          <p:stCondLst>
+                                            <p:cond delay="0"/>
+                                          </p:stCondLst>
+                                        </p:cTn>
+                                        <p:tgtEl>
+                                          <p:spTgt spid="6"/>
+                                        </p:tgtEl>
+                                        <p:attrNameLst>
+                                          <p:attrName>style.visibility</p:attrName>
+                                        </p:attrNameLst>
+                                      </p:cBhvr>
+                                      <p:to>
+                                        <p:strVal val="visible"/>
+                                      </p:to>
+                                    </p:set>
+                                  </p:childTnLst>
+                                </p:cTn>
+                              </p:par>
+                            </p:childTnLst>
+                          </p:cTn>
+                        </p:par>
+                      </p:childTnLst>
+                    </p:cTn>
+                  </p:par>
+                  <p:par>
+                    <p:cTn id="13" fill="hold">
+                      <p:stCondLst>
+                        <p:cond delay="indefinite"/>
+                      </p:stCondLst>
+                      <p:childTnLst>
+                        <p:par>
+                          <p:cTn id="14" fill="hold">
+                            <p:stCondLst>
+                              <p:cond delay="0"/>
+                            </p:stCondLst>
+                            <p:childTnLst>
+                              <p:par>
+                                <p:cTn id="15" presetID="1" presetClass="exit" presetSubtype="0" fill="hold" nodeType="clickEffect">
+                                  <p:stCondLst>
+                                    <p:cond delay="0"/>
+                                  </p:stCondLst>
+                                  <p:childTnLst>
+                                    <p:set>
+                                      <p:cBhvr>
+                                        <p:cTn id="16" dur="1" fill="hold">
+                                          <p:stCondLst>
+                                            <p:cond delay="0"/>
+                                          </p:stCondLst>
+                                        </p:cTn>
+                                        <p:tgtEl>
+                                          <p:spTgt spid="6"/>
+                                        </p:tgtEl>
+                                        <p:attrNameLst>
+                                          <p:attrName>style.visibility</p:attrName>
+                                        </p:attrNameLst>
+                                      </p:cBhvr>
+                                      <p:to>
+                                        <p:strVal val="hidden"/>
+                                      </p:to>
+                                    </p:set>
+                                  </p:childTnLst>
+                                </p:cTn>
+                              </p:par>
+                              <p:par>
+                                <p:cTn id="17" presetID="1" presetClass="entr" presetSubtype="0" fill="hold" nodeType="withEffect">
+                                  <p:stCondLst>
+                                    <p:cond delay="0"/>
+                                  </p:stCondLst>
+                                  <p:childTnLst>
+                                    <p:set>
+                                      <p:cBhvr>
+                                        <p:cTn id="18" dur="1" fill="hold">
+                                          <p:stCondLst>
+                                            <p:cond delay="0"/>
+                                          </p:stCondLst>
+                                        </p:cTn>
+                                        <p:tgtEl>
+                                          <p:spTgt spid="8"/>
+                                        </p:tgtEl>
+                                        <p:attrNameLst>
+                                          <p:attrName>style.visibility</p:attrName>
+                                        </p:attrNameLst>
+                                      </p:cBhvr>
+                                      <p:to>
+                                        <p:strVal val="visible"/>
+                                      </p:to>
+                                    </p:set>
+                                  </p:childTnLst>
+                                </p:cTn>
+                              </p:par>
+                            </p:childTnLst>
+                          </p:cTn>
+                        </p:par>
+                      </p:childTnLst>
+                    </p:cTn>
+                  </p:par>
+                  <p:par>
+                    <p:cTn id="19" fill="hold">
+                      <p:stCondLst>
+                        <p:cond delay="indefinite"/>
+                      </p:stCondLst>
+                      <p:childTnLst>
+                        <p:par>
+                          <p:cTn id="20" fill="hold">
+                            <p:stCondLst>
+                              <p:cond delay="0"/>
+                            </p:stCondLst>
+                            <p:childTnLst>
+                              <p:par>
+                                <p:cTn id="21" presetID="1" presetClass="exit" presetSubtype="0" fill="hold" nodeType="clickEffect">
+                                  <p:stCondLst>
+                                    <p:cond delay="0"/>
+                                  </p:stCondLst>
+                                  <p:childTnLst>
+                                    <p:set>
+                                      <p:cBhvr>
+                                        <p:cTn id="22" dur="1" fill="hold">
+                                          <p:stCondLst>
+                                            <p:cond delay="0"/>
+                                          </p:stCondLst>
+                                        </p:cTn>
+                                        <p:tgtEl>
+                                          <p:spTgt spid="8"/>
+                                        </p:tgtEl>
+                                        <p:attrNameLst>
+                                          <p:attrName>style.visibility</p:attrName>
+                                        </p:attrNameLst>
+                                      </p:cBhvr>
+                                      <p:to>
+                                        <p:strVal val="hidden"/>
+                                      </p:to>
+                                    </p:set>
+                                  </p:childTnLst>
+                                </p:cTn>
+                              </p:par>
+                              <p:par>
+                                <p:cTn id="23" presetID="1" presetClass="entr" presetSubtype="0" fill="hold" nodeType="withEffect">
+                                  <p:stCondLst>
+                                    <p:cond delay="0"/>
+                                  </p:stCondLst>
+                                  <p:childTnLst>
+                                    <p:set>
+                                      <p:cBhvr>
+                                        <p:cTn id="24" dur="1" fill="hold">
+                                          <p:stCondLst>
+                                            <p:cond delay="0"/>
+                                          </p:stCondLst>
+                                        </p:cTn>
+                                        <p:tgtEl>
+                                          <p:spTgt spid="10"/>
+                                        </p:tgtEl>
+                                        <p:attrNameLst>
+                                          <p:attrName>style.visibility</p:attrName>
+                                        </p:attrNameLst>
+                                      </p:cBhvr>
+                                      <p:to>
+                                        <p:strVal val="visible"/>
+                                      </p:to>
+                                    </p:set>
+                                  </p:childTnLst>
+                                </p:cTn>
+                              </p:par>
+                            </p:childTnLst>
+                          </p:cTn>
+                        </p:par>
+                      </p:childTnLst>
+                    </p:cTn>
+                  </p:par>
+                </p:childTnLst>
+              </p:cTn>
+              <p:prevCondLst>
+                <p:cond evt="onPrev" delay="0">
+                  <p:tgtEl>
+                    <p:sldTgt/>
+                  </p:tgtEl>
+                </p:cond>
+              </p:prevCondLst>
+              <p:nextCondLst>
+                <p:cond evt="onNext" delay="0">
+                  <p:tgtEl>
+                    <p:sldTgt/>
+                  </p:tgtEl>
+                </p:cond>
+              </p:nextCondLst>
+            </p:seq>
+          </p:childTnLst>
+        </p:cTn>
+      </p:par>
+    </p:tnLst>
+  </p:timing>
 </p:sld>
 </file>
 
@@ -7154,6 +11351,183 @@
           <a:chExt cx="0" cy="0"/>
         </a:xfrm>
       </p:grpSpPr>
+      <p:grpSp>
+        <p:nvGrpSpPr>
+          <p:cNvPr id="95" name="Group 94">
+            <a:extLst>
+              <a:ext uri="{FF2B5EF4-FFF2-40B4-BE49-F238E27FC236}">
+                <a16:creationId xmlns:a16="http://schemas.microsoft.com/office/drawing/2014/main" id="{18410D0E-8B03-4BF4-AB27-3476B8F10768}"/>
+              </a:ext>
+            </a:extLst>
+          </p:cNvPr>
+          <p:cNvGrpSpPr/>
+          <p:nvPr/>
+        </p:nvGrpSpPr>
+        <p:grpSpPr>
+          <a:xfrm>
+            <a:off x="4600575" y="1984375"/>
+            <a:ext cx="2501900" cy="1347788"/>
+            <a:chOff x="4600575" y="1984375"/>
+            <a:chExt cx="2501900" cy="1347788"/>
+          </a:xfrm>
+        </p:grpSpPr>
+        <p:sp>
+          <p:nvSpPr>
+            <p:cNvPr id="74" name="Line 73">
+              <a:extLst>
+                <a:ext uri="{FF2B5EF4-FFF2-40B4-BE49-F238E27FC236}">
+                  <a16:creationId xmlns:a16="http://schemas.microsoft.com/office/drawing/2014/main" id="{67B6DB9B-EE65-4DED-B093-F5B3BB39996E}"/>
+                </a:ext>
+              </a:extLst>
+            </p:cNvPr>
+            <p:cNvSpPr>
+              <a:spLocks noChangeShapeType="1"/>
+            </p:cNvSpPr>
+            <p:nvPr/>
+          </p:nvSpPr>
+          <p:spPr bwMode="auto">
+            <a:xfrm>
+              <a:off x="4600575" y="1984375"/>
+              <a:ext cx="962025" cy="577850"/>
+            </a:xfrm>
+            <a:prstGeom prst="line">
+              <a:avLst/>
+            </a:prstGeom>
+            <a:noFill/>
+            <a:ln w="38100" cap="flat">
+              <a:solidFill>
+                <a:schemeClr val="tx1"/>
+              </a:solidFill>
+              <a:prstDash val="solid"/>
+              <a:miter lim="800000"/>
+              <a:headEnd/>
+              <a:tailEnd/>
+            </a:ln>
+            <a:extLst>
+              <a:ext uri="{909E8E84-426E-40DD-AFC4-6F175D3DCCD1}">
+                <a14:hiddenFill xmlns:a14="http://schemas.microsoft.com/office/drawing/2010/main">
+                  <a:noFill/>
+                </a14:hiddenFill>
+              </a:ext>
+            </a:extLst>
+          </p:spPr>
+          <p:txBody>
+            <a:bodyPr vert="horz" wrap="square" lIns="91440" tIns="45720" rIns="91440" bIns="45720" numCol="1" anchor="t" anchorCtr="0" compatLnSpc="1">
+              <a:prstTxWarp prst="textNoShape">
+                <a:avLst/>
+              </a:prstTxWarp>
+            </a:bodyPr>
+            <a:lstStyle/>
+            <a:p>
+              <a:endParaRPr lang="en-GB" u="sng"/>
+            </a:p>
+          </p:txBody>
+        </p:sp>
+        <p:sp>
+          <p:nvSpPr>
+            <p:cNvPr id="76" name="Line 75">
+              <a:extLst>
+                <a:ext uri="{FF2B5EF4-FFF2-40B4-BE49-F238E27FC236}">
+                  <a16:creationId xmlns:a16="http://schemas.microsoft.com/office/drawing/2014/main" id="{D9756E07-969B-4E62-956F-1B9A9AE7DD3A}"/>
+                </a:ext>
+              </a:extLst>
+            </p:cNvPr>
+            <p:cNvSpPr>
+              <a:spLocks noChangeShapeType="1"/>
+            </p:cNvSpPr>
+            <p:nvPr/>
+          </p:nvSpPr>
+          <p:spPr bwMode="auto">
+            <a:xfrm>
+              <a:off x="5562600" y="2562225"/>
+              <a:ext cx="962025" cy="0"/>
+            </a:xfrm>
+            <a:prstGeom prst="line">
+              <a:avLst/>
+            </a:prstGeom>
+            <a:noFill/>
+            <a:ln w="38100" cap="flat">
+              <a:solidFill>
+                <a:schemeClr val="tx1"/>
+              </a:solidFill>
+              <a:prstDash val="solid"/>
+              <a:miter lim="800000"/>
+              <a:headEnd/>
+              <a:tailEnd/>
+            </a:ln>
+            <a:extLst>
+              <a:ext uri="{909E8E84-426E-40DD-AFC4-6F175D3DCCD1}">
+                <a14:hiddenFill xmlns:a14="http://schemas.microsoft.com/office/drawing/2010/main">
+                  <a:noFill/>
+                </a14:hiddenFill>
+              </a:ext>
+            </a:extLst>
+          </p:spPr>
+          <p:txBody>
+            <a:bodyPr vert="horz" wrap="square" lIns="91440" tIns="45720" rIns="91440" bIns="45720" numCol="1" anchor="t" anchorCtr="0" compatLnSpc="1">
+              <a:prstTxWarp prst="textNoShape">
+                <a:avLst/>
+              </a:prstTxWarp>
+            </a:bodyPr>
+            <a:lstStyle/>
+            <a:p>
+              <a:endParaRPr lang="en-GB" u="sng"/>
+            </a:p>
+          </p:txBody>
+        </p:sp>
+        <p:sp>
+          <p:nvSpPr>
+            <p:cNvPr id="78" name="Line 77">
+              <a:extLst>
+                <a:ext uri="{FF2B5EF4-FFF2-40B4-BE49-F238E27FC236}">
+                  <a16:creationId xmlns:a16="http://schemas.microsoft.com/office/drawing/2014/main" id="{18EA8806-5E70-40B2-8107-A5DEBE259B8F}"/>
+                </a:ext>
+              </a:extLst>
+            </p:cNvPr>
+            <p:cNvSpPr>
+              <a:spLocks noChangeShapeType="1"/>
+            </p:cNvSpPr>
+            <p:nvPr/>
+          </p:nvSpPr>
+          <p:spPr bwMode="auto">
+            <a:xfrm>
+              <a:off x="6524625" y="2562225"/>
+              <a:ext cx="577850" cy="769938"/>
+            </a:xfrm>
+            <a:prstGeom prst="line">
+              <a:avLst/>
+            </a:prstGeom>
+            <a:noFill/>
+            <a:ln w="38100" cap="flat">
+              <a:solidFill>
+                <a:schemeClr val="tx1"/>
+              </a:solidFill>
+              <a:prstDash val="solid"/>
+              <a:miter lim="800000"/>
+              <a:headEnd/>
+              <a:tailEnd/>
+            </a:ln>
+            <a:extLst>
+              <a:ext uri="{909E8E84-426E-40DD-AFC4-6F175D3DCCD1}">
+                <a14:hiddenFill xmlns:a14="http://schemas.microsoft.com/office/drawing/2010/main">
+                  <a:noFill/>
+                </a14:hiddenFill>
+              </a:ext>
+            </a:extLst>
+          </p:spPr>
+          <p:txBody>
+            <a:bodyPr vert="horz" wrap="square" lIns="91440" tIns="45720" rIns="91440" bIns="45720" numCol="1" anchor="t" anchorCtr="0" compatLnSpc="1">
+              <a:prstTxWarp prst="textNoShape">
+                <a:avLst/>
+              </a:prstTxWarp>
+            </a:bodyPr>
+            <a:lstStyle/>
+            <a:p>
+              <a:endParaRPr lang="en-GB" u="sng"/>
+            </a:p>
+          </p:txBody>
+        </p:sp>
+      </p:grpSp>
       <p:sp>
         <p:nvSpPr>
           <p:cNvPr id="2" name="Title 1"/>
@@ -7169,48 +11543,1685 @@
           <a:bodyPr/>
           <a:lstStyle/>
           <a:p>
-            <a:pPr lvl="0" marL="0" indent="0">
+            <a:pPr marL="0" lvl="0" indent="0">
               <a:buNone/>
             </a:pPr>
             <a:r>
-              <a:rPr/>
-              <a:t>Emulation</a:t>
-            </a:r>
-          </a:p>
-        </p:txBody>
-      </p:sp>
-      <p:pic>
-        <p:nvPicPr>
-          <p:cNvPr descr="../slides/diagrams/uq/statistical-emulation000.emf" id="0" name="Picture 1"/>
-          <p:cNvPicPr>
-            <a:picLocks noGrp="1" noChangeAspect="1"/>
-          </p:cNvPicPr>
+              <a:rPr dirty="0"/>
+              <a:t>Deep Emulation</a:t>
+            </a:r>
+          </a:p>
+        </p:txBody>
+      </p:sp>
+      <p:sp>
+        <p:nvSpPr>
+          <p:cNvPr id="6" name="Line 5">
+            <a:extLst>
+              <a:ext uri="{FF2B5EF4-FFF2-40B4-BE49-F238E27FC236}">
+                <a16:creationId xmlns:a16="http://schemas.microsoft.com/office/drawing/2014/main" id="{4916134C-3F17-4D73-9B3B-64A67B2ECD38}"/>
+              </a:ext>
+            </a:extLst>
+          </p:cNvPr>
+          <p:cNvSpPr>
+            <a:spLocks noChangeShapeType="1"/>
+          </p:cNvSpPr>
           <p:nvPr/>
-        </p:nvPicPr>
-        <p:blipFill>
-          <a:blip r:embed="rId2"/>
-          <a:stretch>
-            <a:fillRect/>
-          </a:stretch>
-        </p:blipFill>
+        </p:nvSpPr>
         <p:spPr bwMode="auto">
           <a:xfrm>
-            <a:off x="1714500" y="2057400"/>
-            <a:ext cx="5715000" cy="4038600"/>
+            <a:off x="2292350" y="2178050"/>
+            <a:ext cx="1154113" cy="1346200"/>
+          </a:xfrm>
+          <a:prstGeom prst="line">
+            <a:avLst/>
+          </a:prstGeom>
+          <a:noFill/>
+          <a:ln w="0">
+            <a:solidFill>
+              <a:schemeClr val="tx1"/>
+            </a:solidFill>
+            <a:prstDash val="solid"/>
+            <a:round/>
+            <a:headEnd/>
+            <a:tailEnd/>
+          </a:ln>
+          <a:extLst>
+            <a:ext uri="{909E8E84-426E-40DD-AFC4-6F175D3DCCD1}">
+              <a14:hiddenFill xmlns:a14="http://schemas.microsoft.com/office/drawing/2010/main">
+                <a:noFill/>
+              </a14:hiddenFill>
+            </a:ext>
+          </a:extLst>
+        </p:spPr>
+        <p:txBody>
+          <a:bodyPr vert="horz" wrap="square" lIns="91440" tIns="45720" rIns="91440" bIns="45720" numCol="1" anchor="t" anchorCtr="0" compatLnSpc="1">
+            <a:prstTxWarp prst="textNoShape">
+              <a:avLst/>
+            </a:prstTxWarp>
+          </a:bodyPr>
+          <a:lstStyle/>
+          <a:p>
+            <a:endParaRPr lang="en-GB" u="sng"/>
+          </a:p>
+        </p:txBody>
+      </p:sp>
+      <p:sp>
+        <p:nvSpPr>
+          <p:cNvPr id="7" name="Line 6">
+            <a:extLst>
+              <a:ext uri="{FF2B5EF4-FFF2-40B4-BE49-F238E27FC236}">
+                <a16:creationId xmlns:a16="http://schemas.microsoft.com/office/drawing/2014/main" id="{C9328451-642A-4A44-A5F4-BB23EB8766D6}"/>
+              </a:ext>
+            </a:extLst>
+          </p:cNvPr>
+          <p:cNvSpPr>
+            <a:spLocks noChangeShapeType="1"/>
+          </p:cNvSpPr>
+          <p:nvPr/>
+        </p:nvSpPr>
+        <p:spPr bwMode="auto">
+          <a:xfrm>
+            <a:off x="2292350" y="2178050"/>
+            <a:ext cx="1154113" cy="1346200"/>
+          </a:xfrm>
+          <a:prstGeom prst="line">
+            <a:avLst/>
+          </a:prstGeom>
+          <a:noFill/>
+          <a:ln w="38100" cap="flat">
+            <a:solidFill>
+              <a:schemeClr val="tx1"/>
+            </a:solidFill>
+            <a:prstDash val="solid"/>
+            <a:miter lim="800000"/>
+            <a:headEnd/>
+            <a:tailEnd/>
+          </a:ln>
+          <a:extLst>
+            <a:ext uri="{909E8E84-426E-40DD-AFC4-6F175D3DCCD1}">
+              <a14:hiddenFill xmlns:a14="http://schemas.microsoft.com/office/drawing/2010/main">
+                <a:noFill/>
+              </a14:hiddenFill>
+            </a:ext>
+          </a:extLst>
+        </p:spPr>
+        <p:txBody>
+          <a:bodyPr vert="horz" wrap="square" lIns="91440" tIns="45720" rIns="91440" bIns="45720" numCol="1" anchor="t" anchorCtr="0" compatLnSpc="1">
+            <a:prstTxWarp prst="textNoShape">
+              <a:avLst/>
+            </a:prstTxWarp>
+          </a:bodyPr>
+          <a:lstStyle/>
+          <a:p>
+            <a:endParaRPr lang="en-GB" u="sng"/>
+          </a:p>
+        </p:txBody>
+      </p:sp>
+      <p:sp>
+        <p:nvSpPr>
+          <p:cNvPr id="8" name="Line 7">
+            <a:extLst>
+              <a:ext uri="{FF2B5EF4-FFF2-40B4-BE49-F238E27FC236}">
+                <a16:creationId xmlns:a16="http://schemas.microsoft.com/office/drawing/2014/main" id="{58F50D4F-354A-466F-B56F-4D609108194B}"/>
+              </a:ext>
+            </a:extLst>
+          </p:cNvPr>
+          <p:cNvSpPr>
+            <a:spLocks noChangeShapeType="1"/>
+          </p:cNvSpPr>
+          <p:nvPr/>
+        </p:nvSpPr>
+        <p:spPr bwMode="auto">
+          <a:xfrm>
+            <a:off x="3446463" y="3524250"/>
+            <a:ext cx="1346200" cy="0"/>
+          </a:xfrm>
+          <a:prstGeom prst="line">
+            <a:avLst/>
+          </a:prstGeom>
+          <a:noFill/>
+          <a:ln w="9525">
+            <a:solidFill>
+              <a:srgbClr val="000000"/>
+            </a:solidFill>
+            <a:round/>
+            <a:headEnd/>
+            <a:tailEnd/>
+          </a:ln>
+          <a:extLst>
+            <a:ext uri="{909E8E84-426E-40DD-AFC4-6F175D3DCCD1}">
+              <a14:hiddenFill xmlns:a14="http://schemas.microsoft.com/office/drawing/2010/main">
+                <a:noFill/>
+              </a14:hiddenFill>
+            </a:ext>
+          </a:extLst>
+        </p:spPr>
+        <p:txBody>
+          <a:bodyPr vert="horz" wrap="square" lIns="91440" tIns="45720" rIns="91440" bIns="45720" numCol="1" anchor="t" anchorCtr="0" compatLnSpc="1">
+            <a:prstTxWarp prst="textNoShape">
+              <a:avLst/>
+            </a:prstTxWarp>
+          </a:bodyPr>
+          <a:lstStyle/>
+          <a:p>
+            <a:endParaRPr lang="en-GB" u="sng"/>
+          </a:p>
+        </p:txBody>
+      </p:sp>
+      <p:sp>
+        <p:nvSpPr>
+          <p:cNvPr id="9" name="Line 8">
+            <a:extLst>
+              <a:ext uri="{FF2B5EF4-FFF2-40B4-BE49-F238E27FC236}">
+                <a16:creationId xmlns:a16="http://schemas.microsoft.com/office/drawing/2014/main" id="{5EE64AEC-6973-4404-9B90-CD42270357F6}"/>
+              </a:ext>
+            </a:extLst>
+          </p:cNvPr>
+          <p:cNvSpPr>
+            <a:spLocks noChangeShapeType="1"/>
+          </p:cNvSpPr>
+          <p:nvPr/>
+        </p:nvSpPr>
+        <p:spPr bwMode="auto">
+          <a:xfrm>
+            <a:off x="3446463" y="3524250"/>
+            <a:ext cx="1346200" cy="0"/>
+          </a:xfrm>
+          <a:prstGeom prst="line">
+            <a:avLst/>
+          </a:prstGeom>
+          <a:noFill/>
+          <a:ln w="38100" cap="flat">
+            <a:solidFill>
+              <a:schemeClr val="tx1"/>
+            </a:solidFill>
+            <a:prstDash val="solid"/>
+            <a:miter lim="800000"/>
+            <a:headEnd/>
+            <a:tailEnd/>
+          </a:ln>
+          <a:extLst>
+            <a:ext uri="{909E8E84-426E-40DD-AFC4-6F175D3DCCD1}">
+              <a14:hiddenFill xmlns:a14="http://schemas.microsoft.com/office/drawing/2010/main">
+                <a:noFill/>
+              </a14:hiddenFill>
+            </a:ext>
+          </a:extLst>
+        </p:spPr>
+        <p:txBody>
+          <a:bodyPr vert="horz" wrap="square" lIns="91440" tIns="45720" rIns="91440" bIns="45720" numCol="1" anchor="t" anchorCtr="0" compatLnSpc="1">
+            <a:prstTxWarp prst="textNoShape">
+              <a:avLst/>
+            </a:prstTxWarp>
+          </a:bodyPr>
+          <a:lstStyle/>
+          <a:p>
+            <a:endParaRPr lang="en-GB" u="sng"/>
+          </a:p>
+        </p:txBody>
+      </p:sp>
+      <p:sp>
+        <p:nvSpPr>
+          <p:cNvPr id="10" name="Line 9">
+            <a:extLst>
+              <a:ext uri="{FF2B5EF4-FFF2-40B4-BE49-F238E27FC236}">
+                <a16:creationId xmlns:a16="http://schemas.microsoft.com/office/drawing/2014/main" id="{4E4E089E-C208-47EC-8B4D-C59BECEBBA11}"/>
+              </a:ext>
+            </a:extLst>
+          </p:cNvPr>
+          <p:cNvSpPr>
+            <a:spLocks noChangeShapeType="1"/>
+          </p:cNvSpPr>
+          <p:nvPr/>
+        </p:nvSpPr>
+        <p:spPr bwMode="auto">
+          <a:xfrm>
+            <a:off x="4792663" y="3524250"/>
+            <a:ext cx="1155700" cy="1539875"/>
+          </a:xfrm>
+          <a:prstGeom prst="line">
+            <a:avLst/>
+          </a:prstGeom>
+          <a:noFill/>
+          <a:ln w="9525">
+            <a:solidFill>
+              <a:srgbClr val="000000"/>
+            </a:solidFill>
+            <a:round/>
+            <a:headEnd/>
+            <a:tailEnd/>
+          </a:ln>
+          <a:extLst>
+            <a:ext uri="{909E8E84-426E-40DD-AFC4-6F175D3DCCD1}">
+              <a14:hiddenFill xmlns:a14="http://schemas.microsoft.com/office/drawing/2010/main">
+                <a:noFill/>
+              </a14:hiddenFill>
+            </a:ext>
+          </a:extLst>
+        </p:spPr>
+        <p:txBody>
+          <a:bodyPr vert="horz" wrap="square" lIns="91440" tIns="45720" rIns="91440" bIns="45720" numCol="1" anchor="t" anchorCtr="0" compatLnSpc="1">
+            <a:prstTxWarp prst="textNoShape">
+              <a:avLst/>
+            </a:prstTxWarp>
+          </a:bodyPr>
+          <a:lstStyle/>
+          <a:p>
+            <a:endParaRPr lang="en-GB" u="sng"/>
+          </a:p>
+        </p:txBody>
+      </p:sp>
+      <p:sp>
+        <p:nvSpPr>
+          <p:cNvPr id="11" name="Line 10">
+            <a:extLst>
+              <a:ext uri="{FF2B5EF4-FFF2-40B4-BE49-F238E27FC236}">
+                <a16:creationId xmlns:a16="http://schemas.microsoft.com/office/drawing/2014/main" id="{C2A43935-F46F-47B7-A9F1-4D8CE61E0128}"/>
+              </a:ext>
+            </a:extLst>
+          </p:cNvPr>
+          <p:cNvSpPr>
+            <a:spLocks noChangeShapeType="1"/>
+          </p:cNvSpPr>
+          <p:nvPr/>
+        </p:nvSpPr>
+        <p:spPr bwMode="auto">
+          <a:xfrm>
+            <a:off x="4792663" y="3524250"/>
+            <a:ext cx="1155700" cy="1539875"/>
+          </a:xfrm>
+          <a:prstGeom prst="line">
+            <a:avLst/>
+          </a:prstGeom>
+          <a:noFill/>
+          <a:ln w="38100" cap="flat">
+            <a:solidFill>
+              <a:schemeClr val="tx1"/>
+            </a:solidFill>
+            <a:prstDash val="solid"/>
+            <a:miter lim="800000"/>
+            <a:headEnd/>
+            <a:tailEnd/>
+          </a:ln>
+          <a:extLst>
+            <a:ext uri="{909E8E84-426E-40DD-AFC4-6F175D3DCCD1}">
+              <a14:hiddenFill xmlns:a14="http://schemas.microsoft.com/office/drawing/2010/main">
+                <a:noFill/>
+              </a14:hiddenFill>
+            </a:ext>
+          </a:extLst>
+        </p:spPr>
+        <p:txBody>
+          <a:bodyPr vert="horz" wrap="square" lIns="91440" tIns="45720" rIns="91440" bIns="45720" numCol="1" anchor="t" anchorCtr="0" compatLnSpc="1">
+            <a:prstTxWarp prst="textNoShape">
+              <a:avLst/>
+            </a:prstTxWarp>
+          </a:bodyPr>
+          <a:lstStyle/>
+          <a:p>
+            <a:endParaRPr lang="en-GB" u="sng"/>
+          </a:p>
+        </p:txBody>
+      </p:sp>
+      <p:sp>
+        <p:nvSpPr>
+          <p:cNvPr id="12" name="Oval 11">
+            <a:extLst>
+              <a:ext uri="{FF2B5EF4-FFF2-40B4-BE49-F238E27FC236}">
+                <a16:creationId xmlns:a16="http://schemas.microsoft.com/office/drawing/2014/main" id="{94CF7030-FBC9-4734-9D98-7FEE7F0B59E3}"/>
+              </a:ext>
+            </a:extLst>
+          </p:cNvPr>
+          <p:cNvSpPr>
+            <a:spLocks noChangeArrowheads="1"/>
+          </p:cNvSpPr>
+          <p:nvPr/>
+        </p:nvSpPr>
+        <p:spPr bwMode="auto">
+          <a:xfrm>
+            <a:off x="5562600" y="4678363"/>
+            <a:ext cx="769938" cy="769938"/>
+          </a:xfrm>
+          <a:prstGeom prst="ellipse">
+            <a:avLst/>
+          </a:prstGeom>
+          <a:solidFill>
+            <a:srgbClr val="F03700"/>
+          </a:solidFill>
+          <a:ln w="76200" cap="flat">
+            <a:solidFill>
+              <a:schemeClr val="tx1"/>
+            </a:solidFill>
+            <a:prstDash val="solid"/>
+            <a:miter lim="800000"/>
+            <a:headEnd/>
+            <a:tailEnd/>
+          </a:ln>
+        </p:spPr>
+        <p:txBody>
+          <a:bodyPr vert="horz" wrap="square" lIns="91440" tIns="45720" rIns="91440" bIns="45720" numCol="1" anchor="t" anchorCtr="0" compatLnSpc="1">
+            <a:prstTxWarp prst="textNoShape">
+              <a:avLst/>
+            </a:prstTxWarp>
+          </a:bodyPr>
+          <a:lstStyle/>
+          <a:p>
+            <a:endParaRPr lang="en-GB" u="sng"/>
+          </a:p>
+        </p:txBody>
+      </p:sp>
+      <p:sp>
+        <p:nvSpPr>
+          <p:cNvPr id="24" name="Oval 23">
+            <a:extLst>
+              <a:ext uri="{FF2B5EF4-FFF2-40B4-BE49-F238E27FC236}">
+                <a16:creationId xmlns:a16="http://schemas.microsoft.com/office/drawing/2014/main" id="{17C10481-4110-434F-9BCB-66CE9E9F4B18}"/>
+              </a:ext>
+            </a:extLst>
+          </p:cNvPr>
+          <p:cNvSpPr>
+            <a:spLocks noChangeArrowheads="1"/>
+          </p:cNvSpPr>
+          <p:nvPr/>
+        </p:nvSpPr>
+        <p:spPr bwMode="auto">
+          <a:xfrm>
+            <a:off x="3060700" y="3140075"/>
+            <a:ext cx="769938" cy="768350"/>
+          </a:xfrm>
+          <a:prstGeom prst="ellipse">
+            <a:avLst/>
+          </a:prstGeom>
+          <a:solidFill>
+            <a:srgbClr val="F03700"/>
+          </a:solidFill>
+          <a:ln w="76200" cap="flat">
+            <a:solidFill>
+              <a:schemeClr val="tx1"/>
+            </a:solidFill>
+            <a:prstDash val="solid"/>
+            <a:miter lim="800000"/>
+            <a:headEnd/>
+            <a:tailEnd/>
+          </a:ln>
+        </p:spPr>
+        <p:txBody>
+          <a:bodyPr vert="horz" wrap="square" lIns="91440" tIns="45720" rIns="91440" bIns="45720" numCol="1" anchor="t" anchorCtr="0" compatLnSpc="1">
+            <a:prstTxWarp prst="textNoShape">
+              <a:avLst/>
+            </a:prstTxWarp>
+          </a:bodyPr>
+          <a:lstStyle/>
+          <a:p>
+            <a:endParaRPr lang="en-GB" u="sng"/>
+          </a:p>
+        </p:txBody>
+      </p:sp>
+      <p:sp>
+        <p:nvSpPr>
+          <p:cNvPr id="39" name="Oval 38">
+            <a:extLst>
+              <a:ext uri="{FF2B5EF4-FFF2-40B4-BE49-F238E27FC236}">
+                <a16:creationId xmlns:a16="http://schemas.microsoft.com/office/drawing/2014/main" id="{C1D87FF2-F850-4486-B257-C4511099B998}"/>
+              </a:ext>
+            </a:extLst>
+          </p:cNvPr>
+          <p:cNvSpPr>
+            <a:spLocks noChangeArrowheads="1"/>
+          </p:cNvSpPr>
+          <p:nvPr/>
+        </p:nvSpPr>
+        <p:spPr bwMode="auto">
+          <a:xfrm>
+            <a:off x="4408488" y="3140075"/>
+            <a:ext cx="769938" cy="768350"/>
+          </a:xfrm>
+          <a:prstGeom prst="ellipse">
+            <a:avLst/>
+          </a:prstGeom>
+          <a:solidFill>
+            <a:srgbClr val="F03700"/>
+          </a:solidFill>
+          <a:ln w="76200" cap="flat">
+            <a:solidFill>
+              <a:schemeClr val="tx1"/>
+            </a:solidFill>
+            <a:prstDash val="solid"/>
+            <a:miter lim="800000"/>
+            <a:headEnd/>
+            <a:tailEnd/>
+          </a:ln>
+        </p:spPr>
+        <p:txBody>
+          <a:bodyPr vert="horz" wrap="square" lIns="91440" tIns="45720" rIns="91440" bIns="45720" numCol="1" anchor="t" anchorCtr="0" compatLnSpc="1">
+            <a:prstTxWarp prst="textNoShape">
+              <a:avLst/>
+            </a:prstTxWarp>
+          </a:bodyPr>
+          <a:lstStyle/>
+          <a:p>
+            <a:endParaRPr lang="en-GB" u="sng"/>
+          </a:p>
+        </p:txBody>
+      </p:sp>
+      <p:sp>
+        <p:nvSpPr>
+          <p:cNvPr id="54" name="Oval 53">
+            <a:extLst>
+              <a:ext uri="{FF2B5EF4-FFF2-40B4-BE49-F238E27FC236}">
+                <a16:creationId xmlns:a16="http://schemas.microsoft.com/office/drawing/2014/main" id="{F65E8B00-E505-4E1C-95B9-585537AA7B56}"/>
+              </a:ext>
+            </a:extLst>
+          </p:cNvPr>
+          <p:cNvSpPr>
+            <a:spLocks noChangeArrowheads="1"/>
+          </p:cNvSpPr>
+          <p:nvPr/>
+        </p:nvSpPr>
+        <p:spPr bwMode="auto">
+          <a:xfrm>
+            <a:off x="1906588" y="1792288"/>
+            <a:ext cx="769938" cy="769938"/>
+          </a:xfrm>
+          <a:prstGeom prst="ellipse">
+            <a:avLst/>
+          </a:prstGeom>
+          <a:solidFill>
+            <a:srgbClr val="F03700"/>
+          </a:solidFill>
+          <a:ln w="76200" cap="flat">
+            <a:solidFill>
+              <a:schemeClr val="tx1"/>
+            </a:solidFill>
+            <a:prstDash val="solid"/>
+            <a:miter lim="800000"/>
+            <a:headEnd/>
+            <a:tailEnd/>
+          </a:ln>
+        </p:spPr>
+        <p:txBody>
+          <a:bodyPr vert="horz" wrap="square" lIns="91440" tIns="45720" rIns="91440" bIns="45720" numCol="1" anchor="t" anchorCtr="0" compatLnSpc="1">
+            <a:prstTxWarp prst="textNoShape">
+              <a:avLst/>
+            </a:prstTxWarp>
+          </a:bodyPr>
+          <a:lstStyle/>
+          <a:p>
+            <a:endParaRPr lang="en-GB" u="sng"/>
+          </a:p>
+        </p:txBody>
+      </p:sp>
+      <p:grpSp>
+        <p:nvGrpSpPr>
+          <p:cNvPr id="96" name="Group 95">
+            <a:extLst>
+              <a:ext uri="{FF2B5EF4-FFF2-40B4-BE49-F238E27FC236}">
+                <a16:creationId xmlns:a16="http://schemas.microsoft.com/office/drawing/2014/main" id="{88B4DF4E-5E4C-4602-8DEC-C16FA87530E9}"/>
+              </a:ext>
+            </a:extLst>
+          </p:cNvPr>
+          <p:cNvGrpSpPr/>
+          <p:nvPr/>
+        </p:nvGrpSpPr>
+        <p:grpSpPr>
+          <a:xfrm>
+            <a:off x="2216150" y="1697038"/>
+            <a:ext cx="2673350" cy="576263"/>
+            <a:chOff x="2216150" y="1697038"/>
+            <a:chExt cx="2673350" cy="576263"/>
+          </a:xfrm>
+        </p:grpSpPr>
+        <p:sp>
+          <p:nvSpPr>
+            <p:cNvPr id="79" name="Freeform 78">
+              <a:extLst>
+                <a:ext uri="{FF2B5EF4-FFF2-40B4-BE49-F238E27FC236}">
+                  <a16:creationId xmlns:a16="http://schemas.microsoft.com/office/drawing/2014/main" id="{4AB87FD5-8017-4E57-92B8-4FFCCAE1E23A}"/>
+                </a:ext>
+              </a:extLst>
+            </p:cNvPr>
+            <p:cNvSpPr>
+              <a:spLocks/>
+            </p:cNvSpPr>
+            <p:nvPr/>
+          </p:nvSpPr>
+          <p:spPr bwMode="auto">
+            <a:xfrm>
+              <a:off x="2292350" y="1984375"/>
+              <a:ext cx="2308225" cy="193675"/>
+            </a:xfrm>
+            <a:custGeom>
+              <a:avLst/>
+              <a:gdLst>
+                <a:gd name="T0" fmla="*/ 5670 w 5670"/>
+                <a:gd name="T1" fmla="*/ 0 h 472"/>
+                <a:gd name="T2" fmla="*/ 0 w 5670"/>
+                <a:gd name="T3" fmla="*/ 472 h 472"/>
+              </a:gdLst>
+              <a:ahLst/>
+              <a:cxnLst>
+                <a:cxn ang="0">
+                  <a:pos x="T0" y="T1"/>
+                </a:cxn>
+                <a:cxn ang="0">
+                  <a:pos x="T2" y="T3"/>
+                </a:cxn>
+              </a:cxnLst>
+              <a:rect l="0" t="0" r="r" b="b"/>
+              <a:pathLst>
+                <a:path w="5670" h="472">
+                  <a:moveTo>
+                    <a:pt x="5670" y="0"/>
+                  </a:moveTo>
+                  <a:cubicBezTo>
+                    <a:pt x="5670" y="472"/>
+                    <a:pt x="1418" y="472"/>
+                    <a:pt x="0" y="472"/>
+                  </a:cubicBezTo>
+                </a:path>
+              </a:pathLst>
+            </a:custGeom>
+            <a:noFill/>
+            <a:ln w="38100" cap="flat">
+              <a:solidFill>
+                <a:schemeClr val="tx1"/>
+              </a:solidFill>
+              <a:prstDash val="solid"/>
+              <a:miter lim="800000"/>
+              <a:headEnd/>
+              <a:tailEnd/>
+            </a:ln>
+            <a:extLst>
+              <a:ext uri="{909E8E84-426E-40DD-AFC4-6F175D3DCCD1}">
+                <a14:hiddenFill xmlns:a14="http://schemas.microsoft.com/office/drawing/2010/main">
+                  <a:solidFill>
+                    <a:srgbClr val="FFFFFF"/>
+                  </a:solidFill>
+                </a14:hiddenFill>
+              </a:ext>
+            </a:extLst>
+          </p:spPr>
+          <p:txBody>
+            <a:bodyPr vert="horz" wrap="square" lIns="91440" tIns="45720" rIns="91440" bIns="45720" numCol="1" anchor="t" anchorCtr="0" compatLnSpc="1">
+              <a:prstTxWarp prst="textNoShape">
+                <a:avLst/>
+              </a:prstTxWarp>
+            </a:bodyPr>
+            <a:lstStyle/>
+            <a:p>
+              <a:endParaRPr lang="en-GB" u="sng" dirty="0"/>
+            </a:p>
+          </p:txBody>
+        </p:sp>
+        <p:sp>
+          <p:nvSpPr>
+            <p:cNvPr id="80" name="Oval 79">
+              <a:extLst>
+                <a:ext uri="{FF2B5EF4-FFF2-40B4-BE49-F238E27FC236}">
+                  <a16:creationId xmlns:a16="http://schemas.microsoft.com/office/drawing/2014/main" id="{868268E6-1D6A-4641-B27E-77C554349965}"/>
+                </a:ext>
+              </a:extLst>
+            </p:cNvPr>
+            <p:cNvSpPr>
+              <a:spLocks noChangeArrowheads="1"/>
+            </p:cNvSpPr>
+            <p:nvPr/>
+          </p:nvSpPr>
+          <p:spPr bwMode="auto">
+            <a:xfrm>
+              <a:off x="2216150" y="2100263"/>
+              <a:ext cx="153988" cy="153988"/>
+            </a:xfrm>
+            <a:prstGeom prst="ellipse">
+              <a:avLst/>
+            </a:prstGeom>
+            <a:solidFill>
+              <a:schemeClr val="tx1"/>
+            </a:solidFill>
+            <a:ln w="20638" cap="flat">
+              <a:solidFill>
+                <a:schemeClr val="tx1"/>
+              </a:solidFill>
+              <a:prstDash val="solid"/>
+              <a:miter lim="800000"/>
+              <a:headEnd/>
+              <a:tailEnd/>
+            </a:ln>
+          </p:spPr>
+          <p:txBody>
+            <a:bodyPr vert="horz" wrap="square" lIns="91440" tIns="45720" rIns="91440" bIns="45720" numCol="1" anchor="t" anchorCtr="0" compatLnSpc="1">
+              <a:prstTxWarp prst="textNoShape">
+                <a:avLst/>
+              </a:prstTxWarp>
+            </a:bodyPr>
+            <a:lstStyle/>
+            <a:p>
+              <a:endParaRPr lang="en-GB" u="sng"/>
+            </a:p>
+          </p:txBody>
+        </p:sp>
+        <p:sp>
+          <p:nvSpPr>
+            <p:cNvPr id="81" name="Oval 80">
+              <a:extLst>
+                <a:ext uri="{FF2B5EF4-FFF2-40B4-BE49-F238E27FC236}">
+                  <a16:creationId xmlns:a16="http://schemas.microsoft.com/office/drawing/2014/main" id="{BA25EB8E-3523-4077-9A78-D7637F0C5C78}"/>
+                </a:ext>
+              </a:extLst>
+            </p:cNvPr>
+            <p:cNvSpPr>
+              <a:spLocks noChangeArrowheads="1"/>
+            </p:cNvSpPr>
+            <p:nvPr/>
+          </p:nvSpPr>
+          <p:spPr bwMode="auto">
+            <a:xfrm>
+              <a:off x="4311650" y="1697038"/>
+              <a:ext cx="577850" cy="576263"/>
+            </a:xfrm>
+            <a:prstGeom prst="ellipse">
+              <a:avLst/>
+            </a:prstGeom>
+            <a:solidFill>
+              <a:srgbClr val="0FC8FF"/>
+            </a:solidFill>
+            <a:ln w="76200" cap="flat">
+              <a:solidFill>
+                <a:schemeClr val="tx1"/>
+              </a:solidFill>
+              <a:prstDash val="solid"/>
+              <a:miter lim="800000"/>
+              <a:headEnd/>
+              <a:tailEnd/>
+            </a:ln>
+          </p:spPr>
+          <p:txBody>
+            <a:bodyPr vert="horz" wrap="square" lIns="91440" tIns="45720" rIns="91440" bIns="45720" numCol="1" anchor="t" anchorCtr="0" compatLnSpc="1">
+              <a:prstTxWarp prst="textNoShape">
+                <a:avLst/>
+              </a:prstTxWarp>
+            </a:bodyPr>
+            <a:lstStyle/>
+            <a:p>
+              <a:endParaRPr lang="en-GB" u="sng"/>
+            </a:p>
+          </p:txBody>
+        </p:sp>
+      </p:grpSp>
+      <p:grpSp>
+        <p:nvGrpSpPr>
+          <p:cNvPr id="97" name="Group 96">
+            <a:extLst>
+              <a:ext uri="{FF2B5EF4-FFF2-40B4-BE49-F238E27FC236}">
+                <a16:creationId xmlns:a16="http://schemas.microsoft.com/office/drawing/2014/main" id="{99DCDC8D-AB8E-40E9-83A7-1C66971F4211}"/>
+              </a:ext>
+            </a:extLst>
+          </p:cNvPr>
+          <p:cNvGrpSpPr/>
+          <p:nvPr/>
+        </p:nvGrpSpPr>
+        <p:grpSpPr>
+          <a:xfrm>
+            <a:off x="3370263" y="2273300"/>
+            <a:ext cx="2481262" cy="1327151"/>
+            <a:chOff x="3370263" y="2273300"/>
+            <a:chExt cx="2481262" cy="1327151"/>
+          </a:xfrm>
+        </p:grpSpPr>
+        <p:sp>
+          <p:nvSpPr>
+            <p:cNvPr id="82" name="Freeform 81">
+              <a:extLst>
+                <a:ext uri="{FF2B5EF4-FFF2-40B4-BE49-F238E27FC236}">
+                  <a16:creationId xmlns:a16="http://schemas.microsoft.com/office/drawing/2014/main" id="{A7EFEB91-9051-4A29-A81C-8CFB0106D53A}"/>
+                </a:ext>
+              </a:extLst>
+            </p:cNvPr>
+            <p:cNvSpPr>
+              <a:spLocks/>
+            </p:cNvSpPr>
+            <p:nvPr/>
+          </p:nvSpPr>
+          <p:spPr bwMode="auto">
+            <a:xfrm>
+              <a:off x="3446463" y="2562225"/>
+              <a:ext cx="2116138" cy="962025"/>
+            </a:xfrm>
+            <a:custGeom>
+              <a:avLst/>
+              <a:gdLst>
+                <a:gd name="T0" fmla="*/ 5197 w 5197"/>
+                <a:gd name="T1" fmla="*/ 0 h 2362"/>
+                <a:gd name="T2" fmla="*/ 0 w 5197"/>
+                <a:gd name="T3" fmla="*/ 2362 h 2362"/>
+              </a:gdLst>
+              <a:ahLst/>
+              <a:cxnLst>
+                <a:cxn ang="0">
+                  <a:pos x="T0" y="T1"/>
+                </a:cxn>
+                <a:cxn ang="0">
+                  <a:pos x="T2" y="T3"/>
+                </a:cxn>
+              </a:cxnLst>
+              <a:rect l="0" t="0" r="r" b="b"/>
+              <a:pathLst>
+                <a:path w="5197" h="2362">
+                  <a:moveTo>
+                    <a:pt x="5197" y="0"/>
+                  </a:moveTo>
+                  <a:cubicBezTo>
+                    <a:pt x="4724" y="473"/>
+                    <a:pt x="1417" y="2362"/>
+                    <a:pt x="0" y="2362"/>
+                  </a:cubicBezTo>
+                </a:path>
+              </a:pathLst>
+            </a:custGeom>
+            <a:noFill/>
+            <a:ln w="38100" cap="flat">
+              <a:solidFill>
+                <a:schemeClr val="tx1"/>
+              </a:solidFill>
+              <a:prstDash val="solid"/>
+              <a:miter lim="800000"/>
+              <a:headEnd/>
+              <a:tailEnd/>
+            </a:ln>
+            <a:extLst>
+              <a:ext uri="{909E8E84-426E-40DD-AFC4-6F175D3DCCD1}">
+                <a14:hiddenFill xmlns:a14="http://schemas.microsoft.com/office/drawing/2010/main">
+                  <a:solidFill>
+                    <a:srgbClr val="FFFFFF"/>
+                  </a:solidFill>
+                </a14:hiddenFill>
+              </a:ext>
+            </a:extLst>
+          </p:spPr>
+          <p:txBody>
+            <a:bodyPr vert="horz" wrap="square" lIns="91440" tIns="45720" rIns="91440" bIns="45720" numCol="1" anchor="t" anchorCtr="0" compatLnSpc="1">
+              <a:prstTxWarp prst="textNoShape">
+                <a:avLst/>
+              </a:prstTxWarp>
+            </a:bodyPr>
+            <a:lstStyle/>
+            <a:p>
+              <a:endParaRPr lang="en-GB" u="sng"/>
+            </a:p>
+          </p:txBody>
+        </p:sp>
+        <p:sp>
+          <p:nvSpPr>
+            <p:cNvPr id="83" name="Oval 82">
+              <a:extLst>
+                <a:ext uri="{FF2B5EF4-FFF2-40B4-BE49-F238E27FC236}">
+                  <a16:creationId xmlns:a16="http://schemas.microsoft.com/office/drawing/2014/main" id="{9D33612E-70BC-4304-9711-9EEC498BF757}"/>
+                </a:ext>
+              </a:extLst>
+            </p:cNvPr>
+            <p:cNvSpPr>
+              <a:spLocks noChangeArrowheads="1"/>
+            </p:cNvSpPr>
+            <p:nvPr/>
+          </p:nvSpPr>
+          <p:spPr bwMode="auto">
+            <a:xfrm>
+              <a:off x="3370263" y="3446463"/>
+              <a:ext cx="153988" cy="153988"/>
+            </a:xfrm>
+            <a:prstGeom prst="ellipse">
+              <a:avLst/>
+            </a:prstGeom>
+            <a:solidFill>
+              <a:schemeClr val="tx1"/>
+            </a:solidFill>
+            <a:ln w="20638" cap="flat">
+              <a:solidFill>
+                <a:schemeClr val="tx1"/>
+              </a:solidFill>
+              <a:prstDash val="solid"/>
+              <a:miter lim="800000"/>
+              <a:headEnd/>
+              <a:tailEnd/>
+            </a:ln>
+          </p:spPr>
+          <p:txBody>
+            <a:bodyPr vert="horz" wrap="square" lIns="91440" tIns="45720" rIns="91440" bIns="45720" numCol="1" anchor="t" anchorCtr="0" compatLnSpc="1">
+              <a:prstTxWarp prst="textNoShape">
+                <a:avLst/>
+              </a:prstTxWarp>
+            </a:bodyPr>
+            <a:lstStyle/>
+            <a:p>
+              <a:endParaRPr lang="en-GB" u="sng"/>
+            </a:p>
+          </p:txBody>
+        </p:sp>
+        <p:sp>
+          <p:nvSpPr>
+            <p:cNvPr id="84" name="Oval 83">
+              <a:extLst>
+                <a:ext uri="{FF2B5EF4-FFF2-40B4-BE49-F238E27FC236}">
+                  <a16:creationId xmlns:a16="http://schemas.microsoft.com/office/drawing/2014/main" id="{925BC79C-EAE2-4617-ACDD-C2311C0C9C17}"/>
+                </a:ext>
+              </a:extLst>
+            </p:cNvPr>
+            <p:cNvSpPr>
+              <a:spLocks noChangeArrowheads="1"/>
+            </p:cNvSpPr>
+            <p:nvPr/>
+          </p:nvSpPr>
+          <p:spPr bwMode="auto">
+            <a:xfrm>
+              <a:off x="5273675" y="2273300"/>
+              <a:ext cx="577850" cy="577850"/>
+            </a:xfrm>
+            <a:prstGeom prst="ellipse">
+              <a:avLst/>
+            </a:prstGeom>
+            <a:solidFill>
+              <a:srgbClr val="0FC8FF"/>
+            </a:solidFill>
+            <a:ln w="76200" cap="flat">
+              <a:solidFill>
+                <a:schemeClr val="tx1"/>
+              </a:solidFill>
+              <a:prstDash val="solid"/>
+              <a:miter lim="800000"/>
+              <a:headEnd/>
+              <a:tailEnd/>
+            </a:ln>
+          </p:spPr>
+          <p:txBody>
+            <a:bodyPr vert="horz" wrap="square" lIns="91440" tIns="45720" rIns="91440" bIns="45720" numCol="1" anchor="t" anchorCtr="0" compatLnSpc="1">
+              <a:prstTxWarp prst="textNoShape">
+                <a:avLst/>
+              </a:prstTxWarp>
+            </a:bodyPr>
+            <a:lstStyle/>
+            <a:p>
+              <a:endParaRPr lang="en-GB" u="sng"/>
+            </a:p>
+          </p:txBody>
+        </p:sp>
+      </p:grpSp>
+      <p:grpSp>
+        <p:nvGrpSpPr>
+          <p:cNvPr id="98" name="Group 97">
+            <a:extLst>
+              <a:ext uri="{FF2B5EF4-FFF2-40B4-BE49-F238E27FC236}">
+                <a16:creationId xmlns:a16="http://schemas.microsoft.com/office/drawing/2014/main" id="{5B37900B-8CBD-4E0F-9815-C37DC94C603E}"/>
+              </a:ext>
+            </a:extLst>
+          </p:cNvPr>
+          <p:cNvGrpSpPr/>
+          <p:nvPr/>
+        </p:nvGrpSpPr>
+        <p:grpSpPr>
+          <a:xfrm>
+            <a:off x="4718050" y="2273300"/>
+            <a:ext cx="2095500" cy="1327151"/>
+            <a:chOff x="4718050" y="2273300"/>
+            <a:chExt cx="2095500" cy="1327151"/>
+          </a:xfrm>
+        </p:grpSpPr>
+        <p:sp>
+          <p:nvSpPr>
+            <p:cNvPr id="85" name="Freeform 84">
+              <a:extLst>
+                <a:ext uri="{FF2B5EF4-FFF2-40B4-BE49-F238E27FC236}">
+                  <a16:creationId xmlns:a16="http://schemas.microsoft.com/office/drawing/2014/main" id="{8C7CD05D-6A01-4377-AC89-2EA426E2E426}"/>
+                </a:ext>
+              </a:extLst>
+            </p:cNvPr>
+            <p:cNvSpPr>
+              <a:spLocks/>
+            </p:cNvSpPr>
+            <p:nvPr/>
+          </p:nvSpPr>
+          <p:spPr bwMode="auto">
+            <a:xfrm>
+              <a:off x="4792663" y="2562225"/>
+              <a:ext cx="1731963" cy="962025"/>
+            </a:xfrm>
+            <a:custGeom>
+              <a:avLst/>
+              <a:gdLst>
+                <a:gd name="T0" fmla="*/ 4252 w 4252"/>
+                <a:gd name="T1" fmla="*/ 0 h 2362"/>
+                <a:gd name="T2" fmla="*/ 0 w 4252"/>
+                <a:gd name="T3" fmla="*/ 2362 h 2362"/>
+              </a:gdLst>
+              <a:ahLst/>
+              <a:cxnLst>
+                <a:cxn ang="0">
+                  <a:pos x="T0" y="T1"/>
+                </a:cxn>
+                <a:cxn ang="0">
+                  <a:pos x="T2" y="T3"/>
+                </a:cxn>
+              </a:cxnLst>
+              <a:rect l="0" t="0" r="r" b="b"/>
+              <a:pathLst>
+                <a:path w="4252" h="2362">
+                  <a:moveTo>
+                    <a:pt x="4252" y="0"/>
+                  </a:moveTo>
+                  <a:cubicBezTo>
+                    <a:pt x="3780" y="473"/>
+                    <a:pt x="1890" y="2362"/>
+                    <a:pt x="0" y="2362"/>
+                  </a:cubicBezTo>
+                </a:path>
+              </a:pathLst>
+            </a:custGeom>
+            <a:noFill/>
+            <a:ln w="38100" cap="flat">
+              <a:solidFill>
+                <a:schemeClr val="tx1"/>
+              </a:solidFill>
+              <a:prstDash val="solid"/>
+              <a:miter lim="800000"/>
+              <a:headEnd/>
+              <a:tailEnd/>
+            </a:ln>
+            <a:extLst>
+              <a:ext uri="{909E8E84-426E-40DD-AFC4-6F175D3DCCD1}">
+                <a14:hiddenFill xmlns:a14="http://schemas.microsoft.com/office/drawing/2010/main">
+                  <a:solidFill>
+                    <a:srgbClr val="FFFFFF"/>
+                  </a:solidFill>
+                </a14:hiddenFill>
+              </a:ext>
+            </a:extLst>
+          </p:spPr>
+          <p:txBody>
+            <a:bodyPr vert="horz" wrap="square" lIns="91440" tIns="45720" rIns="91440" bIns="45720" numCol="1" anchor="t" anchorCtr="0" compatLnSpc="1">
+              <a:prstTxWarp prst="textNoShape">
+                <a:avLst/>
+              </a:prstTxWarp>
+            </a:bodyPr>
+            <a:lstStyle/>
+            <a:p>
+              <a:endParaRPr lang="en-GB" u="sng"/>
+            </a:p>
+          </p:txBody>
+        </p:sp>
+        <p:sp>
+          <p:nvSpPr>
+            <p:cNvPr id="86" name="Oval 85">
+              <a:extLst>
+                <a:ext uri="{FF2B5EF4-FFF2-40B4-BE49-F238E27FC236}">
+                  <a16:creationId xmlns:a16="http://schemas.microsoft.com/office/drawing/2014/main" id="{6488251B-69A0-49CD-982B-505FD762E6DF}"/>
+                </a:ext>
+              </a:extLst>
+            </p:cNvPr>
+            <p:cNvSpPr>
+              <a:spLocks noChangeArrowheads="1"/>
+            </p:cNvSpPr>
+            <p:nvPr/>
+          </p:nvSpPr>
+          <p:spPr bwMode="auto">
+            <a:xfrm>
+              <a:off x="4718050" y="3446463"/>
+              <a:ext cx="153988" cy="153988"/>
+            </a:xfrm>
+            <a:prstGeom prst="ellipse">
+              <a:avLst/>
+            </a:prstGeom>
+            <a:solidFill>
+              <a:schemeClr val="tx1"/>
+            </a:solidFill>
+            <a:ln w="20638" cap="flat">
+              <a:solidFill>
+                <a:schemeClr val="tx1"/>
+              </a:solidFill>
+              <a:prstDash val="solid"/>
+              <a:miter lim="800000"/>
+              <a:headEnd/>
+              <a:tailEnd/>
+            </a:ln>
+          </p:spPr>
+          <p:txBody>
+            <a:bodyPr vert="horz" wrap="square" lIns="91440" tIns="45720" rIns="91440" bIns="45720" numCol="1" anchor="t" anchorCtr="0" compatLnSpc="1">
+              <a:prstTxWarp prst="textNoShape">
+                <a:avLst/>
+              </a:prstTxWarp>
+            </a:bodyPr>
+            <a:lstStyle/>
+            <a:p>
+              <a:endParaRPr lang="en-GB" u="sng"/>
+            </a:p>
+          </p:txBody>
+        </p:sp>
+        <p:sp>
+          <p:nvSpPr>
+            <p:cNvPr id="87" name="Oval 86">
+              <a:extLst>
+                <a:ext uri="{FF2B5EF4-FFF2-40B4-BE49-F238E27FC236}">
+                  <a16:creationId xmlns:a16="http://schemas.microsoft.com/office/drawing/2014/main" id="{2426FC6C-FCE4-4747-808C-7C5A50E0FBBF}"/>
+                </a:ext>
+              </a:extLst>
+            </p:cNvPr>
+            <p:cNvSpPr>
+              <a:spLocks noChangeArrowheads="1"/>
+            </p:cNvSpPr>
+            <p:nvPr/>
+          </p:nvSpPr>
+          <p:spPr bwMode="auto">
+            <a:xfrm>
+              <a:off x="6235700" y="2273300"/>
+              <a:ext cx="577850" cy="577850"/>
+            </a:xfrm>
+            <a:prstGeom prst="ellipse">
+              <a:avLst/>
+            </a:prstGeom>
+            <a:solidFill>
+              <a:srgbClr val="0FC8FF"/>
+            </a:solidFill>
+            <a:ln w="76200" cap="flat">
+              <a:solidFill>
+                <a:schemeClr val="tx1"/>
+              </a:solidFill>
+              <a:prstDash val="solid"/>
+              <a:miter lim="800000"/>
+              <a:headEnd/>
+              <a:tailEnd/>
+            </a:ln>
+          </p:spPr>
+          <p:txBody>
+            <a:bodyPr vert="horz" wrap="square" lIns="91440" tIns="45720" rIns="91440" bIns="45720" numCol="1" anchor="t" anchorCtr="0" compatLnSpc="1">
+              <a:prstTxWarp prst="textNoShape">
+                <a:avLst/>
+              </a:prstTxWarp>
+            </a:bodyPr>
+            <a:lstStyle/>
+            <a:p>
+              <a:endParaRPr lang="en-GB" u="sng"/>
+            </a:p>
+          </p:txBody>
+        </p:sp>
+      </p:grpSp>
+      <p:grpSp>
+        <p:nvGrpSpPr>
+          <p:cNvPr id="99" name="Group 98">
+            <a:extLst>
+              <a:ext uri="{FF2B5EF4-FFF2-40B4-BE49-F238E27FC236}">
+                <a16:creationId xmlns:a16="http://schemas.microsoft.com/office/drawing/2014/main" id="{8B36767F-7394-4F7F-AB2C-77E2CCB02DD3}"/>
+              </a:ext>
+            </a:extLst>
+          </p:cNvPr>
+          <p:cNvGrpSpPr/>
+          <p:nvPr/>
+        </p:nvGrpSpPr>
+        <p:grpSpPr>
+          <a:xfrm>
+            <a:off x="5872163" y="3043238"/>
+            <a:ext cx="1519237" cy="2097088"/>
+            <a:chOff x="5872163" y="3043238"/>
+            <a:chExt cx="1519237" cy="2097088"/>
+          </a:xfrm>
+        </p:grpSpPr>
+        <p:sp>
+          <p:nvSpPr>
+            <p:cNvPr id="88" name="Freeform 87">
+              <a:extLst>
+                <a:ext uri="{FF2B5EF4-FFF2-40B4-BE49-F238E27FC236}">
+                  <a16:creationId xmlns:a16="http://schemas.microsoft.com/office/drawing/2014/main" id="{60A74271-5CA1-414A-AABA-C41F97C145F6}"/>
+                </a:ext>
+              </a:extLst>
+            </p:cNvPr>
+            <p:cNvSpPr>
+              <a:spLocks/>
+            </p:cNvSpPr>
+            <p:nvPr/>
+          </p:nvSpPr>
+          <p:spPr bwMode="auto">
+            <a:xfrm>
+              <a:off x="5948363" y="3332163"/>
+              <a:ext cx="1154113" cy="1731963"/>
+            </a:xfrm>
+            <a:custGeom>
+              <a:avLst/>
+              <a:gdLst>
+                <a:gd name="T0" fmla="*/ 2834 w 2834"/>
+                <a:gd name="T1" fmla="*/ 0 h 4252"/>
+                <a:gd name="T2" fmla="*/ 0 w 2834"/>
+                <a:gd name="T3" fmla="*/ 4252 h 4252"/>
+              </a:gdLst>
+              <a:ahLst/>
+              <a:cxnLst>
+                <a:cxn ang="0">
+                  <a:pos x="T0" y="T1"/>
+                </a:cxn>
+                <a:cxn ang="0">
+                  <a:pos x="T2" y="T3"/>
+                </a:cxn>
+              </a:cxnLst>
+              <a:rect l="0" t="0" r="r" b="b"/>
+              <a:pathLst>
+                <a:path w="2834" h="4252">
+                  <a:moveTo>
+                    <a:pt x="2834" y="0"/>
+                  </a:moveTo>
+                  <a:cubicBezTo>
+                    <a:pt x="2362" y="472"/>
+                    <a:pt x="1653" y="4252"/>
+                    <a:pt x="0" y="4252"/>
+                  </a:cubicBezTo>
+                </a:path>
+              </a:pathLst>
+            </a:custGeom>
+            <a:noFill/>
+            <a:ln w="38100" cap="flat">
+              <a:solidFill>
+                <a:schemeClr val="tx1"/>
+              </a:solidFill>
+              <a:prstDash val="solid"/>
+              <a:miter lim="800000"/>
+              <a:headEnd/>
+              <a:tailEnd/>
+            </a:ln>
+            <a:extLst>
+              <a:ext uri="{909E8E84-426E-40DD-AFC4-6F175D3DCCD1}">
+                <a14:hiddenFill xmlns:a14="http://schemas.microsoft.com/office/drawing/2010/main">
+                  <a:solidFill>
+                    <a:srgbClr val="FFFFFF"/>
+                  </a:solidFill>
+                </a14:hiddenFill>
+              </a:ext>
+            </a:extLst>
+          </p:spPr>
+          <p:txBody>
+            <a:bodyPr vert="horz" wrap="square" lIns="91440" tIns="45720" rIns="91440" bIns="45720" numCol="1" anchor="t" anchorCtr="0" compatLnSpc="1">
+              <a:prstTxWarp prst="textNoShape">
+                <a:avLst/>
+              </a:prstTxWarp>
+            </a:bodyPr>
+            <a:lstStyle/>
+            <a:p>
+              <a:endParaRPr lang="en-GB" u="sng"/>
+            </a:p>
+          </p:txBody>
+        </p:sp>
+        <p:sp>
+          <p:nvSpPr>
+            <p:cNvPr id="89" name="Oval 88">
+              <a:extLst>
+                <a:ext uri="{FF2B5EF4-FFF2-40B4-BE49-F238E27FC236}">
+                  <a16:creationId xmlns:a16="http://schemas.microsoft.com/office/drawing/2014/main" id="{22BC14CA-08F9-4F47-8368-C75ECC1F3C81}"/>
+                </a:ext>
+              </a:extLst>
+            </p:cNvPr>
+            <p:cNvSpPr>
+              <a:spLocks noChangeArrowheads="1"/>
+            </p:cNvSpPr>
+            <p:nvPr/>
+          </p:nvSpPr>
+          <p:spPr bwMode="auto">
+            <a:xfrm>
+              <a:off x="5872163" y="4986338"/>
+              <a:ext cx="153988" cy="153988"/>
+            </a:xfrm>
+            <a:prstGeom prst="ellipse">
+              <a:avLst/>
+            </a:prstGeom>
+            <a:solidFill>
+              <a:schemeClr val="tx1"/>
+            </a:solidFill>
+            <a:ln w="20638" cap="flat">
+              <a:solidFill>
+                <a:schemeClr val="tx1"/>
+              </a:solidFill>
+              <a:prstDash val="solid"/>
+              <a:miter lim="800000"/>
+              <a:headEnd/>
+              <a:tailEnd/>
+            </a:ln>
+          </p:spPr>
+          <p:txBody>
+            <a:bodyPr vert="horz" wrap="square" lIns="91440" tIns="45720" rIns="91440" bIns="45720" numCol="1" anchor="t" anchorCtr="0" compatLnSpc="1">
+              <a:prstTxWarp prst="textNoShape">
+                <a:avLst/>
+              </a:prstTxWarp>
+            </a:bodyPr>
+            <a:lstStyle/>
+            <a:p>
+              <a:endParaRPr lang="en-GB" u="sng"/>
+            </a:p>
+          </p:txBody>
+        </p:sp>
+        <p:sp>
+          <p:nvSpPr>
+            <p:cNvPr id="90" name="Oval 89">
+              <a:extLst>
+                <a:ext uri="{FF2B5EF4-FFF2-40B4-BE49-F238E27FC236}">
+                  <a16:creationId xmlns:a16="http://schemas.microsoft.com/office/drawing/2014/main" id="{3FBBE054-8EDE-4BBD-978C-184C8F9346BB}"/>
+                </a:ext>
+              </a:extLst>
+            </p:cNvPr>
+            <p:cNvSpPr>
+              <a:spLocks noChangeArrowheads="1"/>
+            </p:cNvSpPr>
+            <p:nvPr/>
+          </p:nvSpPr>
+          <p:spPr bwMode="auto">
+            <a:xfrm>
+              <a:off x="6813550" y="3043238"/>
+              <a:ext cx="577850" cy="577850"/>
+            </a:xfrm>
+            <a:prstGeom prst="ellipse">
+              <a:avLst/>
+            </a:prstGeom>
+            <a:solidFill>
+              <a:srgbClr val="0FC8FF"/>
+            </a:solidFill>
+            <a:ln w="76200" cap="flat">
+              <a:solidFill>
+                <a:schemeClr val="tx1"/>
+              </a:solidFill>
+              <a:prstDash val="solid"/>
+              <a:miter lim="800000"/>
+              <a:headEnd/>
+              <a:tailEnd/>
+            </a:ln>
+          </p:spPr>
+          <p:txBody>
+            <a:bodyPr vert="horz" wrap="square" lIns="91440" tIns="45720" rIns="91440" bIns="45720" numCol="1" anchor="t" anchorCtr="0" compatLnSpc="1">
+              <a:prstTxWarp prst="textNoShape">
+                <a:avLst/>
+              </a:prstTxWarp>
+            </a:bodyPr>
+            <a:lstStyle/>
+            <a:p>
+              <a:endParaRPr lang="en-GB" u="sng"/>
+            </a:p>
+          </p:txBody>
+        </p:sp>
+      </p:grpSp>
+      <p:sp>
+        <p:nvSpPr>
+          <p:cNvPr id="91" name="TextBox 90">
+            <a:extLst>
+              <a:ext uri="{FF2B5EF4-FFF2-40B4-BE49-F238E27FC236}">
+                <a16:creationId xmlns:a16="http://schemas.microsoft.com/office/drawing/2014/main" id="{2438CCFD-AB8E-4201-9A9A-511FC6530E1A}"/>
+              </a:ext>
+            </a:extLst>
+          </p:cNvPr>
+          <p:cNvSpPr txBox="1"/>
+          <p:nvPr/>
+        </p:nvSpPr>
+        <p:spPr>
+          <a:xfrm>
+            <a:off x="5470407" y="5568731"/>
+            <a:ext cx="976549" cy="646331"/>
           </a:xfrm>
           <a:prstGeom prst="rect">
             <a:avLst/>
           </a:prstGeom>
           <a:noFill/>
-          <a:ln w="9525">
-            <a:noFill/>
-            <a:headEnd/>
-            <a:tailEnd/>
-          </a:ln>
         </p:spPr>
-      </p:pic>
+        <p:txBody>
+          <a:bodyPr wrap="none" rtlCol="0">
+            <a:spAutoFit/>
+          </a:bodyPr>
+          <a:lstStyle/>
+          <a:p>
+            <a:pPr algn="ctr"/>
+            <a:r>
+              <a:rPr lang="en-GB" dirty="0"/>
+              <a:t>total</a:t>
+            </a:r>
+          </a:p>
+          <a:p>
+            <a:pPr algn="ctr"/>
+            <a:r>
+              <a:rPr lang="en-GB" dirty="0"/>
+              <a:t>demand</a:t>
+            </a:r>
+          </a:p>
+        </p:txBody>
+      </p:sp>
+      <p:sp>
+        <p:nvSpPr>
+          <p:cNvPr id="92" name="TextBox 91">
+            <a:extLst>
+              <a:ext uri="{FF2B5EF4-FFF2-40B4-BE49-F238E27FC236}">
+                <a16:creationId xmlns:a16="http://schemas.microsoft.com/office/drawing/2014/main" id="{EF53D697-6263-4C6C-9B63-601AC8A4F47A}"/>
+              </a:ext>
+            </a:extLst>
+          </p:cNvPr>
+          <p:cNvSpPr txBox="1"/>
+          <p:nvPr/>
+        </p:nvSpPr>
+        <p:spPr>
+          <a:xfrm>
+            <a:off x="2754285" y="4032032"/>
+            <a:ext cx="1285929" cy="646331"/>
+          </a:xfrm>
+          <a:prstGeom prst="rect">
+            <a:avLst/>
+          </a:prstGeom>
+          <a:noFill/>
+        </p:spPr>
+        <p:txBody>
+          <a:bodyPr wrap="none" rtlCol="0">
+            <a:spAutoFit/>
+          </a:bodyPr>
+          <a:lstStyle/>
+          <a:p>
+            <a:pPr algn="ctr"/>
+            <a:r>
+              <a:rPr lang="en-GB" dirty="0"/>
+              <a:t>wait</a:t>
+            </a:r>
+          </a:p>
+          <a:p>
+            <a:pPr algn="ctr"/>
+            <a:r>
+              <a:rPr lang="en-GB" dirty="0"/>
+              <a:t>predication</a:t>
+            </a:r>
+          </a:p>
+        </p:txBody>
+      </p:sp>
+      <p:sp>
+        <p:nvSpPr>
+          <p:cNvPr id="93" name="TextBox 92">
+            <a:extLst>
+              <a:ext uri="{FF2B5EF4-FFF2-40B4-BE49-F238E27FC236}">
+                <a16:creationId xmlns:a16="http://schemas.microsoft.com/office/drawing/2014/main" id="{B5313961-D99E-4B51-967A-371CA8CC7CC6}"/>
+              </a:ext>
+            </a:extLst>
+          </p:cNvPr>
+          <p:cNvSpPr txBox="1"/>
+          <p:nvPr/>
+        </p:nvSpPr>
+        <p:spPr>
+          <a:xfrm>
+            <a:off x="5407991" y="3202891"/>
+            <a:ext cx="1080744" cy="646331"/>
+          </a:xfrm>
+          <a:prstGeom prst="rect">
+            <a:avLst/>
+          </a:prstGeom>
+          <a:noFill/>
+        </p:spPr>
+        <p:txBody>
+          <a:bodyPr wrap="none" rtlCol="0">
+            <a:spAutoFit/>
+          </a:bodyPr>
+          <a:lstStyle/>
+          <a:p>
+            <a:pPr algn="ctr"/>
+            <a:r>
+              <a:rPr lang="en-GB" dirty="0"/>
+              <a:t>customer</a:t>
+            </a:r>
+          </a:p>
+          <a:p>
+            <a:pPr algn="ctr"/>
+            <a:r>
+              <a:rPr lang="en-GB" dirty="0"/>
+              <a:t>demand</a:t>
+            </a:r>
+          </a:p>
+        </p:txBody>
+      </p:sp>
+      <p:sp>
+        <p:nvSpPr>
+          <p:cNvPr id="94" name="TextBox 93">
+            <a:extLst>
+              <a:ext uri="{FF2B5EF4-FFF2-40B4-BE49-F238E27FC236}">
+                <a16:creationId xmlns:a16="http://schemas.microsoft.com/office/drawing/2014/main" id="{9FE2BF84-1243-49E4-BB1D-8BA32D1F0174}"/>
+              </a:ext>
+            </a:extLst>
+          </p:cNvPr>
+          <p:cNvSpPr txBox="1"/>
+          <p:nvPr/>
+        </p:nvSpPr>
+        <p:spPr>
+          <a:xfrm>
+            <a:off x="541406" y="1854884"/>
+            <a:ext cx="1245084" cy="646331"/>
+          </a:xfrm>
+          <a:prstGeom prst="rect">
+            <a:avLst/>
+          </a:prstGeom>
+          <a:noFill/>
+        </p:spPr>
+        <p:txBody>
+          <a:bodyPr wrap="none" rtlCol="0">
+            <a:spAutoFit/>
+          </a:bodyPr>
+          <a:lstStyle/>
+          <a:p>
+            <a:pPr algn="ctr"/>
+            <a:r>
+              <a:rPr lang="en-GB" dirty="0"/>
+              <a:t>customer</a:t>
+            </a:r>
+          </a:p>
+          <a:p>
+            <a:pPr algn="ctr"/>
+            <a:r>
+              <a:rPr lang="en-GB" dirty="0"/>
+              <a:t>availability</a:t>
+            </a:r>
+          </a:p>
+        </p:txBody>
+      </p:sp>
     </p:spTree>
+    <p:extLst>
+      <p:ext uri="{BB962C8B-B14F-4D97-AF65-F5344CB8AC3E}">
+        <p14:creationId xmlns:p14="http://schemas.microsoft.com/office/powerpoint/2010/main" val="3933698202"/>
+      </p:ext>
+    </p:extLst>
   </p:cSld>
+  <p:clrMapOvr>
+    <a:masterClrMapping/>
+  </p:clrMapOvr>
+  <p:timing>
+    <p:tnLst>
+      <p:par>
+        <p:cTn id="1" dur="indefinite" restart="never" nodeType="tmRoot">
+          <p:childTnLst>
+            <p:seq concurrent="1" nextAc="seek">
+              <p:cTn id="2" dur="indefinite" nodeType="mainSeq">
+                <p:childTnLst>
+                  <p:par>
+                    <p:cTn id="3" fill="hold">
+                      <p:stCondLst>
+                        <p:cond delay="indefinite"/>
+                      </p:stCondLst>
+                      <p:childTnLst>
+                        <p:par>
+                          <p:cTn id="4" fill="hold">
+                            <p:stCondLst>
+                              <p:cond delay="0"/>
+                            </p:stCondLst>
+                            <p:childTnLst>
+                              <p:par>
+                                <p:cTn id="5" presetID="1" presetClass="entr" presetSubtype="0" fill="hold" nodeType="clickEffect">
+                                  <p:stCondLst>
+                                    <p:cond delay="0"/>
+                                  </p:stCondLst>
+                                  <p:childTnLst>
+                                    <p:set>
+                                      <p:cBhvr>
+                                        <p:cTn id="6" dur="1" fill="hold">
+                                          <p:stCondLst>
+                                            <p:cond delay="0"/>
+                                          </p:stCondLst>
+                                        </p:cTn>
+                                        <p:tgtEl>
+                                          <p:spTgt spid="96"/>
+                                        </p:tgtEl>
+                                        <p:attrNameLst>
+                                          <p:attrName>style.visibility</p:attrName>
+                                        </p:attrNameLst>
+                                      </p:cBhvr>
+                                      <p:to>
+                                        <p:strVal val="visible"/>
+                                      </p:to>
+                                    </p:set>
+                                  </p:childTnLst>
+                                </p:cTn>
+                              </p:par>
+                              <p:par>
+                                <p:cTn id="7" presetID="1" presetClass="entr" presetSubtype="0" fill="hold" nodeType="withEffect">
+                                  <p:stCondLst>
+                                    <p:cond delay="0"/>
+                                  </p:stCondLst>
+                                  <p:childTnLst>
+                                    <p:set>
+                                      <p:cBhvr>
+                                        <p:cTn id="8" dur="1" fill="hold">
+                                          <p:stCondLst>
+                                            <p:cond delay="0"/>
+                                          </p:stCondLst>
+                                        </p:cTn>
+                                        <p:tgtEl>
+                                          <p:spTgt spid="97"/>
+                                        </p:tgtEl>
+                                        <p:attrNameLst>
+                                          <p:attrName>style.visibility</p:attrName>
+                                        </p:attrNameLst>
+                                      </p:cBhvr>
+                                      <p:to>
+                                        <p:strVal val="visible"/>
+                                      </p:to>
+                                    </p:set>
+                                  </p:childTnLst>
+                                </p:cTn>
+                              </p:par>
+                              <p:par>
+                                <p:cTn id="9" presetID="1" presetClass="entr" presetSubtype="0" fill="hold" nodeType="withEffect">
+                                  <p:stCondLst>
+                                    <p:cond delay="0"/>
+                                  </p:stCondLst>
+                                  <p:childTnLst>
+                                    <p:set>
+                                      <p:cBhvr>
+                                        <p:cTn id="10" dur="1" fill="hold">
+                                          <p:stCondLst>
+                                            <p:cond delay="0"/>
+                                          </p:stCondLst>
+                                        </p:cTn>
+                                        <p:tgtEl>
+                                          <p:spTgt spid="98"/>
+                                        </p:tgtEl>
+                                        <p:attrNameLst>
+                                          <p:attrName>style.visibility</p:attrName>
+                                        </p:attrNameLst>
+                                      </p:cBhvr>
+                                      <p:to>
+                                        <p:strVal val="visible"/>
+                                      </p:to>
+                                    </p:set>
+                                  </p:childTnLst>
+                                </p:cTn>
+                              </p:par>
+                              <p:par>
+                                <p:cTn id="11" presetID="1" presetClass="entr" presetSubtype="0" fill="hold" nodeType="withEffect">
+                                  <p:stCondLst>
+                                    <p:cond delay="0"/>
+                                  </p:stCondLst>
+                                  <p:childTnLst>
+                                    <p:set>
+                                      <p:cBhvr>
+                                        <p:cTn id="12" dur="1" fill="hold">
+                                          <p:stCondLst>
+                                            <p:cond delay="0"/>
+                                          </p:stCondLst>
+                                        </p:cTn>
+                                        <p:tgtEl>
+                                          <p:spTgt spid="99"/>
+                                        </p:tgtEl>
+                                        <p:attrNameLst>
+                                          <p:attrName>style.visibility</p:attrName>
+                                        </p:attrNameLst>
+                                      </p:cBhvr>
+                                      <p:to>
+                                        <p:strVal val="visible"/>
+                                      </p:to>
+                                    </p:set>
+                                  </p:childTnLst>
+                                </p:cTn>
+                              </p:par>
+                            </p:childTnLst>
+                          </p:cTn>
+                        </p:par>
+                      </p:childTnLst>
+                    </p:cTn>
+                  </p:par>
+                  <p:par>
+                    <p:cTn id="13" fill="hold">
+                      <p:stCondLst>
+                        <p:cond delay="indefinite"/>
+                      </p:stCondLst>
+                      <p:childTnLst>
+                        <p:par>
+                          <p:cTn id="14" fill="hold">
+                            <p:stCondLst>
+                              <p:cond delay="0"/>
+                            </p:stCondLst>
+                            <p:childTnLst>
+                              <p:par>
+                                <p:cTn id="15" presetID="1" presetClass="entr" presetSubtype="0" fill="hold" nodeType="clickEffect">
+                                  <p:stCondLst>
+                                    <p:cond delay="0"/>
+                                  </p:stCondLst>
+                                  <p:childTnLst>
+                                    <p:set>
+                                      <p:cBhvr>
+                                        <p:cTn id="16" dur="1" fill="hold">
+                                          <p:stCondLst>
+                                            <p:cond delay="0"/>
+                                          </p:stCondLst>
+                                        </p:cTn>
+                                        <p:tgtEl>
+                                          <p:spTgt spid="95"/>
+                                        </p:tgtEl>
+                                        <p:attrNameLst>
+                                          <p:attrName>style.visibility</p:attrName>
+                                        </p:attrNameLst>
+                                      </p:cBhvr>
+                                      <p:to>
+                                        <p:strVal val="visible"/>
+                                      </p:to>
+                                    </p:set>
+                                  </p:childTnLst>
+                                </p:cTn>
+                              </p:par>
+                            </p:childTnLst>
+                          </p:cTn>
+                        </p:par>
+                      </p:childTnLst>
+                    </p:cTn>
+                  </p:par>
+                </p:childTnLst>
+              </p:cTn>
+              <p:prevCondLst>
+                <p:cond evt="onPrev" delay="0">
+                  <p:tgtEl>
+                    <p:sldTgt/>
+                  </p:tgtEl>
+                </p:cond>
+              </p:prevCondLst>
+              <p:nextCondLst>
+                <p:cond evt="onNext" delay="0">
+                  <p:tgtEl>
+                    <p:sldTgt/>
+                  </p:tgtEl>
+                </p:cond>
+              </p:nextCondLst>
+            </p:seq>
+          </p:childTnLst>
+        </p:cTn>
+      </p:par>
+    </p:tnLst>
+  </p:timing>
 </p:sld>
 </file>
 
@@ -7246,48 +13257,54 @@
           <a:bodyPr/>
           <a:lstStyle/>
           <a:p>
-            <a:pPr lvl="0" marL="0" indent="0">
+            <a:pPr marL="0" lvl="0" indent="0">
               <a:buNone/>
             </a:pPr>
             <a:r>
-              <a:rPr/>
-              <a:t>Emulation</a:t>
-            </a:r>
-          </a:p>
-        </p:txBody>
-      </p:sp>
-      <p:pic>
-        <p:nvPicPr>
-          <p:cNvPr descr="../slides/diagrams/uq/statistical-emulation001.emf" id="0" name="Picture 1"/>
-          <p:cNvPicPr>
-            <a:picLocks noGrp="1" noChangeAspect="1"/>
-          </p:cNvPicPr>
-          <p:nvPr/>
-        </p:nvPicPr>
-        <p:blipFill>
-          <a:blip r:embed="rId2"/>
-          <a:stretch>
-            <a:fillRect/>
-          </a:stretch>
-        </p:blipFill>
-        <p:spPr bwMode="auto">
-          <a:xfrm>
-            <a:off x="1714500" y="2057400"/>
-            <a:ext cx="5715000" cy="4038600"/>
-          </a:xfrm>
-          <a:prstGeom prst="rect">
-            <a:avLst/>
-          </a:prstGeom>
-          <a:noFill/>
-          <a:ln w="9525">
-            <a:noFill/>
-            <a:headEnd/>
-            <a:tailEnd/>
-          </a:ln>
-        </p:spPr>
-      </p:pic>
+              <a:t>Conclusion</a:t>
+            </a:r>
+          </a:p>
+        </p:txBody>
+      </p:sp>
+      <p:sp>
+        <p:nvSpPr>
+          <p:cNvPr id="3" name="Content Placeholder 2"/>
+          <p:cNvSpPr>
+            <a:spLocks noGrp="1"/>
+          </p:cNvSpPr>
+          <p:nvPr>
+            <p:ph idx="1"/>
+          </p:nvPr>
+        </p:nvSpPr>
+        <p:spPr/>
+        <p:txBody>
+          <a:bodyPr/>
+          <a:lstStyle/>
+          <a:p>
+            <a:pPr lvl="1"/>
+            <a:r>
+              <a:t>AI is fundamentally ML System Design</a:t>
+            </a:r>
+          </a:p>
+          <a:p>
+            <a:pPr lvl="1"/>
+            <a:r>
+              <a:t>We are not ready to deploy automation in uncontrolled environments.</a:t>
+            </a:r>
+          </a:p>
+          <a:p>
+            <a:pPr lvl="1"/>
+            <a:r>
+              <a:t>Until we can monitoring and update will be key.</a:t>
+            </a:r>
+          </a:p>
+        </p:txBody>
+      </p:sp>
     </p:spTree>
   </p:cSld>
+  <p:clrMapOvr>
+    <a:masterClrMapping/>
+  </p:clrMapOvr>
 </p:sld>
 </file>
 
@@ -7323,435 +13340,101 @@
           <a:bodyPr/>
           <a:lstStyle/>
           <a:p>
-            <a:pPr lvl="0" marL="0" indent="0">
+            <a:pPr marL="0" lvl="0" indent="0">
               <a:buNone/>
             </a:pPr>
             <a:r>
-              <a:rPr/>
-              <a:t>Emulation</a:t>
-            </a:r>
-          </a:p>
-        </p:txBody>
-      </p:sp>
-      <p:pic>
-        <p:nvPicPr>
-          <p:cNvPr descr="../slides/diagrams/uq/statistical-emulation002.emf" id="0" name="Picture 1"/>
-          <p:cNvPicPr>
-            <a:picLocks noGrp="1" noChangeAspect="1"/>
-          </p:cNvPicPr>
-          <p:nvPr/>
-        </p:nvPicPr>
-        <p:blipFill>
-          <a:blip r:embed="rId2"/>
-          <a:stretch>
-            <a:fillRect/>
-          </a:stretch>
-        </p:blipFill>
-        <p:spPr bwMode="auto">
-          <a:xfrm>
-            <a:off x="1714500" y="2057400"/>
-            <a:ext cx="5715000" cy="4038600"/>
-          </a:xfrm>
-          <a:prstGeom prst="rect">
-            <a:avLst/>
-          </a:prstGeom>
-          <a:noFill/>
-          <a:ln w="9525">
-            <a:noFill/>
-            <a:headEnd/>
-            <a:tailEnd/>
-          </a:ln>
-        </p:spPr>
-      </p:pic>
+              <a:t>Thanks!</a:t>
+            </a:r>
+          </a:p>
+        </p:txBody>
+      </p:sp>
+      <p:sp>
+        <p:nvSpPr>
+          <p:cNvPr id="3" name="Content Placeholder 2"/>
+          <p:cNvSpPr>
+            <a:spLocks noGrp="1"/>
+          </p:cNvSpPr>
+          <p:nvPr>
+            <p:ph idx="1"/>
+          </p:nvPr>
+        </p:nvSpPr>
+        <p:spPr/>
+        <p:txBody>
+          <a:bodyPr/>
+          <a:lstStyle/>
+          <a:p>
+            <a:pPr lvl="1"/>
+            <a:r>
+              <a:rPr dirty="0"/>
+              <a:t>twitter: </a:t>
+            </a:r>
+            <a:r>
+              <a:rPr dirty="0">
+                <a:hlinkClick r:id="rId2"/>
+              </a:rPr>
+              <a:t>@lawrennd</a:t>
+            </a:r>
+          </a:p>
+          <a:p>
+            <a:pPr lvl="1"/>
+            <a:r>
+              <a:rPr dirty="0"/>
+              <a:t>podcast: </a:t>
+            </a:r>
+            <a:r>
+              <a:rPr dirty="0">
+                <a:hlinkClick r:id="rId3"/>
+              </a:rPr>
+              <a:t>The Talking Machines</a:t>
+            </a:r>
+          </a:p>
+          <a:p>
+            <a:pPr lvl="1"/>
+            <a:r>
+              <a:rPr dirty="0"/>
+              <a:t>newspaper: </a:t>
+            </a:r>
+            <a:r>
+              <a:rPr dirty="0">
+                <a:hlinkClick r:id="rId4"/>
+              </a:rPr>
+              <a:t>Guardian Profile Page</a:t>
+            </a:r>
+          </a:p>
+          <a:p>
+            <a:pPr lvl="1"/>
+            <a:r>
+              <a:rPr dirty="0"/>
+              <a:t>Blog post on </a:t>
+            </a:r>
+            <a:r>
+              <a:rPr dirty="0">
+                <a:hlinkClick r:id="rId5"/>
+              </a:rPr>
+              <a:t>Natural and Artificial Intelligence</a:t>
+            </a:r>
+          </a:p>
+          <a:p>
+            <a:pPr lvl="1"/>
+            <a:r>
+              <a:rPr dirty="0"/>
+              <a:t>Blog post on </a:t>
+            </a:r>
+            <a:r>
+              <a:rPr dirty="0">
+                <a:hlinkClick r:id="rId6"/>
+              </a:rPr>
+              <a:t>Decision Making and Diversity</a:t>
+            </a:r>
+          </a:p>
+        </p:txBody>
+      </p:sp>
     </p:spTree>
   </p:cSld>
-</p:sld>
-</file>
-
-<file path=ppt/slides/slide24.xml><?xml version="1.0" encoding="utf-8"?>
-<p:sld xmlns:a="http://schemas.openxmlformats.org/drawingml/2006/main" xmlns:r="http://schemas.openxmlformats.org/officeDocument/2006/relationships" xmlns:p="http://schemas.openxmlformats.org/presentationml/2006/main">
-  <p:cSld>
-    <p:spTree>
-      <p:nvGrpSpPr>
-        <p:cNvPr id="1" name=""/>
-        <p:cNvGrpSpPr/>
-        <p:nvPr/>
-      </p:nvGrpSpPr>
-      <p:grpSpPr>
-        <a:xfrm>
-          <a:off x="0" y="0"/>
-          <a:ext cx="0" cy="0"/>
-          <a:chOff x="0" y="0"/>
-          <a:chExt cx="0" cy="0"/>
-        </a:xfrm>
-      </p:grpSpPr>
-      <p:sp>
-        <p:nvSpPr>
-          <p:cNvPr id="2" name="Title 1"/>
-          <p:cNvSpPr>
-            <a:spLocks noGrp="1"/>
-          </p:cNvSpPr>
-          <p:nvPr>
-            <p:ph type="title"/>
-          </p:nvPr>
-        </p:nvSpPr>
-        <p:spPr/>
-        <p:txBody>
-          <a:bodyPr/>
-          <a:lstStyle/>
-          <a:p>
-            <a:pPr lvl="0" marL="0" indent="0">
-              <a:buNone/>
-            </a:pPr>
-            <a:r>
-              <a:rPr/>
-              <a:t>Emulation</a:t>
-            </a:r>
-          </a:p>
-        </p:txBody>
-      </p:sp>
-      <p:pic>
-        <p:nvPicPr>
-          <p:cNvPr descr="../slides/diagrams/uq/statistical-emulation003.emf" id="0" name="Picture 1"/>
-          <p:cNvPicPr>
-            <a:picLocks noGrp="1" noChangeAspect="1"/>
-          </p:cNvPicPr>
-          <p:nvPr/>
-        </p:nvPicPr>
-        <p:blipFill>
-          <a:blip r:embed="rId2"/>
-          <a:stretch>
-            <a:fillRect/>
-          </a:stretch>
-        </p:blipFill>
-        <p:spPr bwMode="auto">
-          <a:xfrm>
-            <a:off x="1714500" y="2057400"/>
-            <a:ext cx="5715000" cy="4038600"/>
-          </a:xfrm>
-          <a:prstGeom prst="rect">
-            <a:avLst/>
-          </a:prstGeom>
-          <a:noFill/>
-          <a:ln w="9525">
-            <a:noFill/>
-            <a:headEnd/>
-            <a:tailEnd/>
-          </a:ln>
-        </p:spPr>
-      </p:pic>
-    </p:spTree>
-  </p:cSld>
-</p:sld>
-</file>
-
-<file path=ppt/slides/slide25.xml><?xml version="1.0" encoding="utf-8"?>
-<p:sld xmlns:a="http://schemas.openxmlformats.org/drawingml/2006/main" xmlns:r="http://schemas.openxmlformats.org/officeDocument/2006/relationships" xmlns:p="http://schemas.openxmlformats.org/presentationml/2006/main">
-  <p:cSld>
-    <p:spTree>
-      <p:nvGrpSpPr>
-        <p:cNvPr id="1" name=""/>
-        <p:cNvGrpSpPr/>
-        <p:nvPr/>
-      </p:nvGrpSpPr>
-      <p:grpSpPr>
-        <a:xfrm>
-          <a:off x="0" y="0"/>
-          <a:ext cx="0" cy="0"/>
-          <a:chOff x="0" y="0"/>
-          <a:chExt cx="0" cy="0"/>
-        </a:xfrm>
-      </p:grpSpPr>
-      <p:sp>
-        <p:nvSpPr>
-          <p:cNvPr id="2" name="Title 1"/>
-          <p:cNvSpPr>
-            <a:spLocks noGrp="1"/>
-          </p:cNvSpPr>
-          <p:nvPr>
-            <p:ph type="title"/>
-          </p:nvPr>
-        </p:nvSpPr>
-        <p:spPr/>
-        <p:txBody>
-          <a:bodyPr/>
-          <a:lstStyle/>
-          <a:p>
-            <a:pPr lvl="0" marL="0" indent="0">
-              <a:buNone/>
-            </a:pPr>
-            <a:r>
-              <a:rPr/>
-              <a:t>Emulation</a:t>
-            </a:r>
-          </a:p>
-        </p:txBody>
-      </p:sp>
-      <p:pic>
-        <p:nvPicPr>
-          <p:cNvPr descr="../slides/diagrams/uq/statistical-emulation004.emf" id="0" name="Picture 1"/>
-          <p:cNvPicPr>
-            <a:picLocks noGrp="1" noChangeAspect="1"/>
-          </p:cNvPicPr>
-          <p:nvPr/>
-        </p:nvPicPr>
-        <p:blipFill>
-          <a:blip r:embed="rId2"/>
-          <a:stretch>
-            <a:fillRect/>
-          </a:stretch>
-        </p:blipFill>
-        <p:spPr bwMode="auto">
-          <a:xfrm>
-            <a:off x="1714500" y="2057400"/>
-            <a:ext cx="5715000" cy="4038600"/>
-          </a:xfrm>
-          <a:prstGeom prst="rect">
-            <a:avLst/>
-          </a:prstGeom>
-          <a:noFill/>
-          <a:ln w="9525">
-            <a:noFill/>
-            <a:headEnd/>
-            <a:tailEnd/>
-          </a:ln>
-        </p:spPr>
-      </p:pic>
-    </p:spTree>
-  </p:cSld>
-</p:sld>
-</file>
-
-<file path=ppt/slides/slide26.xml><?xml version="1.0" encoding="utf-8"?>
-<p:sld xmlns:a="http://schemas.openxmlformats.org/drawingml/2006/main" xmlns:r="http://schemas.openxmlformats.org/officeDocument/2006/relationships" xmlns:p="http://schemas.openxmlformats.org/presentationml/2006/main">
-  <p:cSld>
-    <p:spTree>
-      <p:nvGrpSpPr>
-        <p:cNvPr id="1" name=""/>
-        <p:cNvGrpSpPr/>
-        <p:nvPr/>
-      </p:nvGrpSpPr>
-      <p:grpSpPr>
-        <a:xfrm>
-          <a:off x="0" y="0"/>
-          <a:ext cx="0" cy="0"/>
-          <a:chOff x="0" y="0"/>
-          <a:chExt cx="0" cy="0"/>
-        </a:xfrm>
-      </p:grpSpPr>
-      <p:sp>
-        <p:nvSpPr>
-          <p:cNvPr id="2" name="Title 1"/>
-          <p:cNvSpPr>
-            <a:spLocks noGrp="1"/>
-          </p:cNvSpPr>
-          <p:nvPr>
-            <p:ph type="title"/>
-          </p:nvPr>
-        </p:nvSpPr>
-        <p:spPr/>
-        <p:txBody>
-          <a:bodyPr/>
-          <a:lstStyle/>
-          <a:p>
-            <a:pPr lvl="0" marL="0" indent="0">
-              <a:buNone/>
-            </a:pPr>
-            <a:r>
-              <a:rPr/>
-              <a:t>Emulation</a:t>
-            </a:r>
-          </a:p>
-        </p:txBody>
-      </p:sp>
-      <p:pic>
-        <p:nvPicPr>
-          <p:cNvPr descr="../slides/diagrams/uq/statistical-emulation005.emf" id="0" name="Picture 1"/>
-          <p:cNvPicPr>
-            <a:picLocks noGrp="1" noChangeAspect="1"/>
-          </p:cNvPicPr>
-          <p:nvPr/>
-        </p:nvPicPr>
-        <p:blipFill>
-          <a:blip r:embed="rId2"/>
-          <a:stretch>
-            <a:fillRect/>
-          </a:stretch>
-        </p:blipFill>
-        <p:spPr bwMode="auto">
-          <a:xfrm>
-            <a:off x="1714500" y="2057400"/>
-            <a:ext cx="5715000" cy="4038600"/>
-          </a:xfrm>
-          <a:prstGeom prst="rect">
-            <a:avLst/>
-          </a:prstGeom>
-          <a:noFill/>
-          <a:ln w="9525">
-            <a:noFill/>
-            <a:headEnd/>
-            <a:tailEnd/>
-          </a:ln>
-        </p:spPr>
-      </p:pic>
-    </p:spTree>
-  </p:cSld>
-</p:sld>
-</file>
-
-<file path=ppt/slides/slide27.xml><?xml version="1.0" encoding="utf-8"?>
-<p:sld xmlns:a="http://schemas.openxmlformats.org/drawingml/2006/main" xmlns:r="http://schemas.openxmlformats.org/officeDocument/2006/relationships" xmlns:p="http://schemas.openxmlformats.org/presentationml/2006/main">
-  <p:cSld>
-    <p:spTree>
-      <p:nvGrpSpPr>
-        <p:cNvPr id="1" name=""/>
-        <p:cNvGrpSpPr/>
-        <p:nvPr/>
-      </p:nvGrpSpPr>
-      <p:grpSpPr>
-        <a:xfrm>
-          <a:off x="0" y="0"/>
-          <a:ext cx="0" cy="0"/>
-          <a:chOff x="0" y="0"/>
-          <a:chExt cx="0" cy="0"/>
-        </a:xfrm>
-      </p:grpSpPr>
-      <p:pic>
-        <p:nvPicPr>
-          <p:cNvPr descr="../slides/diagrams/gp/gp_rejection_sample001.png" id="0" name="Picture 1"/>
-          <p:cNvPicPr>
-            <a:picLocks noGrp="1" noChangeAspect="1"/>
-          </p:cNvPicPr>
-          <p:nvPr/>
-        </p:nvPicPr>
-        <p:blipFill>
-          <a:blip r:embed="rId2"/>
-          <a:stretch>
-            <a:fillRect/>
-          </a:stretch>
-        </p:blipFill>
-        <p:spPr bwMode="auto">
-          <a:xfrm>
-            <a:off x="1193800" y="2057400"/>
-            <a:ext cx="6731000" cy="4038600"/>
-          </a:xfrm>
-          <a:prstGeom prst="rect">
-            <a:avLst/>
-          </a:prstGeom>
-          <a:noFill/>
-          <a:ln w="9525">
-            <a:noFill/>
-            <a:headEnd/>
-            <a:tailEnd/>
-          </a:ln>
-        </p:spPr>
-      </p:pic>
-    </p:spTree>
-  </p:cSld>
-</p:sld>
-</file>
-
-<file path=ppt/slides/slide28.xml><?xml version="1.0" encoding="utf-8"?>
-<p:sld xmlns:a="http://schemas.openxmlformats.org/drawingml/2006/main" xmlns:r="http://schemas.openxmlformats.org/officeDocument/2006/relationships" xmlns:p="http://schemas.openxmlformats.org/presentationml/2006/main">
-  <p:cSld>
-    <p:spTree>
-      <p:nvGrpSpPr>
-        <p:cNvPr id="1" name=""/>
-        <p:cNvGrpSpPr/>
-        <p:nvPr/>
-      </p:nvGrpSpPr>
-      <p:grpSpPr>
-        <a:xfrm>
-          <a:off x="0" y="0"/>
-          <a:ext cx="0" cy="0"/>
-          <a:chOff x="0" y="0"/>
-          <a:chExt cx="0" cy="0"/>
-        </a:xfrm>
-      </p:grpSpPr>
-      <p:pic>
-        <p:nvPicPr>
-          <p:cNvPr descr="../slides/diagrams/gp/gp_rejection_sample002.png" id="0" name="Picture 1"/>
-          <p:cNvPicPr>
-            <a:picLocks noGrp="1" noChangeAspect="1"/>
-          </p:cNvPicPr>
-          <p:nvPr/>
-        </p:nvPicPr>
-        <p:blipFill>
-          <a:blip r:embed="rId2"/>
-          <a:stretch>
-            <a:fillRect/>
-          </a:stretch>
-        </p:blipFill>
-        <p:spPr bwMode="auto">
-          <a:xfrm>
-            <a:off x="1193800" y="2057400"/>
-            <a:ext cx="6731000" cy="4038600"/>
-          </a:xfrm>
-          <a:prstGeom prst="rect">
-            <a:avLst/>
-          </a:prstGeom>
-          <a:noFill/>
-          <a:ln w="9525">
-            <a:noFill/>
-            <a:headEnd/>
-            <a:tailEnd/>
-          </a:ln>
-        </p:spPr>
-      </p:pic>
-    </p:spTree>
-  </p:cSld>
-</p:sld>
-</file>
-
-<file path=ppt/slides/slide29.xml><?xml version="1.0" encoding="utf-8"?>
-<p:sld xmlns:a="http://schemas.openxmlformats.org/drawingml/2006/main" xmlns:r="http://schemas.openxmlformats.org/officeDocument/2006/relationships" xmlns:p="http://schemas.openxmlformats.org/presentationml/2006/main">
-  <p:cSld>
-    <p:spTree>
-      <p:nvGrpSpPr>
-        <p:cNvPr id="1" name=""/>
-        <p:cNvGrpSpPr/>
-        <p:nvPr/>
-      </p:nvGrpSpPr>
-      <p:grpSpPr>
-        <a:xfrm>
-          <a:off x="0" y="0"/>
-          <a:ext cx="0" cy="0"/>
-          <a:chOff x="0" y="0"/>
-          <a:chExt cx="0" cy="0"/>
-        </a:xfrm>
-      </p:grpSpPr>
-      <p:pic>
-        <p:nvPicPr>
-          <p:cNvPr descr="../slides/diagrams/gp/gp_rejection_sample003.png" id="0" name="Picture 1"/>
-          <p:cNvPicPr>
-            <a:picLocks noGrp="1" noChangeAspect="1"/>
-          </p:cNvPicPr>
-          <p:nvPr/>
-        </p:nvPicPr>
-        <p:blipFill>
-          <a:blip r:embed="rId2"/>
-          <a:stretch>
-            <a:fillRect/>
-          </a:stretch>
-        </p:blipFill>
-        <p:spPr bwMode="auto">
-          <a:xfrm>
-            <a:off x="1193800" y="2057400"/>
-            <a:ext cx="6731000" cy="4038600"/>
-          </a:xfrm>
-          <a:prstGeom prst="rect">
-            <a:avLst/>
-          </a:prstGeom>
-          <a:noFill/>
-          <a:ln w="9525">
-            <a:noFill/>
-            <a:headEnd/>
-            <a:tailEnd/>
-          </a:ln>
-        </p:spPr>
-      </p:pic>
-    </p:spTree>
-  </p:cSld>
+  <p:clrMapOvr>
+    <a:masterClrMapping/>
+  </p:clrMapOvr>
 </p:sld>
 </file>
 
@@ -7787,36 +13470,11 @@
           <a:bodyPr/>
           <a:lstStyle/>
           <a:p>
-            <a:pPr lvl="0" marL="0" indent="0">
+            <a:pPr marL="0" lvl="0" indent="0">
               <a:buNone/>
             </a:pPr>
             <a:r>
-              <a:rPr/>
-              <a:t>The</a:t>
-            </a:r>
-            <a:r>
-              <a:rPr/>
-              <a:t> </a:t>
-            </a:r>
-            <a:r>
-              <a:rPr/>
-              <a:t>Promise</a:t>
-            </a:r>
-            <a:r>
-              <a:rPr/>
-              <a:t> </a:t>
-            </a:r>
-            <a:r>
-              <a:rPr/>
-              <a:t>of</a:t>
-            </a:r>
-            <a:r>
-              <a:rPr/>
-              <a:t> </a:t>
-            </a:r>
-            <a:r>
-              <a:rPr/>
-              <a:t>AI</a:t>
+              <a:t>That Promise …</a:t>
             </a:r>
           </a:p>
         </p:txBody>
@@ -7836,738 +13494,20 @@
           <a:bodyPr/>
           <a:lstStyle/>
           <a:p>
-            <a:pPr lvl="1"/>
-            <a:r>
-              <a:rPr/>
-              <a:t>Automation forces humans to adapt, we serve.</a:t>
-            </a:r>
-          </a:p>
-          <a:p>
-            <a:pPr lvl="1"/>
-            <a:r>
-              <a:rPr/>
-              <a:t>We can only automate by systemizing and controlling environment.</a:t>
-            </a:r>
-          </a:p>
-          <a:p>
-            <a:pPr lvl="1"/>
-            <a:r>
-              <a:rPr/>
-              <a:t>AI promises to be first wave of automation that adapts to us rather than us to it.</a:t>
+            <a:pPr marL="0" lvl="0" indent="0">
+              <a:buNone/>
+            </a:pPr>
+            <a:r>
+              <a:t>… will remain unfulfilled with current systems design.</a:t>
             </a:r>
           </a:p>
         </p:txBody>
       </p:sp>
     </p:spTree>
   </p:cSld>
-</p:sld>
-</file>
-
-<file path=ppt/slides/slide30.xml><?xml version="1.0" encoding="utf-8"?>
-<p:sld xmlns:a="http://schemas.openxmlformats.org/drawingml/2006/main" xmlns:r="http://schemas.openxmlformats.org/officeDocument/2006/relationships" xmlns:p="http://schemas.openxmlformats.org/presentationml/2006/main">
-  <p:cSld>
-    <p:spTree>
-      <p:nvGrpSpPr>
-        <p:cNvPr id="1" name=""/>
-        <p:cNvGrpSpPr/>
-        <p:nvPr/>
-      </p:nvGrpSpPr>
-      <p:grpSpPr>
-        <a:xfrm>
-          <a:off x="0" y="0"/>
-          <a:ext cx="0" cy="0"/>
-          <a:chOff x="0" y="0"/>
-          <a:chExt cx="0" cy="0"/>
-        </a:xfrm>
-      </p:grpSpPr>
-      <p:pic>
-        <p:nvPicPr>
-          <p:cNvPr descr="../slides/diagrams/gp/gp_rejection_sample004.png" id="0" name="Picture 1"/>
-          <p:cNvPicPr>
-            <a:picLocks noGrp="1" noChangeAspect="1"/>
-          </p:cNvPicPr>
-          <p:nvPr/>
-        </p:nvPicPr>
-        <p:blipFill>
-          <a:blip r:embed="rId2"/>
-          <a:stretch>
-            <a:fillRect/>
-          </a:stretch>
-        </p:blipFill>
-        <p:spPr bwMode="auto">
-          <a:xfrm>
-            <a:off x="1193800" y="2057400"/>
-            <a:ext cx="6731000" cy="4038600"/>
-          </a:xfrm>
-          <a:prstGeom prst="rect">
-            <a:avLst/>
-          </a:prstGeom>
-          <a:noFill/>
-          <a:ln w="9525">
-            <a:noFill/>
-            <a:headEnd/>
-            <a:tailEnd/>
-          </a:ln>
-        </p:spPr>
-      </p:pic>
-    </p:spTree>
-  </p:cSld>
-</p:sld>
-</file>
-
-<file path=ppt/slides/slide31.xml><?xml version="1.0" encoding="utf-8"?>
-<p:sld xmlns:a="http://schemas.openxmlformats.org/drawingml/2006/main" xmlns:r="http://schemas.openxmlformats.org/officeDocument/2006/relationships" xmlns:p="http://schemas.openxmlformats.org/presentationml/2006/main">
-  <p:cSld>
-    <p:spTree>
-      <p:nvGrpSpPr>
-        <p:cNvPr id="1" name=""/>
-        <p:cNvGrpSpPr/>
-        <p:nvPr/>
-      </p:nvGrpSpPr>
-      <p:grpSpPr>
-        <a:xfrm>
-          <a:off x="0" y="0"/>
-          <a:ext cx="0" cy="0"/>
-          <a:chOff x="0" y="0"/>
-          <a:chExt cx="0" cy="0"/>
-        </a:xfrm>
-      </p:grpSpPr>
-      <p:pic>
-        <p:nvPicPr>
-          <p:cNvPr descr="../slides/diagrams/gp/gp_rejection_sample005.png" id="0" name="Picture 1"/>
-          <p:cNvPicPr>
-            <a:picLocks noGrp="1" noChangeAspect="1"/>
-          </p:cNvPicPr>
-          <p:nvPr/>
-        </p:nvPicPr>
-        <p:blipFill>
-          <a:blip r:embed="rId2"/>
-          <a:stretch>
-            <a:fillRect/>
-          </a:stretch>
-        </p:blipFill>
-        <p:spPr bwMode="auto">
-          <a:xfrm>
-            <a:off x="1193800" y="2057400"/>
-            <a:ext cx="6731000" cy="4038600"/>
-          </a:xfrm>
-          <a:prstGeom prst="rect">
-            <a:avLst/>
-          </a:prstGeom>
-          <a:noFill/>
-          <a:ln w="9525">
-            <a:noFill/>
-            <a:headEnd/>
-            <a:tailEnd/>
-          </a:ln>
-        </p:spPr>
-      </p:pic>
-    </p:spTree>
-  </p:cSld>
-</p:sld>
-</file>
-
-<file path=ppt/slides/slide32.xml><?xml version="1.0" encoding="utf-8"?>
-<p:sld xmlns:a="http://schemas.openxmlformats.org/drawingml/2006/main" xmlns:r="http://schemas.openxmlformats.org/officeDocument/2006/relationships" xmlns:p="http://schemas.openxmlformats.org/presentationml/2006/main">
-  <p:cSld>
-    <p:spTree>
-      <p:nvGrpSpPr>
-        <p:cNvPr id="1" name=""/>
-        <p:cNvGrpSpPr/>
-        <p:nvPr/>
-      </p:nvGrpSpPr>
-      <p:grpSpPr>
-        <a:xfrm>
-          <a:off x="0" y="0"/>
-          <a:ext cx="0" cy="0"/>
-          <a:chOff x="0" y="0"/>
-          <a:chExt cx="0" cy="0"/>
-        </a:xfrm>
-      </p:grpSpPr>
-      <p:sp>
-        <p:nvSpPr>
-          <p:cNvPr id="2" name="Title 1"/>
-          <p:cNvSpPr>
-            <a:spLocks noGrp="1"/>
-          </p:cNvSpPr>
-          <p:nvPr>
-            <p:ph type="title"/>
-          </p:nvPr>
-        </p:nvSpPr>
-        <p:spPr/>
-        <p:txBody>
-          <a:bodyPr/>
-          <a:lstStyle/>
-          <a:p>
-            <a:pPr lvl="0" marL="0" indent="0">
-              <a:buNone/>
-            </a:pPr>
-            <a:r>
-              <a:rPr/>
-              <a:t>Deep</a:t>
-            </a:r>
-            <a:r>
-              <a:rPr/>
-              <a:t> </a:t>
-            </a:r>
-            <a:r>
-              <a:rPr/>
-              <a:t>Emulation</a:t>
-            </a:r>
-          </a:p>
-        </p:txBody>
-      </p:sp>
-      <p:pic>
-        <p:nvPicPr>
-          <p:cNvPr descr="../slides/diagrams/ai/ml-system-downstream-rider-allocation000.emf" id="0" name="Picture 1"/>
-          <p:cNvPicPr>
-            <a:picLocks noGrp="1" noChangeAspect="1"/>
-          </p:cNvPicPr>
-          <p:nvPr/>
-        </p:nvPicPr>
-        <p:blipFill>
-          <a:blip r:embed="rId2"/>
-          <a:stretch>
-            <a:fillRect/>
-          </a:stretch>
-        </p:blipFill>
-        <p:spPr bwMode="auto">
-          <a:xfrm>
-            <a:off x="2019300" y="2057400"/>
-            <a:ext cx="5105400" cy="4038600"/>
-          </a:xfrm>
-          <a:prstGeom prst="rect">
-            <a:avLst/>
-          </a:prstGeom>
-          <a:noFill/>
-          <a:ln w="9525">
-            <a:noFill/>
-            <a:headEnd/>
-            <a:tailEnd/>
-          </a:ln>
-        </p:spPr>
-      </p:pic>
-    </p:spTree>
-  </p:cSld>
-</p:sld>
-</file>
-
-<file path=ppt/slides/slide33.xml><?xml version="1.0" encoding="utf-8"?>
-<p:sld xmlns:a="http://schemas.openxmlformats.org/drawingml/2006/main" xmlns:r="http://schemas.openxmlformats.org/officeDocument/2006/relationships" xmlns:p="http://schemas.openxmlformats.org/presentationml/2006/main">
-  <p:cSld>
-    <p:spTree>
-      <p:nvGrpSpPr>
-        <p:cNvPr id="1" name=""/>
-        <p:cNvGrpSpPr/>
-        <p:nvPr/>
-      </p:nvGrpSpPr>
-      <p:grpSpPr>
-        <a:xfrm>
-          <a:off x="0" y="0"/>
-          <a:ext cx="0" cy="0"/>
-          <a:chOff x="0" y="0"/>
-          <a:chExt cx="0" cy="0"/>
-        </a:xfrm>
-      </p:grpSpPr>
-      <p:sp>
-        <p:nvSpPr>
-          <p:cNvPr id="2" name="Title 1"/>
-          <p:cNvSpPr>
-            <a:spLocks noGrp="1"/>
-          </p:cNvSpPr>
-          <p:nvPr>
-            <p:ph type="title"/>
-          </p:nvPr>
-        </p:nvSpPr>
-        <p:spPr/>
-        <p:txBody>
-          <a:bodyPr/>
-          <a:lstStyle/>
-          <a:p>
-            <a:pPr lvl="0" marL="0" indent="0">
-              <a:buNone/>
-            </a:pPr>
-            <a:r>
-              <a:rPr/>
-              <a:t>Deep</a:t>
-            </a:r>
-            <a:r>
-              <a:rPr/>
-              <a:t> </a:t>
-            </a:r>
-            <a:r>
-              <a:rPr/>
-              <a:t>Emulation</a:t>
-            </a:r>
-          </a:p>
-        </p:txBody>
-      </p:sp>
-      <p:pic>
-        <p:nvPicPr>
-          <p:cNvPr descr="../slides/diagrams/ai/ml-system-downstream-rider-allocation001.emf" id="0" name="Picture 1"/>
-          <p:cNvPicPr>
-            <a:picLocks noGrp="1" noChangeAspect="1"/>
-          </p:cNvPicPr>
-          <p:nvPr/>
-        </p:nvPicPr>
-        <p:blipFill>
-          <a:blip r:embed="rId2"/>
-          <a:stretch>
-            <a:fillRect/>
-          </a:stretch>
-        </p:blipFill>
-        <p:spPr bwMode="auto">
-          <a:xfrm>
-            <a:off x="2019300" y="2057400"/>
-            <a:ext cx="5105400" cy="4038600"/>
-          </a:xfrm>
-          <a:prstGeom prst="rect">
-            <a:avLst/>
-          </a:prstGeom>
-          <a:noFill/>
-          <a:ln w="9525">
-            <a:noFill/>
-            <a:headEnd/>
-            <a:tailEnd/>
-          </a:ln>
-        </p:spPr>
-      </p:pic>
-    </p:spTree>
-  </p:cSld>
-</p:sld>
-</file>
-
-<file path=ppt/slides/slide34.xml><?xml version="1.0" encoding="utf-8"?>
-<p:sld xmlns:a="http://schemas.openxmlformats.org/drawingml/2006/main" xmlns:r="http://schemas.openxmlformats.org/officeDocument/2006/relationships" xmlns:p="http://schemas.openxmlformats.org/presentationml/2006/main">
-  <p:cSld>
-    <p:spTree>
-      <p:nvGrpSpPr>
-        <p:cNvPr id="1" name=""/>
-        <p:cNvGrpSpPr/>
-        <p:nvPr/>
-      </p:nvGrpSpPr>
-      <p:grpSpPr>
-        <a:xfrm>
-          <a:off x="0" y="0"/>
-          <a:ext cx="0" cy="0"/>
-          <a:chOff x="0" y="0"/>
-          <a:chExt cx="0" cy="0"/>
-        </a:xfrm>
-      </p:grpSpPr>
-      <p:sp>
-        <p:nvSpPr>
-          <p:cNvPr id="2" name="Title 1"/>
-          <p:cNvSpPr>
-            <a:spLocks noGrp="1"/>
-          </p:cNvSpPr>
-          <p:nvPr>
-            <p:ph type="title"/>
-          </p:nvPr>
-        </p:nvSpPr>
-        <p:spPr/>
-        <p:txBody>
-          <a:bodyPr/>
-          <a:lstStyle/>
-          <a:p>
-            <a:pPr lvl="0" marL="0" indent="0">
-              <a:buNone/>
-            </a:pPr>
-            <a:r>
-              <a:rPr/>
-              <a:t>Deep</a:t>
-            </a:r>
-            <a:r>
-              <a:rPr/>
-              <a:t> </a:t>
-            </a:r>
-            <a:r>
-              <a:rPr/>
-              <a:t>Emulation</a:t>
-            </a:r>
-          </a:p>
-        </p:txBody>
-      </p:sp>
-      <p:pic>
-        <p:nvPicPr>
-          <p:cNvPr descr="../slides/diagrams/ai/ml-system-downstream-rider-allocation.emf" id="0" name="Picture 1"/>
-          <p:cNvPicPr>
-            <a:picLocks noGrp="1" noChangeAspect="1"/>
-          </p:cNvPicPr>
-          <p:nvPr/>
-        </p:nvPicPr>
-        <p:blipFill>
-          <a:blip r:embed="rId2"/>
-          <a:stretch>
-            <a:fillRect/>
-          </a:stretch>
-        </p:blipFill>
-        <p:spPr bwMode="auto">
-          <a:xfrm>
-            <a:off x="2019300" y="2057400"/>
-            <a:ext cx="5105400" cy="4038600"/>
-          </a:xfrm>
-          <a:prstGeom prst="rect">
-            <a:avLst/>
-          </a:prstGeom>
-          <a:noFill/>
-          <a:ln w="9525">
-            <a:noFill/>
-            <a:headEnd/>
-            <a:tailEnd/>
-          </a:ln>
-        </p:spPr>
-      </p:pic>
-    </p:spTree>
-  </p:cSld>
-</p:sld>
-</file>
-
-<file path=ppt/slides/slide35.xml><?xml version="1.0" encoding="utf-8"?>
-<p:sld xmlns:a="http://schemas.openxmlformats.org/drawingml/2006/main" xmlns:r="http://schemas.openxmlformats.org/officeDocument/2006/relationships" xmlns:p="http://schemas.openxmlformats.org/presentationml/2006/main">
-  <p:cSld>
-    <p:spTree>
-      <p:nvGrpSpPr>
-        <p:cNvPr id="1" name=""/>
-        <p:cNvGrpSpPr/>
-        <p:nvPr/>
-      </p:nvGrpSpPr>
-      <p:grpSpPr>
-        <a:xfrm>
-          <a:off x="0" y="0"/>
-          <a:ext cx="0" cy="0"/>
-          <a:chOff x="0" y="0"/>
-          <a:chExt cx="0" cy="0"/>
-        </a:xfrm>
-      </p:grpSpPr>
-      <p:sp>
-        <p:nvSpPr>
-          <p:cNvPr id="2" name="Title 1"/>
-          <p:cNvSpPr>
-            <a:spLocks noGrp="1"/>
-          </p:cNvSpPr>
-          <p:nvPr>
-            <p:ph type="title"/>
-          </p:nvPr>
-        </p:nvSpPr>
-        <p:spPr/>
-        <p:txBody>
-          <a:bodyPr/>
-          <a:lstStyle/>
-          <a:p>
-            <a:pPr lvl="0" marL="0" indent="0">
-              <a:buNone/>
-            </a:pPr>
-            <a:r>
-              <a:rPr/>
-              <a:t>Emulation</a:t>
-            </a:r>
-          </a:p>
-        </p:txBody>
-      </p:sp>
-      <p:pic>
-        <p:nvPicPr>
-          <p:cNvPr descr="../slides/diagrams/uq/statistical-emulation004.emf" id="0" name="Picture 1"/>
-          <p:cNvPicPr>
-            <a:picLocks noGrp="1" noChangeAspect="1"/>
-          </p:cNvPicPr>
-          <p:nvPr/>
-        </p:nvPicPr>
-        <p:blipFill>
-          <a:blip r:embed="rId2"/>
-          <a:stretch>
-            <a:fillRect/>
-          </a:stretch>
-        </p:blipFill>
-        <p:spPr bwMode="auto">
-          <a:xfrm>
-            <a:off x="1714500" y="2057400"/>
-            <a:ext cx="5715000" cy="4038600"/>
-          </a:xfrm>
-          <a:prstGeom prst="rect">
-            <a:avLst/>
-          </a:prstGeom>
-          <a:noFill/>
-          <a:ln w="9525">
-            <a:noFill/>
-            <a:headEnd/>
-            <a:tailEnd/>
-          </a:ln>
-        </p:spPr>
-      </p:pic>
-    </p:spTree>
-  </p:cSld>
-</p:sld>
-</file>
-
-<file path=ppt/slides/slide36.xml><?xml version="1.0" encoding="utf-8"?>
-<p:sld xmlns:a="http://schemas.openxmlformats.org/drawingml/2006/main" xmlns:r="http://schemas.openxmlformats.org/officeDocument/2006/relationships" xmlns:p="http://schemas.openxmlformats.org/presentationml/2006/main">
-  <p:cSld>
-    <p:spTree>
-      <p:nvGrpSpPr>
-        <p:cNvPr id="1" name=""/>
-        <p:cNvGrpSpPr/>
-        <p:nvPr/>
-      </p:nvGrpSpPr>
-      <p:grpSpPr>
-        <a:xfrm>
-          <a:off x="0" y="0"/>
-          <a:ext cx="0" cy="0"/>
-          <a:chOff x="0" y="0"/>
-          <a:chExt cx="0" cy="0"/>
-        </a:xfrm>
-      </p:grpSpPr>
-      <p:sp>
-        <p:nvSpPr>
-          <p:cNvPr id="2" name="Title 1"/>
-          <p:cNvSpPr>
-            <a:spLocks noGrp="1"/>
-          </p:cNvSpPr>
-          <p:nvPr>
-            <p:ph type="title"/>
-          </p:nvPr>
-        </p:nvSpPr>
-        <p:spPr/>
-        <p:txBody>
-          <a:bodyPr/>
-          <a:lstStyle/>
-          <a:p>
-            <a:pPr lvl="0" marL="0" indent="0">
-              <a:buNone/>
-            </a:pPr>
-            <a:r>
-              <a:rPr/>
-              <a:t>Conclusion</a:t>
-            </a:r>
-          </a:p>
-        </p:txBody>
-      </p:sp>
-      <p:sp>
-        <p:nvSpPr>
-          <p:cNvPr id="3" name="Content Placeholder 2"/>
-          <p:cNvSpPr>
-            <a:spLocks noGrp="1"/>
-          </p:cNvSpPr>
-          <p:nvPr>
-            <p:ph idx="1"/>
-          </p:nvPr>
-        </p:nvSpPr>
-        <p:spPr/>
-        <p:txBody>
-          <a:bodyPr/>
-          <a:lstStyle/>
-          <a:p>
-            <a:pPr lvl="1"/>
-            <a:r>
-              <a:rPr/>
-              <a:t>AI is fundamentally ML System Design</a:t>
-            </a:r>
-          </a:p>
-          <a:p>
-            <a:pPr lvl="1"/>
-            <a:r>
-              <a:rPr/>
-              <a:t>We are not ready to deploy automation in uncontrolled environments.</a:t>
-            </a:r>
-          </a:p>
-          <a:p>
-            <a:pPr lvl="1"/>
-            <a:r>
-              <a:rPr/>
-              <a:t>Until we can monitoring and update will be key.</a:t>
-            </a:r>
-          </a:p>
-        </p:txBody>
-      </p:sp>
-    </p:spTree>
-  </p:cSld>
-</p:sld>
-</file>
-
-<file path=ppt/slides/slide37.xml><?xml version="1.0" encoding="utf-8"?>
-<p:sld xmlns:a="http://schemas.openxmlformats.org/drawingml/2006/main" xmlns:r="http://schemas.openxmlformats.org/officeDocument/2006/relationships" xmlns:p="http://schemas.openxmlformats.org/presentationml/2006/main">
-  <p:cSld>
-    <p:spTree>
-      <p:nvGrpSpPr>
-        <p:cNvPr id="1" name=""/>
-        <p:cNvGrpSpPr/>
-        <p:nvPr/>
-      </p:nvGrpSpPr>
-      <p:grpSpPr>
-        <a:xfrm>
-          <a:off x="0" y="0"/>
-          <a:ext cx="0" cy="0"/>
-          <a:chOff x="0" y="0"/>
-          <a:chExt cx="0" cy="0"/>
-        </a:xfrm>
-      </p:grpSpPr>
-      <p:sp>
-        <p:nvSpPr>
-          <p:cNvPr id="2" name="Title 1"/>
-          <p:cNvSpPr>
-            <a:spLocks noGrp="1"/>
-          </p:cNvSpPr>
-          <p:nvPr>
-            <p:ph type="title"/>
-          </p:nvPr>
-        </p:nvSpPr>
-        <p:spPr/>
-        <p:txBody>
-          <a:bodyPr/>
-          <a:lstStyle/>
-          <a:p>
-            <a:pPr lvl="0" marL="0" indent="0">
-              <a:buNone/>
-            </a:pPr>
-            <a:r>
-              <a:rPr/>
-              <a:t>Thanks!</a:t>
-            </a:r>
-          </a:p>
-        </p:txBody>
-      </p:sp>
-      <p:sp>
-        <p:nvSpPr>
-          <p:cNvPr id="3" name="Content Placeholder 2"/>
-          <p:cNvSpPr>
-            <a:spLocks noGrp="1"/>
-          </p:cNvSpPr>
-          <p:nvPr>
-            <p:ph idx="1"/>
-          </p:nvPr>
-        </p:nvSpPr>
-        <p:spPr/>
-        <p:txBody>
-          <a:bodyPr/>
-          <a:lstStyle/>
-          <a:p>
-            <a:pPr lvl="1"/>
-            <a:r>
-              <a:rPr/>
-              <a:t>twitter: </a:t>
-            </a:r>
-            <a:r>
-              <a:rPr>
-                <a:hlinkClick r:id="rId2"/>
-              </a:rPr>
-              <a:t>@lawrennd</a:t>
-            </a:r>
-          </a:p>
-          <a:p>
-            <a:pPr lvl="1"/>
-            <a:r>
-              <a:rPr/>
-              <a:t>podcast: </a:t>
-            </a:r>
-            <a:r>
-              <a:rPr>
-                <a:hlinkClick r:id="rId3"/>
-              </a:rPr>
-              <a:t>The Talking Machines</a:t>
-            </a:r>
-          </a:p>
-          <a:p>
-            <a:pPr lvl="1"/>
-            <a:r>
-              <a:rPr/>
-              <a:t>newspaper: </a:t>
-            </a:r>
-            <a:r>
-              <a:rPr>
-                <a:hlinkClick r:id="rId4"/>
-              </a:rPr>
-              <a:t>Guardian Profile Page</a:t>
-            </a:r>
-          </a:p>
-          <a:p>
-            <a:pPr lvl="1"/>
-            <a:r>
-              <a:rPr/>
-              <a:t>Blog post on </a:t>
-            </a:r>
-            <a:r>
-              <a:rPr>
-                <a:hlinkClick r:id="rId5"/>
-              </a:rPr>
-              <a:t>Natural and Artificial Intelligence</a:t>
-            </a:r>
-          </a:p>
-          <a:p>
-            <a:pPr lvl="1"/>
-            <a:r>
-              <a:rPr/>
-              <a:t>Blog post on </a:t>
-            </a:r>
-            <a:r>
-              <a:rPr>
-                <a:hlinkClick r:id="rId6"/>
-              </a:rPr>
-              <a:t>Decision Making and Diversity</a:t>
-            </a:r>
-          </a:p>
-          <a:p>
-            <a:pPr lvl="1"/>
-            <a:r>
-              <a:rPr/>
-              <a:t>Blog post on </a:t>
-            </a:r>
-            <a:r>
-              <a:rPr>
-                <a:hlinkClick r:id="rId7"/>
-              </a:rPr>
-              <a:t>Natural vs Artifical Intelligence</a:t>
-            </a:r>
-          </a:p>
-        </p:txBody>
-      </p:sp>
-    </p:spTree>
-  </p:cSld>
-</p:sld>
-</file>
-
-<file path=ppt/slides/slide38.xml><?xml version="1.0" encoding="utf-8"?>
-<p:sld xmlns:a="http://schemas.openxmlformats.org/drawingml/2006/main" xmlns:r="http://schemas.openxmlformats.org/officeDocument/2006/relationships" xmlns:p="http://schemas.openxmlformats.org/presentationml/2006/main">
-  <p:cSld>
-    <p:spTree>
-      <p:nvGrpSpPr>
-        <p:cNvPr id="1" name=""/>
-        <p:cNvGrpSpPr/>
-        <p:nvPr/>
-      </p:nvGrpSpPr>
-      <p:grpSpPr>
-        <a:xfrm>
-          <a:off x="0" y="0"/>
-          <a:ext cx="0" cy="0"/>
-          <a:chOff x="0" y="0"/>
-          <a:chExt cx="0" cy="0"/>
-        </a:xfrm>
-      </p:grpSpPr>
-      <p:sp>
-        <p:nvSpPr>
-          <p:cNvPr id="2" name="Title 1"/>
-          <p:cNvSpPr>
-            <a:spLocks noGrp="1"/>
-          </p:cNvSpPr>
-          <p:nvPr>
-            <p:ph type="title"/>
-          </p:nvPr>
-        </p:nvSpPr>
-        <p:spPr/>
-        <p:txBody>
-          <a:bodyPr/>
-          <a:lstStyle/>
-          <a:p>
-            <a:pPr lvl="0" marL="0" indent="0">
-              <a:buNone/>
-            </a:pPr>
-            <a:r>
-              <a:rPr/>
-              <a:t>References</a:t>
-            </a:r>
-          </a:p>
-        </p:txBody>
-      </p:sp>
-    </p:spTree>
-  </p:cSld>
+  <p:clrMapOvr>
+    <a:masterClrMapping/>
+  </p:clrMapOvr>
 </p:sld>
 </file>
 
@@ -8603,28 +13543,11 @@
           <a:bodyPr/>
           <a:lstStyle/>
           <a:p>
-            <a:pPr lvl="0" marL="0" indent="0">
+            <a:pPr marL="0" lvl="0" indent="0">
               <a:buNone/>
             </a:pPr>
             <a:r>
-              <a:rPr/>
-              <a:t>That</a:t>
-            </a:r>
-            <a:r>
-              <a:rPr/>
-              <a:t> </a:t>
-            </a:r>
-            <a:r>
-              <a:rPr/>
-              <a:t>Promise</a:t>
-            </a:r>
-            <a:r>
-              <a:rPr/>
-              <a:t> </a:t>
-            </a:r>
-            <a:r>
-              <a:rPr/>
-              <a:t>…</a:t>
+              <a:t>Artificial vs Natural Systems</a:t>
             </a:r>
           </a:p>
         </p:txBody>
@@ -8644,18 +13567,55 @@
           <a:bodyPr/>
           <a:lstStyle/>
           <a:p>
-            <a:pPr lvl="0" marL="0" indent="0">
-              <a:buNone/>
-            </a:pPr>
-            <a:r>
-              <a:rPr/>
-              <a:t>… will remain unfulfilled with current systems design.</a:t>
+            <a:pPr lvl="1"/>
+            <a:r>
+              <a:t>Consider natural intelligence, or natural </a:t>
+            </a:r>
+            <a:r>
+              <a:rPr i="1"/>
+              <a:t>systems</a:t>
+            </a:r>
+          </a:p>
+          <a:p>
+            <a:pPr lvl="1"/>
+            <a:r>
+              <a:t>Contrast between an artificial </a:t>
+            </a:r>
+            <a:r>
+              <a:rPr i="1"/>
+              <a:t>system</a:t>
+            </a:r>
+            <a:r>
+              <a:t> and an natural system.</a:t>
+            </a:r>
+          </a:p>
+          <a:p>
+            <a:pPr lvl="1"/>
+            <a:r>
+              <a:t>The key difference between the two is that artificial systems are </a:t>
+            </a:r>
+            <a:r>
+              <a:rPr i="1"/>
+              <a:t>designed</a:t>
+            </a:r>
+            <a:r>
+              <a:t> whereas natural systems are </a:t>
+            </a:r>
+            <a:r>
+              <a:rPr i="1"/>
+              <a:t>evolved</a:t>
+            </a:r>
+            <a:r>
+              <a:t>.</a:t>
             </a:r>
           </a:p>
         </p:txBody>
       </p:sp>
     </p:spTree>
   </p:cSld>
+  <p:clrMapOvr>
+    <a:masterClrMapping/>
+  </p:clrMapOvr>
 </p:sld>
 </file>
 
@@ -8691,36 +13651,11 @@
           <a:bodyPr/>
           <a:lstStyle/>
           <a:p>
-            <a:pPr lvl="0" marL="0" indent="0">
+            <a:pPr marL="0" lvl="0" indent="0">
               <a:buNone/>
             </a:pPr>
             <a:r>
-              <a:rPr/>
-              <a:t>Artificial</a:t>
-            </a:r>
-            <a:r>
-              <a:rPr/>
-              <a:t> </a:t>
-            </a:r>
-            <a:r>
-              <a:rPr/>
-              <a:t>vs</a:t>
-            </a:r>
-            <a:r>
-              <a:rPr/>
-              <a:t> </a:t>
-            </a:r>
-            <a:r>
-              <a:rPr/>
-              <a:t>Natural</a:t>
-            </a:r>
-            <a:r>
-              <a:rPr/>
-              <a:t> </a:t>
-            </a:r>
-            <a:r>
-              <a:rPr/>
-              <a:t>Systems</a:t>
+              <a:t>Natural Systems are Evolved</a:t>
             </a:r>
           </a:p>
         </p:txBody>
@@ -8740,58 +13675,30 @@
           <a:bodyPr/>
           <a:lstStyle/>
           <a:p>
-            <a:pPr lvl="1"/>
-            <a:r>
-              <a:rPr/>
-              <a:t>Consider natural intelligence, or natural </a:t>
-            </a:r>
-            <a:r>
-              <a:rPr i="1"/>
-              <a:t>systems</a:t>
-            </a:r>
-          </a:p>
-          <a:p>
-            <a:pPr lvl="1"/>
-            <a:r>
-              <a:rPr/>
-              <a:t>Contrast between an artificial </a:t>
-            </a:r>
-            <a:r>
-              <a:rPr i="1"/>
-              <a:t>system</a:t>
-            </a:r>
-            <a:r>
-              <a:rPr/>
-              <a:t> and an natural system.</a:t>
-            </a:r>
-          </a:p>
-          <a:p>
-            <a:pPr lvl="1"/>
-            <a:r>
-              <a:rPr/>
-              <a:t>The key difference between the two is that artificial systems are </a:t>
-            </a:r>
-            <a:r>
-              <a:rPr i="1"/>
-              <a:t>designed</a:t>
-            </a:r>
-            <a:r>
-              <a:rPr/>
-              <a:t> whereas natural systems are </a:t>
-            </a:r>
-            <a:r>
-              <a:rPr i="1"/>
-              <a:t>evolved</a:t>
-            </a:r>
-            <a:r>
-              <a:rPr/>
-              <a:t>.</a:t>
+            <a:pPr marL="1270000" lvl="0" indent="0">
+              <a:buNone/>
+            </a:pPr>
+            <a:r>
+              <a:rPr sz="2000"/>
+              <a:t>Survival of the fittest</a:t>
+            </a:r>
+          </a:p>
+          <a:p>
+            <a:pPr marL="1270000" lvl="0" indent="0">
+              <a:buNone/>
+            </a:pPr>
+            <a:r>
+              <a:rPr sz="2000"/>
+              <a:t>?</a:t>
             </a:r>
           </a:p>
         </p:txBody>
       </p:sp>
     </p:spTree>
   </p:cSld>
+  <p:clrMapOvr>
+    <a:masterClrMapping/>
+  </p:clrMapOvr>
 </p:sld>
 </file>
 
@@ -8827,36 +13734,11 @@
           <a:bodyPr/>
           <a:lstStyle/>
           <a:p>
-            <a:pPr lvl="0" marL="0" indent="0">
+            <a:pPr marL="0" lvl="0" indent="0">
               <a:buNone/>
             </a:pPr>
             <a:r>
-              <a:rPr/>
-              <a:t>Natural</a:t>
-            </a:r>
-            <a:r>
-              <a:rPr/>
-              <a:t> </a:t>
-            </a:r>
-            <a:r>
-              <a:rPr/>
-              <a:t>Systems</a:t>
-            </a:r>
-            <a:r>
-              <a:rPr/>
-              <a:t> </a:t>
-            </a:r>
-            <a:r>
-              <a:rPr/>
-              <a:t>are</a:t>
-            </a:r>
-            <a:r>
-              <a:rPr/>
-              <a:t> </a:t>
-            </a:r>
-            <a:r>
-              <a:rPr/>
-              <a:t>Evolved</a:t>
+              <a:t>Natural Systems are Evolved</a:t>
             </a:r>
           </a:p>
         </p:txBody>
@@ -8876,7 +13758,7 @@
           <a:bodyPr/>
           <a:lstStyle/>
           <a:p>
-            <a:pPr lvl="0" marL="1270000" indent="0">
+            <a:pPr marL="1270000" lvl="0" indent="0">
               <a:buNone/>
             </a:pPr>
             <a:r>
@@ -8885,18 +13767,27 @@
             </a:r>
           </a:p>
           <a:p>
-            <a:pPr lvl="0" marL="1270000" indent="0">
+            <a:pPr marL="1270000" lvl="0" indent="0">
               <a:buNone/>
             </a:pPr>
             <a:r>
+              <a:rPr sz="2000">
+                <a:hlinkClick r:id="rId2"/>
+              </a:rPr>
+              <a:t>Herbet Spencer</a:t>
+            </a:r>
+            <a:r>
               <a:rPr sz="2000"/>
-              <a:t>?</a:t>
+              <a:t>, 1864</a:t>
             </a:r>
           </a:p>
         </p:txBody>
       </p:sp>
     </p:spTree>
   </p:cSld>
+  <p:clrMapOvr>
+    <a:masterClrMapping/>
+  </p:clrMapOvr>
 </p:sld>
 </file>
 
@@ -8932,36 +13823,11 @@
           <a:bodyPr/>
           <a:lstStyle/>
           <a:p>
-            <a:pPr lvl="0" marL="0" indent="0">
+            <a:pPr marL="0" lvl="0" indent="0">
               <a:buNone/>
             </a:pPr>
             <a:r>
-              <a:rPr/>
-              <a:t>Natural</a:t>
-            </a:r>
-            <a:r>
-              <a:rPr/>
-              <a:t> </a:t>
-            </a:r>
-            <a:r>
-              <a:rPr/>
-              <a:t>Systems</a:t>
-            </a:r>
-            <a:r>
-              <a:rPr/>
-              <a:t> </a:t>
-            </a:r>
-            <a:r>
-              <a:rPr/>
-              <a:t>are</a:t>
-            </a:r>
-            <a:r>
-              <a:rPr/>
-              <a:t> </a:t>
-            </a:r>
-            <a:r>
-              <a:rPr/>
-              <a:t>Evolved</a:t>
+              <a:t>Natural Systems are Evolved</a:t>
             </a:r>
           </a:p>
         </p:txBody>
@@ -8981,33 +13847,21 @@
           <a:bodyPr/>
           <a:lstStyle/>
           <a:p>
-            <a:pPr lvl="0" marL="1270000" indent="0">
+            <a:pPr marL="1270000" lvl="0" indent="0">
               <a:buNone/>
             </a:pPr>
             <a:r>
               <a:rPr sz="2000"/>
-              <a:t>Survival of the fittest</a:t>
-            </a:r>
-          </a:p>
-          <a:p>
-            <a:pPr lvl="0" marL="1270000" indent="0">
-              <a:buNone/>
-            </a:pPr>
-            <a:r>
-              <a:rPr sz="2000">
-                <a:hlinkClick r:id="rId2"/>
-              </a:rPr>
-              <a:t>Herbet Spencer</a:t>
-            </a:r>
-            <a:r>
-              <a:rPr sz="2000"/>
-              <a:t>, 1864</a:t>
+              <a:t>Non-survival of the non-fit</a:t>
             </a:r>
           </a:p>
         </p:txBody>
       </p:sp>
     </p:spTree>
   </p:cSld>
+  <p:clrMapOvr>
+    <a:masterClrMapping/>
+  </p:clrMapOvr>
 </p:sld>
 </file>
 
@@ -9043,36 +13897,11 @@
           <a:bodyPr/>
           <a:lstStyle/>
           <a:p>
-            <a:pPr lvl="0" marL="0" indent="0">
+            <a:pPr marL="0" lvl="0" indent="0">
               <a:buNone/>
             </a:pPr>
             <a:r>
-              <a:rPr/>
-              <a:t>Natural</a:t>
-            </a:r>
-            <a:r>
-              <a:rPr/>
-              <a:t> </a:t>
-            </a:r>
-            <a:r>
-              <a:rPr/>
-              <a:t>Systems</a:t>
-            </a:r>
-            <a:r>
-              <a:rPr/>
-              <a:t> </a:t>
-            </a:r>
-            <a:r>
-              <a:rPr/>
-              <a:t>are</a:t>
-            </a:r>
-            <a:r>
-              <a:rPr/>
-              <a:t> </a:t>
-            </a:r>
-            <a:r>
-              <a:rPr/>
-              <a:t>Evolved</a:t>
+              <a:t>Mistake we Make</a:t>
             </a:r>
           </a:p>
         </p:txBody>
@@ -9092,18 +13921,24 @@
           <a:bodyPr/>
           <a:lstStyle/>
           <a:p>
-            <a:pPr lvl="0" marL="1270000" indent="0">
-              <a:buNone/>
-            </a:pPr>
-            <a:r>
-              <a:rPr sz="2000"/>
-              <a:t>Non-survival of the non-fit</a:t>
+            <a:pPr lvl="1"/>
+            <a:r>
+              <a:t>Equate fitness for objective function.</a:t>
+            </a:r>
+          </a:p>
+          <a:p>
+            <a:pPr lvl="1"/>
+            <a:r>
+              <a:t>Assume static environment and known objective.</a:t>
             </a:r>
           </a:p>
         </p:txBody>
       </p:sp>
     </p:spTree>
   </p:cSld>
+  <p:clrMapOvr>
+    <a:masterClrMapping/>
+  </p:clrMapOvr>
 </p:sld>
 </file>
 
@@ -9139,28 +13974,11 @@
           <a:bodyPr/>
           <a:lstStyle/>
           <a:p>
-            <a:pPr lvl="0" marL="0" indent="0">
+            <a:pPr marL="0" lvl="0" indent="0">
               <a:buNone/>
             </a:pPr>
             <a:r>
-              <a:rPr/>
-              <a:t>Mistake</a:t>
-            </a:r>
-            <a:r>
-              <a:rPr/>
-              <a:t> </a:t>
-            </a:r>
-            <a:r>
-              <a:rPr/>
-              <a:t>we</a:t>
-            </a:r>
-            <a:r>
-              <a:rPr/>
-              <a:t> </a:t>
-            </a:r>
-            <a:r>
-              <a:rPr/>
-              <a:t>Make</a:t>
+              <a:t>Technical Consequence</a:t>
             </a:r>
           </a:p>
         </p:txBody>
@@ -9182,21 +14000,29 @@
           <a:p>
             <a:pPr lvl="1"/>
             <a:r>
-              <a:rPr/>
-              <a:t>Equate fitness for objective function.</a:t>
+              <a:t>Classical systems design assumes </a:t>
+            </a:r>
+            <a:r>
+              <a:rPr i="1"/>
+              <a:t>decomposability</a:t>
+            </a:r>
+            <a:r>
+              <a:t>.</a:t>
             </a:r>
           </a:p>
           <a:p>
             <a:pPr lvl="1"/>
             <a:r>
-              <a:rPr/>
-              <a:t>Assume static environment and known objective.</a:t>
+              <a:t>Data-driven systems interfere with decomponsability.</a:t>
             </a:r>
           </a:p>
         </p:txBody>
       </p:sp>
     </p:spTree>
   </p:cSld>
+  <p:clrMapOvr>
+    <a:masterClrMapping/>
+  </p:clrMapOvr>
 </p:sld>
 </file>
 
